--- a/src/04-BuildingBlocks/04-BuildingBlocks.pptx
+++ b/src/04-BuildingBlocks/04-BuildingBlocks.pptx
@@ -5,7 +5,7 @@
     <p:sldMasterId id="2147483648" r:id="rId1"/>
   </p:sldMasterIdLst>
   <p:notesMasterIdLst>
-    <p:notesMasterId r:id="rId51"/>
+    <p:notesMasterId r:id="rId56"/>
   </p:notesMasterIdLst>
   <p:sldIdLst>
     <p:sldId id="256" r:id="rId2"/>
@@ -55,8 +55,13 @@
     <p:sldId id="359" r:id="rId46"/>
     <p:sldId id="360" r:id="rId47"/>
     <p:sldId id="361" r:id="rId48"/>
-    <p:sldId id="258" r:id="rId49"/>
-    <p:sldId id="365" r:id="rId50"/>
+    <p:sldId id="367" r:id="rId49"/>
+    <p:sldId id="368" r:id="rId50"/>
+    <p:sldId id="369" r:id="rId51"/>
+    <p:sldId id="270" r:id="rId52"/>
+    <p:sldId id="271" r:id="rId53"/>
+    <p:sldId id="258" r:id="rId54"/>
+    <p:sldId id="365" r:id="rId55"/>
   </p:sldIdLst>
   <p:sldSz cx="12192000" cy="6858000"/>
   <p:notesSz cx="6858000" cy="9144000"/>
@@ -211,6 +216,11 @@
             <p14:sldId id="359"/>
             <p14:sldId id="360"/>
             <p14:sldId id="361"/>
+            <p14:sldId id="367"/>
+            <p14:sldId id="368"/>
+            <p14:sldId id="369"/>
+            <p14:sldId id="270"/>
+            <p14:sldId id="271"/>
           </p14:sldIdLst>
         </p14:section>
         <p14:section name="Conclusion" id="{FAAC3CD8-4D89-4EEB-BC6E-FC3060975D43}">
@@ -1539,6 +1549,62 @@
 </inkml:ink>
 </file>
 
+<file path=ppt/ink/ink53.xml><?xml version="1.0" encoding="utf-8"?>
+<inkml:ink xmlns:inkml="http://www.w3.org/2003/InkML">
+  <inkml:definitions>
+    <inkml:context xml:id="ctx0">
+      <inkml:inkSource xml:id="inkSrc0">
+        <inkml:traceFormat>
+          <inkml:channel name="X" type="integer" min="-2.14748E9" max="2.14748E9" units="cm"/>
+          <inkml:channel name="Y" type="integer" min="-2.14748E9" max="2.14748E9" units="cm"/>
+          <inkml:channel name="F" type="integer" max="32767" units="dev"/>
+        </inkml:traceFormat>
+        <inkml:channelProperties>
+          <inkml:channelProperty channel="X" name="resolution" value="1000" units="1/cm"/>
+          <inkml:channelProperty channel="Y" name="resolution" value="1000" units="1/cm"/>
+          <inkml:channelProperty channel="F" name="resolution" value="0" units="1/dev"/>
+        </inkml:channelProperties>
+      </inkml:inkSource>
+      <inkml:timestamp xml:id="ts0" timeString="2023-02-25T05:00:27.230"/>
+    </inkml:context>
+    <inkml:brush xml:id="br0">
+      <inkml:brushProperty name="width" value="0.05" units="cm"/>
+      <inkml:brushProperty name="height" value="0.05" units="cm"/>
+      <inkml:brushProperty name="color" value="#66CC00"/>
+    </inkml:brush>
+  </inkml:definitions>
+  <inkml:trace contextRef="#ctx0" brushRef="#br0">1 227 24575,'3'0'0,"0"0"0,0-1 0,0 1 0,0-1 0,0 1 0,3-3 0,7-1 0,438-93-102,7 43-431,42 24 533,-111 0 0,-301 24 318,157 7-1,-214 3-317,1 2 0,0 1 0,-1 1 0,-1 2 0,1 1 0,32 17 0,-37-14 0,0 1 0,44 35 0,39 46 0,-67-57 0,-3 2 0,43 57 0,-65-75 0,-1 2 0,-1 0 0,-1 1 0,-1 0 0,-1 1 0,10 36 0,16 133 0,-20-84 0,63 213 0,-54-224 0,-18-66 0,-1 0 0,5 65 0,-12-83 0,-1 1 0,-1-1 0,0 0 0,-2 1 0,0-1 0,0 0 0,-2-1 0,-6 18 0,-6 3 0,-1-1 0,-1-1 0,-3 0 0,0-2 0,-38 42 0,10-20 0,-2-3 0,-62 48 0,62-59 0,-1-2 0,-2-2 0,-83 40 0,79-50 0,-2-2 0,0-4 0,-1-2 0,-72 13 0,16-12 0,0-6 0,-1-4 0,-172-9 0,236-5 0,2-3 0,-1-3 0,-74-22 0,107 26 0,-23-7 0,0-1 0,-50-25 0,66 25 0,2-2 0,0-2 0,1 0 0,0-1 0,-28-31 0,21 17 0,3-1 0,1-2 0,-24-39 0,36 48 0,2 0 0,-15-38 0,-15-62 0,0 2 0,-39-93 0,20-6 0,23 82 0,17 68 0,-23-67 0,5 21 0,-40-206 0,62 230 0,-5-25 0,19 89 0,-1-57 0,7 35-1365,-1 40-5461</inkml:trace>
+</inkml:ink>
+</file>
+
+<file path=ppt/ink/ink54.xml><?xml version="1.0" encoding="utf-8"?>
+<inkml:ink xmlns:inkml="http://www.w3.org/2003/InkML">
+  <inkml:definitions>
+    <inkml:context xml:id="ctx0">
+      <inkml:inkSource xml:id="inkSrc0">
+        <inkml:traceFormat>
+          <inkml:channel name="X" type="integer" min="-2.14748E9" max="2.14748E9" units="cm"/>
+          <inkml:channel name="Y" type="integer" min="-2.14748E9" max="2.14748E9" units="cm"/>
+          <inkml:channel name="F" type="integer" max="32767" units="dev"/>
+        </inkml:traceFormat>
+        <inkml:channelProperties>
+          <inkml:channelProperty channel="X" name="resolution" value="1000" units="1/cm"/>
+          <inkml:channelProperty channel="Y" name="resolution" value="1000" units="1/cm"/>
+          <inkml:channelProperty channel="F" name="resolution" value="0" units="1/dev"/>
+        </inkml:channelProperties>
+      </inkml:inkSource>
+      <inkml:timestamp xml:id="ts0" timeString="2023-02-25T05:19:36.939"/>
+    </inkml:context>
+    <inkml:brush xml:id="br0">
+      <inkml:brushProperty name="width" value="0.05" units="cm"/>
+      <inkml:brushProperty name="height" value="0.05" units="cm"/>
+      <inkml:brushProperty name="color" value="#66CC00"/>
+    </inkml:brush>
+  </inkml:definitions>
+  <inkml:trace contextRef="#ctx0" brushRef="#br0">1 706 24575,'1'37'-32,"2"1"0,2-1 0,2 1 0,1-2 0,1 1-1,3-1 1,29 66 0,2-18 161,106 154-1,-87-152-268,4-4 1,3-2-1,3-3 0,4-4 0,3-3 0,168 114 0,-161-131 18,2-3-1,2-4 1,3-5 0,1-3-1,1-5 1,2-3 0,131 21-1,200-9-961,0-37-1,51-17 531,-5-33 1,-411 35 553,0-3 0,106-38 0,-94 22 0,127-70 0,1-23 1151,-158 92-587,-1-3 0,55-52-1,146-191 1220,-190 203-1696,-3-2 0,-3-2 0,-4-2 0,-3-3 0,-4 0 0,52-168 0,-76 204-87,22-88 0,-13-22 0,-20 118 0,-1-1 0,-4-43 0,1 72 0,0 1 0,-1-1 0,0 1 0,0-1 0,-1 1 0,0 0 0,-1 0 0,0 0 0,-1 1 0,1-1 0,-1 1 0,-1 0 0,0 1 0,0-1 0,0 1 0,-14-11 0,-5-3 0,-2 1 0,0 1 0,-33-17 0,-97-38 0,109 56 0,-1 2 0,-1 2 0,0 2 0,0 3 0,-1 1 0,-75 0 0,-408 19-749,5 25-67,496-33 812,-585 51-803,455-29 2292,49-6-594,-383 35-891,199-11 0,41-3 0,199-34 0,-332 21 0,119-16 0,190-7 0,-105 2 0,171-5 0,0 1 0,1 1 0,-29 7 0,-39 22 0,69-25-1365,3 0-5461</inkml:trace>
+</inkml:ink>
+</file>
+
 <file path=ppt/ink/ink6.xml><?xml version="1.0" encoding="utf-8"?>
 <inkml:ink xmlns:inkml="http://www.w3.org/2003/InkML">
   <inkml:definitions>
@@ -1729,7 +1795,7 @@
           <a:p>
             <a:fld id="{65F018DB-0F0E-4385-9072-C2B7AE2C34B9}" type="datetimeFigureOut">
               <a:rPr lang="ru-RU" smtClean="0"/>
-              <a:t>14.02.2023</a:t>
+              <a:t>25.02.2023</a:t>
             </a:fld>
             <a:endParaRPr lang="ru-RU"/>
           </a:p>
@@ -2230,7 +2296,7 @@
           <a:p>
             <a:fld id="{EFAAC8F1-21AA-47EF-82D9-7929EA07D29D}" type="datetimeFigureOut">
               <a:rPr lang="ru-RU" smtClean="0"/>
-              <a:t>14.02.2023</a:t>
+              <a:t>25.02.2023</a:t>
             </a:fld>
             <a:endParaRPr lang="ru-RU"/>
           </a:p>
@@ -2430,7 +2496,7 @@
           <a:p>
             <a:fld id="{EFAAC8F1-21AA-47EF-82D9-7929EA07D29D}" type="datetimeFigureOut">
               <a:rPr lang="ru-RU" smtClean="0"/>
-              <a:t>14.02.2023</a:t>
+              <a:t>25.02.2023</a:t>
             </a:fld>
             <a:endParaRPr lang="ru-RU"/>
           </a:p>
@@ -2640,7 +2706,7 @@
           <a:p>
             <a:fld id="{EFAAC8F1-21AA-47EF-82D9-7929EA07D29D}" type="datetimeFigureOut">
               <a:rPr lang="ru-RU" smtClean="0"/>
-              <a:t>14.02.2023</a:t>
+              <a:t>25.02.2023</a:t>
             </a:fld>
             <a:endParaRPr lang="ru-RU"/>
           </a:p>
@@ -2840,7 +2906,7 @@
           <a:p>
             <a:fld id="{EFAAC8F1-21AA-47EF-82D9-7929EA07D29D}" type="datetimeFigureOut">
               <a:rPr lang="ru-RU" smtClean="0"/>
-              <a:t>14.02.2023</a:t>
+              <a:t>25.02.2023</a:t>
             </a:fld>
             <a:endParaRPr lang="ru-RU"/>
           </a:p>
@@ -3116,7 +3182,7 @@
           <a:p>
             <a:fld id="{EFAAC8F1-21AA-47EF-82D9-7929EA07D29D}" type="datetimeFigureOut">
               <a:rPr lang="ru-RU" smtClean="0"/>
-              <a:t>14.02.2023</a:t>
+              <a:t>25.02.2023</a:t>
             </a:fld>
             <a:endParaRPr lang="ru-RU"/>
           </a:p>
@@ -3384,7 +3450,7 @@
           <a:p>
             <a:fld id="{EFAAC8F1-21AA-47EF-82D9-7929EA07D29D}" type="datetimeFigureOut">
               <a:rPr lang="ru-RU" smtClean="0"/>
-              <a:t>14.02.2023</a:t>
+              <a:t>25.02.2023</a:t>
             </a:fld>
             <a:endParaRPr lang="ru-RU"/>
           </a:p>
@@ -3799,7 +3865,7 @@
           <a:p>
             <a:fld id="{EFAAC8F1-21AA-47EF-82D9-7929EA07D29D}" type="datetimeFigureOut">
               <a:rPr lang="ru-RU" smtClean="0"/>
-              <a:t>14.02.2023</a:t>
+              <a:t>25.02.2023</a:t>
             </a:fld>
             <a:endParaRPr lang="ru-RU"/>
           </a:p>
@@ -3941,7 +4007,7 @@
           <a:p>
             <a:fld id="{EFAAC8F1-21AA-47EF-82D9-7929EA07D29D}" type="datetimeFigureOut">
               <a:rPr lang="ru-RU" smtClean="0"/>
-              <a:t>14.02.2023</a:t>
+              <a:t>25.02.2023</a:t>
             </a:fld>
             <a:endParaRPr lang="ru-RU"/>
           </a:p>
@@ -4054,7 +4120,7 @@
           <a:p>
             <a:fld id="{EFAAC8F1-21AA-47EF-82D9-7929EA07D29D}" type="datetimeFigureOut">
               <a:rPr lang="ru-RU" smtClean="0"/>
-              <a:t>14.02.2023</a:t>
+              <a:t>25.02.2023</a:t>
             </a:fld>
             <a:endParaRPr lang="ru-RU"/>
           </a:p>
@@ -4367,7 +4433,7 @@
           <a:p>
             <a:fld id="{EFAAC8F1-21AA-47EF-82D9-7929EA07D29D}" type="datetimeFigureOut">
               <a:rPr lang="ru-RU" smtClean="0"/>
-              <a:t>14.02.2023</a:t>
+              <a:t>25.02.2023</a:t>
             </a:fld>
             <a:endParaRPr lang="ru-RU"/>
           </a:p>
@@ -4656,7 +4722,7 @@
           <a:p>
             <a:fld id="{EFAAC8F1-21AA-47EF-82D9-7929EA07D29D}" type="datetimeFigureOut">
               <a:rPr lang="ru-RU" smtClean="0"/>
-              <a:t>14.02.2023</a:t>
+              <a:t>25.02.2023</a:t>
             </a:fld>
             <a:endParaRPr lang="ru-RU"/>
           </a:p>
@@ -4899,7 +4965,7 @@
           <a:p>
             <a:fld id="{EFAAC8F1-21AA-47EF-82D9-7929EA07D29D}" type="datetimeFigureOut">
               <a:rPr lang="ru-RU" smtClean="0"/>
-              <a:t>14.02.2023</a:t>
+              <a:t>25.02.2023</a:t>
             </a:fld>
             <a:endParaRPr lang="ru-RU"/>
           </a:p>
@@ -36745,7 +36811,7 @@
           <p:cNvPr id="2" name="Title 1">
             <a:extLst>
               <a:ext uri="{FF2B5EF4-FFF2-40B4-BE49-F238E27FC236}">
-                <a16:creationId xmlns:a16="http://schemas.microsoft.com/office/drawing/2014/main" id="{6EAC2F57-76F8-946A-9A2F-91D6B0DFCD10}"/>
+                <a16:creationId xmlns:a16="http://schemas.microsoft.com/office/drawing/2014/main" id="{3AB80798-5C65-5F7B-E889-0844F600BA66}"/>
               </a:ext>
             </a:extLst>
           </p:cNvPr>
@@ -36763,7 +36829,7 @@
           <a:p>
             <a:r>
               <a:rPr lang="en-US" dirty="0"/>
-              <a:t>Homework</a:t>
+              <a:t>Where clause</a:t>
             </a:r>
             <a:endParaRPr lang="ru-RU" dirty="0"/>
           </a:p>
@@ -36774,7 +36840,7 @@
           <p:cNvPr id="3" name="Content Placeholder 2">
             <a:extLst>
               <a:ext uri="{FF2B5EF4-FFF2-40B4-BE49-F238E27FC236}">
-                <a16:creationId xmlns:a16="http://schemas.microsoft.com/office/drawing/2014/main" id="{357DED15-6CD3-6C54-F2B8-38B251C4BF7A}"/>
+                <a16:creationId xmlns:a16="http://schemas.microsoft.com/office/drawing/2014/main" id="{2F7AC485-357B-F84C-3ED7-8DA081DEBBE1}"/>
               </a:ext>
             </a:extLst>
           </p:cNvPr>
@@ -36787,9 +36853,7 @@
         </p:nvSpPr>
         <p:spPr/>
         <p:txBody>
-          <a:bodyPr>
-            <a:normAutofit fontScale="62500" lnSpcReduction="20000"/>
-          </a:bodyPr>
+          <a:bodyPr/>
           <a:lstStyle/>
           <a:p>
             <a:pPr marL="0" indent="0">
@@ -36816,53 +36880,44 @@
               <a:t> </a:t>
             </a:r>
             <a:r>
-              <a:rPr lang="en-US" dirty="0">
+              <a:rPr lang="en-US" dirty="0" err="1">
                 <a:solidFill>
                   <a:srgbClr val="00627A"/>
                 </a:solidFill>
                 <a:effectLst/>
                 <a:latin typeface="JetBrains Mono"/>
               </a:rPr>
-              <a:t>main</a:t>
-            </a:r>
-            <a:r>
-              <a:rPr lang="en-US" dirty="0">
-                <a:solidFill>
-                  <a:srgbClr val="080808"/>
-                </a:solidFill>
-                <a:effectLst/>
-                <a:latin typeface="JetBrains Mono"/>
-              </a:rPr>
-              <a:t>() {</a:t>
-            </a:r>
-            <a:br>
-              <a:rPr lang="en-US" dirty="0">
-                <a:solidFill>
-                  <a:srgbClr val="080808"/>
-                </a:solidFill>
-                <a:effectLst/>
-                <a:latin typeface="JetBrains Mono"/>
-              </a:rPr>
-            </a:br>
-            <a:r>
-              <a:rPr lang="en-US" dirty="0">
-                <a:solidFill>
-                  <a:srgbClr val="080808"/>
-                </a:solidFill>
-                <a:effectLst/>
-                <a:latin typeface="JetBrains Mono"/>
-              </a:rPr>
-              <a:t>    </a:t>
-            </a:r>
-            <a:r>
-              <a:rPr lang="en-US" dirty="0">
-                <a:solidFill>
-                  <a:srgbClr val="0033B3"/>
-                </a:solidFill>
-                <a:effectLst/>
-                <a:latin typeface="JetBrains Mono"/>
-              </a:rPr>
-              <a:t>let mut </a:t>
+              <a:t>trace_multiple</a:t>
+            </a:r>
+            <a:r>
+              <a:rPr lang="en-US" dirty="0">
+                <a:solidFill>
+                  <a:srgbClr val="080808"/>
+                </a:solidFill>
+                <a:effectLst/>
+                <a:latin typeface="JetBrains Mono"/>
+              </a:rPr>
+              <a:t>&lt;</a:t>
+            </a:r>
+            <a:r>
+              <a:rPr lang="en-US" dirty="0">
+                <a:solidFill>
+                  <a:srgbClr val="20999D"/>
+                </a:solidFill>
+                <a:effectLst/>
+                <a:latin typeface="JetBrains Mono"/>
+              </a:rPr>
+              <a:t>T</a:t>
+            </a:r>
+            <a:r>
+              <a:rPr lang="en-US" dirty="0">
+                <a:solidFill>
+                  <a:srgbClr val="080808"/>
+                </a:solidFill>
+                <a:effectLst/>
+                <a:latin typeface="JetBrains Mono"/>
+              </a:rPr>
+              <a:t>: </a:t>
             </a:r>
             <a:r>
               <a:rPr lang="en-US" dirty="0">
@@ -36872,17 +36927,17 @@
                 <a:effectLst/>
                 <a:latin typeface="JetBrains Mono"/>
               </a:rPr>
-              <a:t>person </a:t>
-            </a:r>
-            <a:r>
-              <a:rPr lang="en-US" dirty="0">
-                <a:solidFill>
-                  <a:srgbClr val="080808"/>
-                </a:solidFill>
-                <a:effectLst/>
-                <a:latin typeface="JetBrains Mono"/>
-              </a:rPr>
-              <a:t>= </a:t>
+              <a:t>Display </a:t>
+            </a:r>
+            <a:r>
+              <a:rPr lang="en-US" dirty="0">
+                <a:solidFill>
+                  <a:srgbClr val="080808"/>
+                </a:solidFill>
+                <a:effectLst/>
+                <a:latin typeface="JetBrains Mono"/>
+              </a:rPr>
+              <a:t>+ </a:t>
             </a:r>
             <a:r>
               <a:rPr lang="en-US" dirty="0">
@@ -36892,67 +36947,7 @@
                 <a:effectLst/>
                 <a:latin typeface="JetBrains Mono"/>
               </a:rPr>
-              <a:t>Person</a:t>
-            </a:r>
-            <a:r>
-              <a:rPr lang="en-US" dirty="0">
-                <a:solidFill>
-                  <a:srgbClr val="080808"/>
-                </a:solidFill>
-                <a:effectLst/>
-                <a:latin typeface="JetBrains Mono"/>
-              </a:rPr>
-              <a:t>::</a:t>
-            </a:r>
-            <a:r>
-              <a:rPr lang="en-US" i="1" dirty="0">
-                <a:solidFill>
-                  <a:srgbClr val="00627A"/>
-                </a:solidFill>
-                <a:effectLst/>
-                <a:latin typeface="JetBrains Mono"/>
-              </a:rPr>
-              <a:t>new</a:t>
-            </a:r>
-            <a:r>
-              <a:rPr lang="en-US" dirty="0">
-                <a:solidFill>
-                  <a:srgbClr val="080808"/>
-                </a:solidFill>
-                <a:effectLst/>
-                <a:latin typeface="JetBrains Mono"/>
-              </a:rPr>
-              <a:t>(</a:t>
-            </a:r>
-            <a:r>
-              <a:rPr lang="en-US" dirty="0">
-                <a:solidFill>
-                  <a:srgbClr val="1750EB"/>
-                </a:solidFill>
-                <a:effectLst/>
-                <a:latin typeface="JetBrains Mono"/>
-              </a:rPr>
-              <a:t>42</a:t>
-            </a:r>
-            <a:r>
-              <a:rPr lang="en-US" dirty="0">
-                <a:solidFill>
-                  <a:srgbClr val="080808"/>
-                </a:solidFill>
-                <a:effectLst/>
-                <a:latin typeface="JetBrains Mono"/>
-              </a:rPr>
-              <a:t>, (</a:t>
-            </a:r>
-            <a:r>
-              <a:rPr lang="en-US" dirty="0">
-                <a:solidFill>
-                  <a:srgbClr val="0033B3"/>
-                </a:solidFill>
-                <a:effectLst/>
-                <a:latin typeface="JetBrains Mono"/>
-              </a:rPr>
-              <a:t>false</a:t>
+              <a:t>Debug</a:t>
             </a:r>
             <a:r>
               <a:rPr lang="en-US" dirty="0">
@@ -36967,22 +36962,22 @@
             <a:r>
               <a:rPr lang="en-US" dirty="0">
                 <a:solidFill>
-                  <a:srgbClr val="1750EB"/>
-                </a:solidFill>
-                <a:effectLst/>
-                <a:latin typeface="JetBrains Mono"/>
-              </a:rPr>
-              <a:t>0</a:t>
-            </a:r>
-            <a:r>
-              <a:rPr lang="en-US" dirty="0">
-                <a:solidFill>
-                  <a:srgbClr val="080808"/>
-                </a:solidFill>
-                <a:effectLst/>
-                <a:latin typeface="JetBrains Mono"/>
-              </a:rPr>
-              <a:t>), </a:t>
+                  <a:srgbClr val="20999D"/>
+                </a:solidFill>
+                <a:effectLst/>
+                <a:latin typeface="JetBrains Mono"/>
+              </a:rPr>
+              <a:t>V</a:t>
+            </a:r>
+            <a:r>
+              <a:rPr lang="en-US" dirty="0">
+                <a:solidFill>
+                  <a:srgbClr val="080808"/>
+                </a:solidFill>
+                <a:effectLst/>
+                <a:latin typeface="JetBrains Mono"/>
+              </a:rPr>
+              <a:t>: </a:t>
             </a:r>
             <a:r>
               <a:rPr lang="en-US" dirty="0">
@@ -36992,1293 +36987,415 @@
                 <a:effectLst/>
                 <a:latin typeface="JetBrains Mono"/>
               </a:rPr>
-              <a:t>String</a:t>
-            </a:r>
-            <a:r>
-              <a:rPr lang="en-US" dirty="0">
-                <a:solidFill>
-                  <a:srgbClr val="080808"/>
-                </a:solidFill>
-                <a:effectLst/>
-                <a:latin typeface="JetBrains Mono"/>
-              </a:rPr>
-              <a:t>::</a:t>
-            </a:r>
-            <a:r>
-              <a:rPr lang="en-US" i="1" dirty="0">
-                <a:solidFill>
-                  <a:srgbClr val="00627A"/>
-                </a:solidFill>
-                <a:effectLst/>
-                <a:latin typeface="JetBrains Mono"/>
-              </a:rPr>
-              <a:t>from</a:t>
-            </a:r>
-            <a:r>
-              <a:rPr lang="en-US" dirty="0">
-                <a:solidFill>
-                  <a:srgbClr val="080808"/>
-                </a:solidFill>
-                <a:effectLst/>
-                <a:latin typeface="JetBrains Mono"/>
-              </a:rPr>
-              <a:t>(</a:t>
-            </a:r>
-            <a:r>
-              <a:rPr lang="en-US" dirty="0">
-                <a:solidFill>
-                  <a:srgbClr val="067D17"/>
-                </a:solidFill>
-                <a:effectLst/>
-                <a:latin typeface="JetBrains Mono"/>
-              </a:rPr>
-              <a:t>"Graydon Hoare"</a:t>
-            </a:r>
-            <a:r>
-              <a:rPr lang="en-US" dirty="0">
-                <a:solidFill>
-                  <a:srgbClr val="080808"/>
-                </a:solidFill>
-                <a:effectLst/>
-                <a:latin typeface="JetBrains Mono"/>
-              </a:rPr>
-              <a:t>),</a:t>
-            </a:r>
-            <a:br>
-              <a:rPr lang="en-US" dirty="0">
-                <a:solidFill>
-                  <a:srgbClr val="080808"/>
-                </a:solidFill>
-                <a:effectLst/>
-                <a:latin typeface="JetBrains Mono"/>
-              </a:rPr>
-            </a:br>
-            <a:r>
-              <a:rPr lang="en-US" dirty="0">
-                <a:solidFill>
-                  <a:srgbClr val="080808"/>
-                </a:solidFill>
-                <a:effectLst/>
-                <a:latin typeface="JetBrains Mono"/>
-              </a:rPr>
-              <a:t>                                 </a:t>
-            </a:r>
-            <a:r>
-              <a:rPr lang="en-US" dirty="0" err="1">
+              <a:t>Display </a:t>
+            </a:r>
+            <a:r>
+              <a:rPr lang="en-US" dirty="0">
+                <a:solidFill>
+                  <a:srgbClr val="080808"/>
+                </a:solidFill>
+                <a:effectLst/>
+                <a:latin typeface="JetBrains Mono"/>
+              </a:rPr>
+              <a:t>+ </a:t>
+            </a:r>
+            <a:r>
+              <a:rPr lang="en-US" dirty="0">
                 <a:solidFill>
                   <a:srgbClr val="000000"/>
                 </a:solidFill>
                 <a:effectLst/>
                 <a:latin typeface="JetBrains Mono"/>
               </a:rPr>
-              <a:t>PassportNumber</a:t>
-            </a:r>
-            <a:r>
-              <a:rPr lang="en-US" dirty="0">
-                <a:solidFill>
-                  <a:srgbClr val="080808"/>
-                </a:solidFill>
-                <a:effectLst/>
-                <a:latin typeface="JetBrains Mono"/>
-              </a:rPr>
-              <a:t>(</a:t>
-            </a:r>
-            <a:r>
-              <a:rPr lang="en-US" dirty="0">
-                <a:solidFill>
-                  <a:srgbClr val="1750EB"/>
-                </a:solidFill>
-                <a:effectLst/>
-                <a:latin typeface="JetBrains Mono"/>
-              </a:rPr>
-              <a:t>111</a:t>
-            </a:r>
-            <a:r>
-              <a:rPr lang="en-US" dirty="0">
-                <a:solidFill>
-                  <a:srgbClr val="080808"/>
-                </a:solidFill>
-                <a:effectLst/>
-                <a:latin typeface="JetBrains Mono"/>
-              </a:rPr>
-              <a:t>, </a:t>
-            </a:r>
-            <a:r>
-              <a:rPr lang="en-US" dirty="0">
-                <a:solidFill>
-                  <a:srgbClr val="1750EB"/>
-                </a:solidFill>
-                <a:effectLst/>
-                <a:latin typeface="JetBrains Mono"/>
-              </a:rPr>
-              <a:t>222</a:t>
-            </a:r>
-            <a:r>
-              <a:rPr lang="en-US" dirty="0">
-                <a:solidFill>
-                  <a:srgbClr val="080808"/>
-                </a:solidFill>
-                <a:effectLst/>
-                <a:latin typeface="JetBrains Mono"/>
-              </a:rPr>
-              <a:t>));</a:t>
-            </a:r>
-            <a:br>
-              <a:rPr lang="en-US" dirty="0">
-                <a:solidFill>
-                  <a:srgbClr val="080808"/>
-                </a:solidFill>
-                <a:effectLst/>
-                <a:latin typeface="JetBrains Mono"/>
-              </a:rPr>
-            </a:br>
-            <a:br>
-              <a:rPr lang="en-US" dirty="0">
-                <a:solidFill>
-                  <a:srgbClr val="080808"/>
-                </a:solidFill>
-                <a:effectLst/>
-                <a:latin typeface="JetBrains Mono"/>
-              </a:rPr>
-            </a:br>
-            <a:r>
-              <a:rPr lang="en-US" dirty="0">
-                <a:solidFill>
-                  <a:srgbClr val="080808"/>
-                </a:solidFill>
-                <a:effectLst/>
-                <a:latin typeface="JetBrains Mono"/>
-              </a:rPr>
-              <a:t>    </a:t>
-            </a:r>
-            <a:r>
-              <a:rPr lang="en-US" dirty="0" err="1">
-                <a:solidFill>
-                  <a:srgbClr val="DD6718"/>
-                </a:solidFill>
-                <a:effectLst/>
-                <a:latin typeface="JetBrains Mono"/>
-              </a:rPr>
-              <a:t>assert_eq</a:t>
-            </a:r>
-            <a:r>
-              <a:rPr lang="en-US" dirty="0">
-                <a:solidFill>
-                  <a:srgbClr val="DD6718"/>
-                </a:solidFill>
-                <a:effectLst/>
-                <a:latin typeface="JetBrains Mono"/>
-              </a:rPr>
-              <a:t>!</a:t>
-            </a:r>
-            <a:r>
-              <a:rPr lang="en-US" dirty="0">
-                <a:solidFill>
-                  <a:srgbClr val="080808"/>
-                </a:solidFill>
-                <a:effectLst/>
-                <a:latin typeface="JetBrains Mono"/>
-              </a:rPr>
-              <a:t>(</a:t>
-            </a:r>
-            <a:r>
-              <a:rPr lang="en-US" dirty="0">
-                <a:solidFill>
-                  <a:srgbClr val="067D17"/>
-                </a:solidFill>
-                <a:effectLst/>
-                <a:latin typeface="JetBrains Mono"/>
-              </a:rPr>
-              <a:t>"Graydon Hoare"</a:t>
-            </a:r>
-            <a:r>
-              <a:rPr lang="en-US" dirty="0">
-                <a:solidFill>
-                  <a:srgbClr val="080808"/>
-                </a:solidFill>
-                <a:effectLst/>
-                <a:latin typeface="JetBrains Mono"/>
-              </a:rPr>
-              <a:t>, </a:t>
-            </a:r>
-            <a:r>
-              <a:rPr lang="en-US" dirty="0">
-                <a:solidFill>
-                  <a:srgbClr val="DD6718"/>
-                </a:solidFill>
-                <a:effectLst/>
-                <a:latin typeface="JetBrains Mono"/>
-              </a:rPr>
-              <a:t>format!</a:t>
-            </a:r>
-            <a:r>
-              <a:rPr lang="en-US" dirty="0">
-                <a:solidFill>
-                  <a:srgbClr val="080808"/>
-                </a:solidFill>
-                <a:effectLst/>
-                <a:latin typeface="JetBrains Mono"/>
-              </a:rPr>
-              <a:t>(</a:t>
-            </a:r>
-            <a:r>
-              <a:rPr lang="en-US" dirty="0">
-                <a:solidFill>
-                  <a:srgbClr val="067D17"/>
-                </a:solidFill>
-                <a:effectLst/>
-                <a:latin typeface="JetBrains Mono"/>
-              </a:rPr>
-              <a:t>"</a:t>
-            </a:r>
-            <a:r>
-              <a:rPr lang="en-US" dirty="0">
-                <a:solidFill>
-                  <a:srgbClr val="0037A6"/>
-                </a:solidFill>
-                <a:effectLst/>
-                <a:latin typeface="JetBrains Mono"/>
-              </a:rPr>
-              <a:t>{}</a:t>
-            </a:r>
-            <a:r>
-              <a:rPr lang="en-US" dirty="0">
-                <a:solidFill>
-                  <a:srgbClr val="067D17"/>
-                </a:solidFill>
-                <a:effectLst/>
-                <a:latin typeface="JetBrains Mono"/>
-              </a:rPr>
-              <a:t>"</a:t>
-            </a:r>
-            <a:r>
-              <a:rPr lang="en-US" dirty="0">
-                <a:solidFill>
-                  <a:srgbClr val="080808"/>
-                </a:solidFill>
-                <a:effectLst/>
-                <a:latin typeface="JetBrains Mono"/>
-              </a:rPr>
-              <a:t>, </a:t>
-            </a:r>
-            <a:r>
-              <a:rPr lang="en-US" dirty="0">
-                <a:solidFill>
-                  <a:srgbClr val="000000"/>
-                </a:solidFill>
-                <a:effectLst/>
-                <a:latin typeface="JetBrains Mono"/>
-              </a:rPr>
-              <a:t>person</a:t>
-            </a:r>
-            <a:r>
-              <a:rPr lang="en-US" dirty="0">
-                <a:solidFill>
-                  <a:srgbClr val="080808"/>
-                </a:solidFill>
-                <a:effectLst/>
-                <a:latin typeface="JetBrains Mono"/>
-              </a:rPr>
-              <a:t>));</a:t>
-            </a:r>
-            <a:br>
-              <a:rPr lang="en-US" dirty="0">
-                <a:solidFill>
-                  <a:srgbClr val="080808"/>
-                </a:solidFill>
-                <a:effectLst/>
-                <a:latin typeface="JetBrains Mono"/>
-              </a:rPr>
-            </a:br>
-            <a:br>
-              <a:rPr lang="en-US" dirty="0">
-                <a:solidFill>
-                  <a:srgbClr val="080808"/>
-                </a:solidFill>
-                <a:effectLst/>
-                <a:latin typeface="JetBrains Mono"/>
-              </a:rPr>
-            </a:br>
-            <a:r>
-              <a:rPr lang="en-US" dirty="0">
-                <a:solidFill>
-                  <a:srgbClr val="080808"/>
-                </a:solidFill>
-                <a:effectLst/>
-                <a:latin typeface="JetBrains Mono"/>
-              </a:rPr>
-              <a:t>    </a:t>
-            </a:r>
-            <a:r>
-              <a:rPr lang="en-US" dirty="0" err="1">
-                <a:solidFill>
-                  <a:srgbClr val="DD6718"/>
-                </a:solidFill>
-                <a:effectLst/>
-                <a:latin typeface="JetBrains Mono"/>
-              </a:rPr>
-              <a:t>assert_eq</a:t>
-            </a:r>
-            <a:r>
-              <a:rPr lang="en-US" dirty="0">
-                <a:solidFill>
-                  <a:srgbClr val="DD6718"/>
-                </a:solidFill>
-                <a:effectLst/>
-                <a:latin typeface="JetBrains Mono"/>
-              </a:rPr>
-              <a:t>!</a:t>
-            </a:r>
-            <a:r>
-              <a:rPr lang="en-US" dirty="0">
-                <a:solidFill>
-                  <a:srgbClr val="080808"/>
-                </a:solidFill>
-                <a:effectLst/>
-                <a:latin typeface="JetBrains Mono"/>
-              </a:rPr>
-              <a:t>(</a:t>
-            </a:r>
-            <a:r>
-              <a:rPr lang="en-US" dirty="0">
-                <a:solidFill>
-                  <a:srgbClr val="1750EB"/>
-                </a:solidFill>
-                <a:effectLst/>
-                <a:latin typeface="JetBrains Mono"/>
-              </a:rPr>
-              <a:t>42</a:t>
-            </a:r>
-            <a:r>
-              <a:rPr lang="en-US" dirty="0">
-                <a:solidFill>
-                  <a:srgbClr val="080808"/>
-                </a:solidFill>
-                <a:effectLst/>
-                <a:latin typeface="JetBrains Mono"/>
-              </a:rPr>
-              <a:t>, </a:t>
-            </a:r>
-            <a:r>
-              <a:rPr lang="en-US" dirty="0" err="1">
-                <a:solidFill>
-                  <a:srgbClr val="000000"/>
-                </a:solidFill>
-                <a:effectLst/>
-                <a:latin typeface="JetBrains Mono"/>
-              </a:rPr>
-              <a:t>person</a:t>
-            </a:r>
-            <a:r>
-              <a:rPr lang="en-US" dirty="0" err="1">
-                <a:solidFill>
-                  <a:srgbClr val="080808"/>
-                </a:solidFill>
-                <a:effectLst/>
-                <a:latin typeface="JetBrains Mono"/>
-              </a:rPr>
-              <a:t>.get_id</a:t>
-            </a:r>
-            <a:r>
-              <a:rPr lang="en-US" dirty="0">
-                <a:solidFill>
-                  <a:srgbClr val="080808"/>
-                </a:solidFill>
-                <a:effectLst/>
-                <a:latin typeface="JetBrains Mono"/>
-              </a:rPr>
-              <a:t>());</a:t>
-            </a:r>
-            <a:br>
-              <a:rPr lang="en-US" dirty="0">
-                <a:solidFill>
-                  <a:srgbClr val="080808"/>
-                </a:solidFill>
-                <a:effectLst/>
-                <a:latin typeface="JetBrains Mono"/>
-              </a:rPr>
-            </a:br>
-            <a:br>
-              <a:rPr lang="en-US" dirty="0">
-                <a:solidFill>
-                  <a:srgbClr val="080808"/>
-                </a:solidFill>
-                <a:effectLst/>
-                <a:latin typeface="JetBrains Mono"/>
-              </a:rPr>
-            </a:br>
-            <a:r>
-              <a:rPr lang="en-US" dirty="0">
-                <a:solidFill>
-                  <a:srgbClr val="080808"/>
-                </a:solidFill>
-                <a:effectLst/>
-                <a:latin typeface="JetBrains Mono"/>
-              </a:rPr>
-              <a:t>    </a:t>
-            </a:r>
-            <a:r>
-              <a:rPr lang="en-US" dirty="0" err="1">
-                <a:solidFill>
-                  <a:srgbClr val="000000"/>
-                </a:solidFill>
-                <a:effectLst/>
-                <a:latin typeface="JetBrains Mono"/>
-              </a:rPr>
-              <a:t>person</a:t>
-            </a:r>
-            <a:r>
-              <a:rPr lang="en-US" dirty="0" err="1">
-                <a:solidFill>
-                  <a:srgbClr val="080808"/>
-                </a:solidFill>
-                <a:effectLst/>
-                <a:latin typeface="JetBrains Mono"/>
-              </a:rPr>
-              <a:t>.specify_age</a:t>
-            </a:r>
-            <a:r>
-              <a:rPr lang="en-US" dirty="0">
-                <a:solidFill>
-                  <a:srgbClr val="080808"/>
-                </a:solidFill>
-                <a:effectLst/>
-                <a:latin typeface="JetBrains Mono"/>
-              </a:rPr>
-              <a:t>(</a:t>
-            </a:r>
-            <a:r>
-              <a:rPr lang="en-US" dirty="0">
-                <a:solidFill>
-                  <a:srgbClr val="1750EB"/>
-                </a:solidFill>
-                <a:effectLst/>
-                <a:latin typeface="JetBrains Mono"/>
-              </a:rPr>
-              <a:t>50</a:t>
-            </a:r>
-            <a:r>
-              <a:rPr lang="en-US" dirty="0">
-                <a:solidFill>
-                  <a:srgbClr val="080808"/>
-                </a:solidFill>
-                <a:effectLst/>
-                <a:latin typeface="JetBrains Mono"/>
-              </a:rPr>
-              <a:t>);</a:t>
-            </a:r>
-            <a:br>
-              <a:rPr lang="en-US" dirty="0">
-                <a:solidFill>
-                  <a:srgbClr val="080808"/>
-                </a:solidFill>
-                <a:effectLst/>
-                <a:latin typeface="JetBrains Mono"/>
-              </a:rPr>
-            </a:br>
-            <a:r>
-              <a:rPr lang="en-US" dirty="0">
-                <a:solidFill>
-                  <a:srgbClr val="080808"/>
-                </a:solidFill>
-                <a:effectLst/>
-                <a:latin typeface="JetBrains Mono"/>
-              </a:rPr>
-              <a:t>    </a:t>
-            </a:r>
-            <a:r>
-              <a:rPr lang="en-US" dirty="0" err="1">
-                <a:solidFill>
-                  <a:srgbClr val="DD6718"/>
-                </a:solidFill>
-                <a:effectLst/>
-                <a:latin typeface="JetBrains Mono"/>
-              </a:rPr>
-              <a:t>assert_eq</a:t>
-            </a:r>
-            <a:r>
-              <a:rPr lang="en-US" dirty="0">
-                <a:solidFill>
-                  <a:srgbClr val="DD6718"/>
-                </a:solidFill>
-                <a:effectLst/>
-                <a:latin typeface="JetBrains Mono"/>
-              </a:rPr>
-              <a:t>!</a:t>
-            </a:r>
-            <a:r>
-              <a:rPr lang="en-US" dirty="0">
-                <a:solidFill>
-                  <a:srgbClr val="080808"/>
-                </a:solidFill>
-                <a:effectLst/>
-                <a:latin typeface="JetBrains Mono"/>
-              </a:rPr>
-              <a:t>((</a:t>
-            </a:r>
-            <a:r>
-              <a:rPr lang="en-US" dirty="0">
-                <a:solidFill>
-                  <a:srgbClr val="0033B3"/>
-                </a:solidFill>
-                <a:effectLst/>
-                <a:latin typeface="JetBrains Mono"/>
-              </a:rPr>
-              <a:t>true</a:t>
-            </a:r>
-            <a:r>
-              <a:rPr lang="en-US" dirty="0">
-                <a:solidFill>
-                  <a:srgbClr val="080808"/>
-                </a:solidFill>
-                <a:effectLst/>
-                <a:latin typeface="JetBrains Mono"/>
-              </a:rPr>
-              <a:t>, </a:t>
-            </a:r>
-            <a:r>
-              <a:rPr lang="en-US" dirty="0">
-                <a:solidFill>
-                  <a:srgbClr val="1750EB"/>
-                </a:solidFill>
-                <a:effectLst/>
-                <a:latin typeface="JetBrains Mono"/>
-              </a:rPr>
-              <a:t>50</a:t>
-            </a:r>
-            <a:r>
-              <a:rPr lang="en-US" dirty="0">
-                <a:solidFill>
-                  <a:srgbClr val="080808"/>
-                </a:solidFill>
-                <a:effectLst/>
-                <a:latin typeface="JetBrains Mono"/>
-              </a:rPr>
-              <a:t>), </a:t>
-            </a:r>
-            <a:r>
-              <a:rPr lang="en-US" dirty="0" err="1">
-                <a:solidFill>
-                  <a:srgbClr val="000000"/>
-                </a:solidFill>
-                <a:effectLst/>
-                <a:latin typeface="JetBrains Mono"/>
-              </a:rPr>
-              <a:t>person</a:t>
-            </a:r>
-            <a:r>
-              <a:rPr lang="en-US" dirty="0" err="1">
-                <a:solidFill>
-                  <a:srgbClr val="080808"/>
-                </a:solidFill>
-                <a:effectLst/>
-                <a:latin typeface="JetBrains Mono"/>
-              </a:rPr>
-              <a:t>.</a:t>
-            </a:r>
-            <a:r>
-              <a:rPr lang="en-US" dirty="0" err="1">
-                <a:solidFill>
-                  <a:srgbClr val="871094"/>
-                </a:solidFill>
-                <a:effectLst/>
-                <a:latin typeface="JetBrains Mono"/>
-              </a:rPr>
-              <a:t>age_if_specified</a:t>
-            </a:r>
-            <a:r>
-              <a:rPr lang="en-US" dirty="0">
-                <a:solidFill>
-                  <a:srgbClr val="080808"/>
-                </a:solidFill>
-                <a:effectLst/>
-                <a:latin typeface="JetBrains Mono"/>
-              </a:rPr>
-              <a:t>);</a:t>
-            </a:r>
-            <a:br>
-              <a:rPr lang="en-US" dirty="0">
-                <a:solidFill>
-                  <a:srgbClr val="080808"/>
-                </a:solidFill>
-                <a:effectLst/>
-                <a:latin typeface="JetBrains Mono"/>
-              </a:rPr>
-            </a:br>
-            <a:br>
-              <a:rPr lang="en-US" dirty="0">
-                <a:solidFill>
-                  <a:srgbClr val="080808"/>
-                </a:solidFill>
-                <a:effectLst/>
-                <a:latin typeface="JetBrains Mono"/>
-              </a:rPr>
-            </a:br>
-            <a:r>
-              <a:rPr lang="en-US" dirty="0">
-                <a:solidFill>
-                  <a:srgbClr val="080808"/>
-                </a:solidFill>
-                <a:effectLst/>
-                <a:latin typeface="JetBrains Mono"/>
-              </a:rPr>
-              <a:t>    </a:t>
-            </a:r>
-            <a:r>
-              <a:rPr lang="en-US" dirty="0" err="1">
-                <a:solidFill>
-                  <a:srgbClr val="DD6718"/>
-                </a:solidFill>
-                <a:effectLst/>
-                <a:latin typeface="JetBrains Mono"/>
-              </a:rPr>
-              <a:t>assert_eq</a:t>
-            </a:r>
-            <a:r>
-              <a:rPr lang="en-US" dirty="0">
-                <a:solidFill>
-                  <a:srgbClr val="DD6718"/>
-                </a:solidFill>
-                <a:effectLst/>
-                <a:latin typeface="JetBrains Mono"/>
-              </a:rPr>
-              <a:t>!</a:t>
-            </a:r>
-            <a:r>
-              <a:rPr lang="en-US" dirty="0">
-                <a:solidFill>
-                  <a:srgbClr val="080808"/>
-                </a:solidFill>
-                <a:effectLst/>
-                <a:latin typeface="JetBrains Mono"/>
-              </a:rPr>
-              <a:t>(</a:t>
-            </a:r>
-            <a:r>
-              <a:rPr lang="en-US" dirty="0">
-                <a:solidFill>
-                  <a:srgbClr val="067D17"/>
-                </a:solidFill>
-                <a:effectLst/>
-                <a:latin typeface="JetBrains Mono"/>
-              </a:rPr>
-              <a:t>"Graydon Hoare: 50 years"</a:t>
-            </a:r>
-            <a:r>
-              <a:rPr lang="en-US" dirty="0">
-                <a:solidFill>
-                  <a:srgbClr val="080808"/>
-                </a:solidFill>
-                <a:effectLst/>
-                <a:latin typeface="JetBrains Mono"/>
-              </a:rPr>
-              <a:t>, </a:t>
-            </a:r>
-            <a:r>
-              <a:rPr lang="en-US" dirty="0">
-                <a:solidFill>
-                  <a:srgbClr val="DD6718"/>
-                </a:solidFill>
-                <a:effectLst/>
-                <a:latin typeface="JetBrains Mono"/>
-              </a:rPr>
-              <a:t>format!</a:t>
-            </a:r>
-            <a:r>
-              <a:rPr lang="en-US" dirty="0">
-                <a:solidFill>
-                  <a:srgbClr val="080808"/>
-                </a:solidFill>
-                <a:effectLst/>
-                <a:latin typeface="JetBrains Mono"/>
-              </a:rPr>
-              <a:t>(</a:t>
-            </a:r>
-            <a:r>
-              <a:rPr lang="en-US" dirty="0">
-                <a:solidFill>
-                  <a:srgbClr val="067D17"/>
-                </a:solidFill>
-                <a:effectLst/>
-                <a:latin typeface="JetBrains Mono"/>
-              </a:rPr>
-              <a:t>"</a:t>
-            </a:r>
-            <a:r>
-              <a:rPr lang="en-US" dirty="0">
-                <a:solidFill>
-                  <a:srgbClr val="0037A6"/>
-                </a:solidFill>
-                <a:effectLst/>
-                <a:latin typeface="JetBrains Mono"/>
-              </a:rPr>
-              <a:t>{}</a:t>
-            </a:r>
-            <a:r>
-              <a:rPr lang="en-US" dirty="0">
-                <a:solidFill>
-                  <a:srgbClr val="067D17"/>
-                </a:solidFill>
-                <a:effectLst/>
-                <a:latin typeface="JetBrains Mono"/>
-              </a:rPr>
-              <a:t>"</a:t>
-            </a:r>
-            <a:r>
-              <a:rPr lang="en-US" dirty="0">
-                <a:solidFill>
-                  <a:srgbClr val="080808"/>
-                </a:solidFill>
-                <a:effectLst/>
-                <a:latin typeface="JetBrains Mono"/>
-              </a:rPr>
-              <a:t>, </a:t>
-            </a:r>
-            <a:r>
-              <a:rPr lang="en-US" dirty="0">
-                <a:solidFill>
-                  <a:srgbClr val="000000"/>
-                </a:solidFill>
-                <a:effectLst/>
-                <a:latin typeface="JetBrains Mono"/>
-              </a:rPr>
-              <a:t>person</a:t>
-            </a:r>
-            <a:r>
-              <a:rPr lang="en-US" dirty="0">
-                <a:solidFill>
-                  <a:srgbClr val="080808"/>
-                </a:solidFill>
-                <a:effectLst/>
-                <a:latin typeface="JetBrains Mono"/>
-              </a:rPr>
-              <a:t>));</a:t>
-            </a:r>
-            <a:br>
-              <a:rPr lang="en-US" dirty="0">
-                <a:solidFill>
-                  <a:srgbClr val="080808"/>
-                </a:solidFill>
-                <a:effectLst/>
-                <a:latin typeface="JetBrains Mono"/>
-              </a:rPr>
-            </a:br>
-            <a:br>
-              <a:rPr lang="en-US" dirty="0">
-                <a:solidFill>
-                  <a:srgbClr val="080808"/>
-                </a:solidFill>
-                <a:effectLst/>
-                <a:latin typeface="JetBrains Mono"/>
-              </a:rPr>
-            </a:br>
-            <a:r>
-              <a:rPr lang="en-US" dirty="0">
-                <a:solidFill>
-                  <a:srgbClr val="080808"/>
-                </a:solidFill>
-                <a:effectLst/>
-                <a:latin typeface="JetBrains Mono"/>
-              </a:rPr>
-              <a:t>    </a:t>
-            </a:r>
-            <a:r>
-              <a:rPr lang="en-US" dirty="0">
-                <a:solidFill>
-                  <a:srgbClr val="0033B3"/>
-                </a:solidFill>
-                <a:effectLst/>
-                <a:latin typeface="JetBrains Mono"/>
-              </a:rPr>
-              <a:t>let </a:t>
-            </a:r>
-            <a:r>
-              <a:rPr lang="en-US" dirty="0">
-                <a:solidFill>
-                  <a:srgbClr val="000000"/>
-                </a:solidFill>
-                <a:effectLst/>
-                <a:latin typeface="JetBrains Mono"/>
-              </a:rPr>
-              <a:t>passport </a:t>
-            </a:r>
-            <a:r>
-              <a:rPr lang="en-US" dirty="0">
-                <a:solidFill>
-                  <a:srgbClr val="080808"/>
-                </a:solidFill>
-                <a:effectLst/>
-                <a:latin typeface="JetBrains Mono"/>
-              </a:rPr>
-              <a:t>= </a:t>
-            </a:r>
-            <a:r>
-              <a:rPr lang="en-US" dirty="0" err="1">
-                <a:solidFill>
-                  <a:srgbClr val="080808"/>
-                </a:solidFill>
-                <a:effectLst/>
-                <a:latin typeface="JetBrains Mono"/>
-              </a:rPr>
-              <a:t>retrieve_passport</a:t>
-            </a:r>
-            <a:r>
-              <a:rPr lang="en-US" dirty="0">
-                <a:solidFill>
-                  <a:srgbClr val="080808"/>
-                </a:solidFill>
-                <a:effectLst/>
-                <a:latin typeface="JetBrains Mono"/>
-              </a:rPr>
-              <a:t>::&lt;</a:t>
-            </a:r>
-            <a:r>
-              <a:rPr lang="en-US" dirty="0">
-                <a:solidFill>
-                  <a:srgbClr val="000000"/>
-                </a:solidFill>
-                <a:effectLst/>
-                <a:latin typeface="JetBrains Mono"/>
-              </a:rPr>
-              <a:t>Person</a:t>
-            </a:r>
-            <a:r>
-              <a:rPr lang="en-US" dirty="0">
-                <a:solidFill>
-                  <a:srgbClr val="080808"/>
-                </a:solidFill>
-                <a:effectLst/>
-                <a:latin typeface="JetBrains Mono"/>
-              </a:rPr>
-              <a:t>&gt;(&amp;</a:t>
-            </a:r>
-            <a:r>
-              <a:rPr lang="en-US" dirty="0">
-                <a:solidFill>
-                  <a:srgbClr val="000000"/>
-                </a:solidFill>
-                <a:effectLst/>
-                <a:latin typeface="JetBrains Mono"/>
-              </a:rPr>
-              <a:t>person</a:t>
-            </a:r>
-            <a:r>
-              <a:rPr lang="en-US" dirty="0">
-                <a:solidFill>
-                  <a:srgbClr val="080808"/>
-                </a:solidFill>
-                <a:effectLst/>
-                <a:latin typeface="JetBrains Mono"/>
-              </a:rPr>
-              <a:t>); </a:t>
-            </a:r>
-            <a:r>
-              <a:rPr lang="en-US" i="1" dirty="0">
-                <a:solidFill>
-                  <a:srgbClr val="8C8C8C"/>
-                </a:solidFill>
-                <a:effectLst/>
-                <a:latin typeface="JetBrains Mono"/>
-              </a:rPr>
-              <a:t>// you MUST use </a:t>
-            </a:r>
-            <a:r>
-              <a:rPr lang="en-US" i="1" dirty="0" err="1">
-                <a:solidFill>
-                  <a:srgbClr val="8C8C8C"/>
-                </a:solidFill>
-                <a:effectLst/>
-                <a:latin typeface="JetBrains Mono"/>
-              </a:rPr>
-              <a:t>GetPassport</a:t>
-            </a:r>
-            <a:r>
-              <a:rPr lang="en-US" i="1" dirty="0">
-                <a:solidFill>
-                  <a:srgbClr val="8C8C8C"/>
-                </a:solidFill>
-                <a:effectLst/>
-                <a:latin typeface="JetBrains Mono"/>
-              </a:rPr>
-              <a:t> here</a:t>
-            </a:r>
-            <a:br>
-              <a:rPr lang="en-US" i="1" dirty="0">
-                <a:solidFill>
-                  <a:srgbClr val="8C8C8C"/>
-                </a:solidFill>
-                <a:effectLst/>
-                <a:latin typeface="JetBrains Mono"/>
-              </a:rPr>
-            </a:br>
-            <a:r>
-              <a:rPr lang="en-US" i="1" dirty="0">
-                <a:solidFill>
-                  <a:srgbClr val="8C8C8C"/>
-                </a:solidFill>
-                <a:effectLst/>
-                <a:latin typeface="JetBrains Mono"/>
-              </a:rPr>
-              <a:t>    </a:t>
-            </a:r>
-            <a:r>
-              <a:rPr lang="en-US" dirty="0" err="1">
-                <a:solidFill>
-                  <a:srgbClr val="DD6718"/>
-                </a:solidFill>
-                <a:effectLst/>
-                <a:latin typeface="JetBrains Mono"/>
-              </a:rPr>
-              <a:t>assert_eq</a:t>
-            </a:r>
-            <a:r>
-              <a:rPr lang="en-US" dirty="0">
-                <a:solidFill>
-                  <a:srgbClr val="DD6718"/>
-                </a:solidFill>
-                <a:effectLst/>
-                <a:latin typeface="JetBrains Mono"/>
-              </a:rPr>
-              <a:t>!</a:t>
-            </a:r>
-            <a:r>
-              <a:rPr lang="en-US" dirty="0">
-                <a:solidFill>
-                  <a:srgbClr val="080808"/>
-                </a:solidFill>
-                <a:effectLst/>
-                <a:latin typeface="JetBrains Mono"/>
-              </a:rPr>
-              <a:t>(</a:t>
-            </a:r>
-            <a:r>
-              <a:rPr lang="en-US" dirty="0">
-                <a:solidFill>
-                  <a:srgbClr val="1750EB"/>
-                </a:solidFill>
-                <a:effectLst/>
-                <a:latin typeface="JetBrains Mono"/>
-              </a:rPr>
-              <a:t>111</a:t>
-            </a:r>
-            <a:r>
-              <a:rPr lang="en-US" dirty="0">
-                <a:solidFill>
-                  <a:srgbClr val="080808"/>
-                </a:solidFill>
-                <a:effectLst/>
-                <a:latin typeface="JetBrains Mono"/>
-              </a:rPr>
-              <a:t>, </a:t>
-            </a:r>
-            <a:r>
-              <a:rPr lang="en-US" dirty="0">
-                <a:solidFill>
-                  <a:srgbClr val="000000"/>
-                </a:solidFill>
-                <a:effectLst/>
-                <a:latin typeface="JetBrains Mono"/>
-              </a:rPr>
-              <a:t>passport</a:t>
-            </a:r>
-            <a:r>
-              <a:rPr lang="en-US" dirty="0">
-                <a:solidFill>
-                  <a:srgbClr val="080808"/>
-                </a:solidFill>
-                <a:effectLst/>
-                <a:latin typeface="JetBrains Mono"/>
-              </a:rPr>
-              <a:t>.</a:t>
-            </a:r>
-            <a:r>
-              <a:rPr lang="en-US" dirty="0">
-                <a:solidFill>
-                  <a:srgbClr val="1750EB"/>
-                </a:solidFill>
-                <a:effectLst/>
-                <a:latin typeface="JetBrains Mono"/>
-              </a:rPr>
-              <a:t>0</a:t>
-            </a:r>
-            <a:r>
-              <a:rPr lang="en-US" dirty="0">
-                <a:solidFill>
-                  <a:srgbClr val="080808"/>
-                </a:solidFill>
-                <a:effectLst/>
-                <a:latin typeface="JetBrains Mono"/>
-              </a:rPr>
-              <a:t>);</a:t>
-            </a:r>
-            <a:br>
-              <a:rPr lang="en-US" dirty="0">
-                <a:solidFill>
-                  <a:srgbClr val="080808"/>
-                </a:solidFill>
-                <a:effectLst/>
-                <a:latin typeface="JetBrains Mono"/>
-              </a:rPr>
-            </a:br>
-            <a:br>
-              <a:rPr lang="en-US" dirty="0">
-                <a:solidFill>
-                  <a:srgbClr val="080808"/>
-                </a:solidFill>
-                <a:effectLst/>
-                <a:latin typeface="JetBrains Mono"/>
-              </a:rPr>
-            </a:br>
-            <a:r>
-              <a:rPr lang="en-US" dirty="0">
-                <a:solidFill>
-                  <a:srgbClr val="080808"/>
-                </a:solidFill>
-                <a:effectLst/>
-                <a:latin typeface="JetBrains Mono"/>
-              </a:rPr>
-              <a:t>    </a:t>
-            </a:r>
-            <a:r>
-              <a:rPr lang="en-US" dirty="0" err="1">
-                <a:solidFill>
-                  <a:srgbClr val="000000"/>
-                </a:solidFill>
-                <a:effectLst/>
-                <a:latin typeface="JetBrains Mono"/>
-              </a:rPr>
-              <a:t>person</a:t>
-            </a:r>
-            <a:r>
-              <a:rPr lang="en-US" dirty="0" err="1">
-                <a:solidFill>
-                  <a:srgbClr val="080808"/>
-                </a:solidFill>
-                <a:effectLst/>
-                <a:latin typeface="JetBrains Mono"/>
-              </a:rPr>
-              <a:t>.gdpr</a:t>
-            </a:r>
-            <a:r>
-              <a:rPr lang="en-US" dirty="0">
-                <a:solidFill>
-                  <a:srgbClr val="080808"/>
-                </a:solidFill>
-                <a:effectLst/>
-                <a:latin typeface="JetBrains Mono"/>
-              </a:rPr>
-              <a:t>(); </a:t>
-            </a:r>
-            <a:r>
-              <a:rPr lang="en-US" i="1" dirty="0">
-                <a:solidFill>
-                  <a:srgbClr val="8C8C8C"/>
-                </a:solidFill>
-                <a:effectLst/>
-                <a:latin typeface="JetBrains Mono"/>
-              </a:rPr>
-              <a:t>// GDPR regulations requires removing user data from memory</a:t>
-            </a:r>
-            <a:br>
-              <a:rPr lang="en-US" i="1" dirty="0">
-                <a:solidFill>
-                  <a:srgbClr val="8C8C8C"/>
-                </a:solidFill>
-                <a:effectLst/>
-                <a:latin typeface="JetBrains Mono"/>
-              </a:rPr>
-            </a:br>
-            <a:r>
-              <a:rPr lang="en-US" dirty="0">
-                <a:solidFill>
-                  <a:srgbClr val="080808"/>
-                </a:solidFill>
-                <a:effectLst/>
-                <a:latin typeface="JetBrains Mono"/>
-              </a:rPr>
-              <a:t>}</a:t>
-            </a:r>
-            <a:br>
-              <a:rPr lang="en-US" dirty="0">
-                <a:solidFill>
-                  <a:srgbClr val="080808"/>
-                </a:solidFill>
-                <a:effectLst/>
-                <a:latin typeface="JetBrains Mono"/>
-              </a:rPr>
-            </a:br>
-            <a:br>
-              <a:rPr lang="en-US" dirty="0">
-                <a:solidFill>
-                  <a:srgbClr val="080808"/>
-                </a:solidFill>
-                <a:effectLst/>
-                <a:latin typeface="JetBrains Mono"/>
-              </a:rPr>
-            </a:br>
-            <a:r>
-              <a:rPr lang="en-US" dirty="0">
-                <a:solidFill>
-                  <a:srgbClr val="0033B3"/>
-                </a:solidFill>
-                <a:effectLst/>
-                <a:latin typeface="JetBrains Mono"/>
-              </a:rPr>
-              <a:t>trait </a:t>
-            </a:r>
-            <a:r>
-              <a:rPr lang="en-US" dirty="0" err="1">
-                <a:solidFill>
-                  <a:srgbClr val="000000"/>
-                </a:solidFill>
-                <a:effectLst/>
-                <a:latin typeface="JetBrains Mono"/>
-              </a:rPr>
-              <a:t>GetPassport</a:t>
-            </a:r>
-            <a:r>
-              <a:rPr lang="en-US" dirty="0">
-                <a:solidFill>
-                  <a:srgbClr val="000000"/>
-                </a:solidFill>
-                <a:effectLst/>
-                <a:latin typeface="JetBrains Mono"/>
-              </a:rPr>
-              <a:t> </a:t>
-            </a:r>
-            <a:r>
-              <a:rPr lang="en-US" dirty="0">
-                <a:solidFill>
-                  <a:srgbClr val="080808"/>
-                </a:solidFill>
-                <a:effectLst/>
-                <a:latin typeface="JetBrains Mono"/>
-              </a:rPr>
-              <a:t>{</a:t>
-            </a:r>
-            <a:br>
-              <a:rPr lang="en-US" dirty="0">
-                <a:solidFill>
-                  <a:srgbClr val="080808"/>
-                </a:solidFill>
-                <a:effectLst/>
-                <a:latin typeface="JetBrains Mono"/>
-              </a:rPr>
-            </a:br>
-            <a:r>
-              <a:rPr lang="en-US" dirty="0">
-                <a:solidFill>
-                  <a:srgbClr val="080808"/>
-                </a:solidFill>
-                <a:effectLst/>
-                <a:latin typeface="JetBrains Mono"/>
-              </a:rPr>
-              <a:t>    </a:t>
-            </a:r>
-            <a:r>
-              <a:rPr lang="en-US" dirty="0" err="1">
-                <a:solidFill>
-                  <a:srgbClr val="0033B3"/>
-                </a:solidFill>
-                <a:effectLst/>
-                <a:latin typeface="JetBrains Mono"/>
-              </a:rPr>
-              <a:t>fn</a:t>
-            </a:r>
-            <a:r>
-              <a:rPr lang="en-US" dirty="0">
-                <a:solidFill>
-                  <a:srgbClr val="0033B3"/>
-                </a:solidFill>
-                <a:effectLst/>
-                <a:latin typeface="JetBrains Mono"/>
-              </a:rPr>
-              <a:t> </a:t>
-            </a:r>
-            <a:r>
-              <a:rPr lang="en-US" dirty="0" err="1">
-                <a:solidFill>
-                  <a:srgbClr val="00627A"/>
-                </a:solidFill>
-                <a:effectLst/>
-                <a:latin typeface="JetBrains Mono"/>
-              </a:rPr>
-              <a:t>get_passport</a:t>
-            </a:r>
-            <a:r>
-              <a:rPr lang="en-US" dirty="0">
-                <a:solidFill>
-                  <a:srgbClr val="080808"/>
-                </a:solidFill>
-                <a:effectLst/>
-                <a:latin typeface="JetBrains Mono"/>
-              </a:rPr>
-              <a:t>(&amp;</a:t>
-            </a:r>
-            <a:r>
-              <a:rPr lang="en-US" dirty="0">
-                <a:solidFill>
-                  <a:srgbClr val="0033B3"/>
-                </a:solidFill>
-                <a:effectLst/>
-                <a:latin typeface="JetBrains Mono"/>
-              </a:rPr>
-              <a:t>self</a:t>
-            </a:r>
-            <a:r>
-              <a:rPr lang="en-US" dirty="0">
-                <a:solidFill>
-                  <a:srgbClr val="080808"/>
-                </a:solidFill>
-                <a:effectLst/>
-                <a:latin typeface="JetBrains Mono"/>
-              </a:rPr>
-              <a:t>) -&gt; </a:t>
-            </a:r>
-            <a:r>
-              <a:rPr lang="en-US" dirty="0" err="1">
-                <a:solidFill>
-                  <a:srgbClr val="000000"/>
-                </a:solidFill>
-                <a:effectLst/>
-                <a:latin typeface="JetBrains Mono"/>
-              </a:rPr>
-              <a:t>PassportNumber</a:t>
-            </a:r>
-            <a:r>
-              <a:rPr lang="en-US" dirty="0">
-                <a:solidFill>
-                  <a:srgbClr val="080808"/>
-                </a:solidFill>
-                <a:effectLst/>
-                <a:latin typeface="JetBrains Mono"/>
-              </a:rPr>
-              <a:t>;</a:t>
-            </a:r>
-            <a:br>
-              <a:rPr lang="en-US" dirty="0">
-                <a:solidFill>
-                  <a:srgbClr val="080808"/>
-                </a:solidFill>
-                <a:effectLst/>
-                <a:latin typeface="JetBrains Mono"/>
-              </a:rPr>
-            </a:br>
-            <a:r>
-              <a:rPr lang="en-US" dirty="0">
-                <a:solidFill>
-                  <a:srgbClr val="080808"/>
-                </a:solidFill>
-                <a:effectLst/>
-                <a:latin typeface="JetBrains Mono"/>
-              </a:rPr>
-              <a:t>}</a:t>
+              <a:t>Debug</a:t>
+            </a:r>
+            <a:r>
+              <a:rPr lang="en-US" dirty="0">
+                <a:solidFill>
+                  <a:srgbClr val="080808"/>
+                </a:solidFill>
+                <a:effectLst/>
+                <a:latin typeface="JetBrains Mono"/>
+              </a:rPr>
+              <a:t>&gt;(to_trace1: </a:t>
+            </a:r>
+            <a:r>
+              <a:rPr lang="en-US" dirty="0">
+                <a:solidFill>
+                  <a:srgbClr val="20999D"/>
+                </a:solidFill>
+                <a:effectLst/>
+                <a:latin typeface="JetBrains Mono"/>
+              </a:rPr>
+              <a:t>T</a:t>
+            </a:r>
+            <a:r>
+              <a:rPr lang="en-US" dirty="0">
+                <a:solidFill>
+                  <a:srgbClr val="080808"/>
+                </a:solidFill>
+                <a:effectLst/>
+                <a:latin typeface="JetBrains Mono"/>
+              </a:rPr>
+              <a:t>, to_trace2: </a:t>
+            </a:r>
+            <a:r>
+              <a:rPr lang="en-US" dirty="0">
+                <a:solidFill>
+                  <a:srgbClr val="20999D"/>
+                </a:solidFill>
+                <a:effectLst/>
+                <a:latin typeface="JetBrains Mono"/>
+              </a:rPr>
+              <a:t>V</a:t>
+            </a:r>
+            <a:r>
+              <a:rPr lang="en-US" dirty="0">
+                <a:solidFill>
+                  <a:srgbClr val="080808"/>
+                </a:solidFill>
+                <a:effectLst/>
+                <a:latin typeface="JetBrains Mono"/>
+              </a:rPr>
+              <a:t>) {…</a:t>
             </a:r>
           </a:p>
           <a:p>
             <a:pPr marL="0" indent="0">
               <a:buNone/>
             </a:pPr>
+            <a:endParaRPr lang="en-US" dirty="0">
+              <a:solidFill>
+                <a:srgbClr val="080808"/>
+              </a:solidFill>
+              <a:latin typeface="JetBrains Mono"/>
+            </a:endParaRPr>
+          </a:p>
+          <a:p>
+            <a:pPr marL="0" indent="0">
+              <a:buNone/>
+            </a:pPr>
+            <a:r>
+              <a:rPr lang="en-US" dirty="0" err="1">
+                <a:solidFill>
+                  <a:srgbClr val="0033B3"/>
+                </a:solidFill>
+                <a:effectLst/>
+                <a:latin typeface="JetBrains Mono"/>
+              </a:rPr>
+              <a:t>fn</a:t>
+            </a:r>
+            <a:r>
+              <a:rPr lang="en-US" dirty="0">
+                <a:solidFill>
+                  <a:srgbClr val="0033B3"/>
+                </a:solidFill>
+                <a:effectLst/>
+                <a:latin typeface="JetBrains Mono"/>
+              </a:rPr>
+              <a:t> </a:t>
+            </a:r>
+            <a:r>
+              <a:rPr lang="en-US" dirty="0" err="1">
+                <a:solidFill>
+                  <a:srgbClr val="00627A"/>
+                </a:solidFill>
+                <a:effectLst/>
+                <a:latin typeface="JetBrains Mono"/>
+              </a:rPr>
+              <a:t>trace_multiple</a:t>
+            </a:r>
+            <a:r>
+              <a:rPr lang="en-US" dirty="0">
+                <a:solidFill>
+                  <a:srgbClr val="080808"/>
+                </a:solidFill>
+                <a:effectLst/>
+                <a:latin typeface="JetBrains Mono"/>
+              </a:rPr>
+              <a:t>&lt;</a:t>
+            </a:r>
+            <a:r>
+              <a:rPr lang="en-US" dirty="0">
+                <a:solidFill>
+                  <a:srgbClr val="20999D"/>
+                </a:solidFill>
+                <a:effectLst/>
+                <a:latin typeface="JetBrains Mono"/>
+              </a:rPr>
+              <a:t>T</a:t>
+            </a:r>
+            <a:r>
+              <a:rPr lang="en-US" dirty="0">
+                <a:solidFill>
+                  <a:srgbClr val="080808"/>
+                </a:solidFill>
+                <a:effectLst/>
+                <a:latin typeface="JetBrains Mono"/>
+              </a:rPr>
+              <a:t>, </a:t>
+            </a:r>
+            <a:r>
+              <a:rPr lang="en-US" dirty="0">
+                <a:solidFill>
+                  <a:srgbClr val="20999D"/>
+                </a:solidFill>
+                <a:effectLst/>
+                <a:latin typeface="JetBrains Mono"/>
+              </a:rPr>
+              <a:t>V</a:t>
+            </a:r>
+            <a:r>
+              <a:rPr lang="en-US" dirty="0">
+                <a:solidFill>
+                  <a:srgbClr val="080808"/>
+                </a:solidFill>
+                <a:effectLst/>
+                <a:latin typeface="JetBrains Mono"/>
+              </a:rPr>
+              <a:t>&gt;(to_trace1: </a:t>
+            </a:r>
+            <a:r>
+              <a:rPr lang="en-US" dirty="0">
+                <a:solidFill>
+                  <a:srgbClr val="20999D"/>
+                </a:solidFill>
+                <a:effectLst/>
+                <a:latin typeface="JetBrains Mono"/>
+              </a:rPr>
+              <a:t>T</a:t>
+            </a:r>
+            <a:r>
+              <a:rPr lang="en-US" dirty="0">
+                <a:solidFill>
+                  <a:srgbClr val="080808"/>
+                </a:solidFill>
+                <a:effectLst/>
+                <a:latin typeface="JetBrains Mono"/>
+              </a:rPr>
+              <a:t>, to_trace2: </a:t>
+            </a:r>
+            <a:r>
+              <a:rPr lang="en-US" dirty="0">
+                <a:solidFill>
+                  <a:srgbClr val="20999D"/>
+                </a:solidFill>
+                <a:effectLst/>
+                <a:latin typeface="JetBrains Mono"/>
+              </a:rPr>
+              <a:t>V</a:t>
+            </a:r>
+            <a:r>
+              <a:rPr lang="en-US" dirty="0">
+                <a:solidFill>
+                  <a:srgbClr val="080808"/>
+                </a:solidFill>
+                <a:effectLst/>
+                <a:latin typeface="JetBrains Mono"/>
+              </a:rPr>
+              <a:t>)</a:t>
+            </a:r>
+            <a:br>
+              <a:rPr lang="en-US" dirty="0">
+                <a:solidFill>
+                  <a:srgbClr val="080808"/>
+                </a:solidFill>
+                <a:effectLst/>
+                <a:latin typeface="JetBrains Mono"/>
+              </a:rPr>
+            </a:br>
+            <a:r>
+              <a:rPr lang="en-US" dirty="0">
+                <a:solidFill>
+                  <a:srgbClr val="080808"/>
+                </a:solidFill>
+                <a:effectLst/>
+                <a:latin typeface="JetBrains Mono"/>
+              </a:rPr>
+              <a:t>    </a:t>
+            </a:r>
+            <a:r>
+              <a:rPr lang="en-US" dirty="0">
+                <a:solidFill>
+                  <a:srgbClr val="0033B3"/>
+                </a:solidFill>
+                <a:effectLst/>
+                <a:latin typeface="JetBrains Mono"/>
+              </a:rPr>
+              <a:t>where</a:t>
+            </a:r>
+            <a:br>
+              <a:rPr lang="en-US" dirty="0">
+                <a:solidFill>
+                  <a:srgbClr val="0033B3"/>
+                </a:solidFill>
+                <a:effectLst/>
+                <a:latin typeface="JetBrains Mono"/>
+              </a:rPr>
+            </a:br>
+            <a:r>
+              <a:rPr lang="en-US" dirty="0">
+                <a:solidFill>
+                  <a:srgbClr val="0033B3"/>
+                </a:solidFill>
+                <a:effectLst/>
+                <a:latin typeface="JetBrains Mono"/>
+              </a:rPr>
+              <a:t>        </a:t>
+            </a:r>
+            <a:r>
+              <a:rPr lang="en-US" dirty="0">
+                <a:solidFill>
+                  <a:srgbClr val="20999D"/>
+                </a:solidFill>
+                <a:effectLst/>
+                <a:latin typeface="JetBrains Mono"/>
+              </a:rPr>
+              <a:t>T</a:t>
+            </a:r>
+            <a:r>
+              <a:rPr lang="en-US" dirty="0">
+                <a:solidFill>
+                  <a:srgbClr val="080808"/>
+                </a:solidFill>
+                <a:effectLst/>
+                <a:latin typeface="JetBrains Mono"/>
+              </a:rPr>
+              <a:t>: </a:t>
+            </a:r>
+            <a:r>
+              <a:rPr lang="en-US" dirty="0">
+                <a:solidFill>
+                  <a:srgbClr val="000000"/>
+                </a:solidFill>
+                <a:effectLst/>
+                <a:latin typeface="JetBrains Mono"/>
+              </a:rPr>
+              <a:t>Display </a:t>
+            </a:r>
+            <a:r>
+              <a:rPr lang="en-US" dirty="0">
+                <a:solidFill>
+                  <a:srgbClr val="080808"/>
+                </a:solidFill>
+                <a:effectLst/>
+                <a:latin typeface="JetBrains Mono"/>
+              </a:rPr>
+              <a:t>+ </a:t>
+            </a:r>
+            <a:r>
+              <a:rPr lang="en-US" dirty="0">
+                <a:solidFill>
+                  <a:srgbClr val="000000"/>
+                </a:solidFill>
+                <a:effectLst/>
+                <a:latin typeface="JetBrains Mono"/>
+              </a:rPr>
+              <a:t>Debug</a:t>
+            </a:r>
+            <a:r>
+              <a:rPr lang="en-US" dirty="0">
+                <a:solidFill>
+                  <a:srgbClr val="080808"/>
+                </a:solidFill>
+                <a:effectLst/>
+                <a:latin typeface="JetBrains Mono"/>
+              </a:rPr>
+              <a:t>,</a:t>
+            </a:r>
+            <a:br>
+              <a:rPr lang="en-US" dirty="0">
+                <a:solidFill>
+                  <a:srgbClr val="080808"/>
+                </a:solidFill>
+                <a:effectLst/>
+                <a:latin typeface="JetBrains Mono"/>
+              </a:rPr>
+            </a:br>
+            <a:r>
+              <a:rPr lang="en-US" dirty="0">
+                <a:solidFill>
+                  <a:srgbClr val="080808"/>
+                </a:solidFill>
+                <a:effectLst/>
+                <a:latin typeface="JetBrains Mono"/>
+              </a:rPr>
+              <a:t>        </a:t>
+            </a:r>
+            <a:r>
+              <a:rPr lang="en-US" dirty="0">
+                <a:solidFill>
+                  <a:srgbClr val="20999D"/>
+                </a:solidFill>
+                <a:effectLst/>
+                <a:latin typeface="JetBrains Mono"/>
+              </a:rPr>
+              <a:t>V</a:t>
+            </a:r>
+            <a:r>
+              <a:rPr lang="en-US" dirty="0">
+                <a:solidFill>
+                  <a:srgbClr val="080808"/>
+                </a:solidFill>
+                <a:effectLst/>
+                <a:latin typeface="JetBrains Mono"/>
+              </a:rPr>
+              <a:t>: </a:t>
+            </a:r>
+            <a:r>
+              <a:rPr lang="en-US" dirty="0">
+                <a:solidFill>
+                  <a:srgbClr val="000000"/>
+                </a:solidFill>
+                <a:effectLst/>
+                <a:latin typeface="JetBrains Mono"/>
+              </a:rPr>
+              <a:t>Display </a:t>
+            </a:r>
+            <a:r>
+              <a:rPr lang="en-US" dirty="0">
+                <a:solidFill>
+                  <a:srgbClr val="080808"/>
+                </a:solidFill>
+                <a:effectLst/>
+                <a:latin typeface="JetBrains Mono"/>
+              </a:rPr>
+              <a:t>+ </a:t>
+            </a:r>
+            <a:r>
+              <a:rPr lang="en-US" dirty="0">
+                <a:solidFill>
+                  <a:srgbClr val="000000"/>
+                </a:solidFill>
+                <a:effectLst/>
+                <a:latin typeface="JetBrains Mono"/>
+              </a:rPr>
+              <a:t>Debug </a:t>
+            </a:r>
+            <a:r>
+              <a:rPr lang="en-US" dirty="0">
+                <a:solidFill>
+                  <a:srgbClr val="080808"/>
+                </a:solidFill>
+                <a:effectLst/>
+                <a:latin typeface="JetBrains Mono"/>
+              </a:rPr>
+              <a:t>{</a:t>
+            </a:r>
+          </a:p>
+          <a:p>
+            <a:pPr marL="0" indent="0">
+              <a:buNone/>
+            </a:pPr>
+            <a:endParaRPr lang="en-US" dirty="0">
+              <a:solidFill>
+                <a:srgbClr val="080808"/>
+              </a:solidFill>
+              <a:effectLst/>
+              <a:latin typeface="JetBrains Mono"/>
+            </a:endParaRPr>
+          </a:p>
+          <a:p>
             <a:endParaRPr lang="ru-RU" dirty="0"/>
           </a:p>
         </p:txBody>
@@ -38286,13 +37403,95 @@
     </p:spTree>
     <p:extLst>
       <p:ext uri="{BB962C8B-B14F-4D97-AF65-F5344CB8AC3E}">
-        <p14:creationId xmlns:p14="http://schemas.microsoft.com/office/powerpoint/2010/main" val="1237145490"/>
+        <p14:creationId xmlns:p14="http://schemas.microsoft.com/office/powerpoint/2010/main" val="3628134959"/>
       </p:ext>
     </p:extLst>
   </p:cSld>
   <p:clrMapOvr>
     <a:masterClrMapping/>
   </p:clrMapOvr>
+  <p:timing>
+    <p:tnLst>
+      <p:par>
+        <p:cTn id="1" dur="indefinite" restart="never" nodeType="tmRoot">
+          <p:childTnLst>
+            <p:seq concurrent="1" nextAc="seek">
+              <p:cTn id="2" dur="indefinite" nodeType="mainSeq">
+                <p:childTnLst>
+                  <p:par>
+                    <p:cTn id="3" fill="hold">
+                      <p:stCondLst>
+                        <p:cond delay="indefinite"/>
+                      </p:stCondLst>
+                      <p:childTnLst>
+                        <p:par>
+                          <p:cTn id="4" fill="hold">
+                            <p:stCondLst>
+                              <p:cond delay="0"/>
+                            </p:stCondLst>
+                            <p:childTnLst>
+                              <p:par>
+                                <p:cTn id="5" presetID="1" presetClass="entr" presetSubtype="0" fill="hold" grpId="0" nodeType="clickEffect">
+                                  <p:stCondLst>
+                                    <p:cond delay="0"/>
+                                  </p:stCondLst>
+                                  <p:childTnLst>
+                                    <p:set>
+                                      <p:cBhvr>
+                                        <p:cTn id="6" dur="1" fill="hold">
+                                          <p:stCondLst>
+                                            <p:cond delay="0"/>
+                                          </p:stCondLst>
+                                        </p:cTn>
+                                        <p:tgtEl>
+                                          <p:spTgt spid="3">
+                                            <p:txEl>
+                                              <p:pRg st="2" end="2"/>
+                                            </p:txEl>
+                                          </p:spTgt>
+                                        </p:tgtEl>
+                                        <p:attrNameLst>
+                                          <p:attrName>style.visibility</p:attrName>
+                                        </p:attrNameLst>
+                                      </p:cBhvr>
+                                      <p:to>
+                                        <p:strVal val="visible"/>
+                                      </p:to>
+                                    </p:set>
+                                  </p:childTnLst>
+                                </p:cTn>
+                              </p:par>
+                            </p:childTnLst>
+                          </p:cTn>
+                        </p:par>
+                      </p:childTnLst>
+                    </p:cTn>
+                  </p:par>
+                </p:childTnLst>
+              </p:cTn>
+              <p:prevCondLst>
+                <p:cond evt="onPrev" delay="0">
+                  <p:tgtEl>
+                    <p:sldTgt/>
+                  </p:tgtEl>
+                </p:cond>
+              </p:prevCondLst>
+              <p:nextCondLst>
+                <p:cond evt="onNext" delay="0">
+                  <p:tgtEl>
+                    <p:sldTgt/>
+                  </p:tgtEl>
+                </p:cond>
+              </p:nextCondLst>
+            </p:seq>
+          </p:childTnLst>
+        </p:cTn>
+      </p:par>
+    </p:tnLst>
+    <p:bldLst>
+      <p:bldP spid="3" grpId="0" uiExpand="1" build="p"/>
+    </p:bldLst>
+  </p:timing>
 </p:sld>
 </file>
 
@@ -38318,7 +37517,7 @@
           <p:cNvPr id="2" name="Title 1">
             <a:extLst>
               <a:ext uri="{FF2B5EF4-FFF2-40B4-BE49-F238E27FC236}">
-                <a16:creationId xmlns:a16="http://schemas.microsoft.com/office/drawing/2014/main" id="{601EDD6B-F06B-C074-A2A9-E71347D152C2}"/>
+                <a16:creationId xmlns:a16="http://schemas.microsoft.com/office/drawing/2014/main" id="{F8830134-026B-F1CC-14EF-012E285181F8}"/>
               </a:ext>
             </a:extLst>
           </p:cNvPr>
@@ -38336,7 +37535,7 @@
           <a:p>
             <a:r>
               <a:rPr lang="en-US" dirty="0"/>
-              <a:t>Homework</a:t>
+              <a:t>Lifetime Bounds</a:t>
             </a:r>
             <a:endParaRPr lang="ru-RU" dirty="0"/>
           </a:p>
@@ -38347,7 +37546,7 @@
           <p:cNvPr id="3" name="Content Placeholder 2">
             <a:extLst>
               <a:ext uri="{FF2B5EF4-FFF2-40B4-BE49-F238E27FC236}">
-                <a16:creationId xmlns:a16="http://schemas.microsoft.com/office/drawing/2014/main" id="{F3FE997A-892C-E509-B404-6DDC8DE1E021}"/>
+                <a16:creationId xmlns:a16="http://schemas.microsoft.com/office/drawing/2014/main" id="{B0855EE3-2A07-7A11-1C56-0C499A7E2E08}"/>
               </a:ext>
             </a:extLst>
           </p:cNvPr>
@@ -38360,99 +37559,437 @@
         </p:nvSpPr>
         <p:spPr/>
         <p:txBody>
-          <a:bodyPr/>
+          <a:bodyPr>
+            <a:normAutofit/>
+          </a:bodyPr>
           <a:lstStyle/>
           <a:p>
-            <a:r>
-              <a:rPr lang="en-US" dirty="0">
-                <a:hlinkClick r:id="rId2"/>
-              </a:rPr>
-              <a:t>https://classroom.github.com/a/plOShaam</a:t>
-            </a:r>
-            <a:endParaRPr lang="en-US" dirty="0"/>
+            <a:pPr marL="0" indent="0">
+              <a:buNone/>
+            </a:pPr>
+            <a:r>
+              <a:rPr lang="en-US" dirty="0" err="1">
+                <a:solidFill>
+                  <a:srgbClr val="0033B3"/>
+                </a:solidFill>
+                <a:effectLst/>
+                <a:latin typeface="JetBrains Mono"/>
+              </a:rPr>
+              <a:t>fn</a:t>
+            </a:r>
+            <a:r>
+              <a:rPr lang="en-US" dirty="0">
+                <a:solidFill>
+                  <a:srgbClr val="0033B3"/>
+                </a:solidFill>
+                <a:effectLst/>
+                <a:latin typeface="JetBrains Mono"/>
+              </a:rPr>
+              <a:t> </a:t>
+            </a:r>
+            <a:r>
+              <a:rPr lang="en-US" dirty="0" err="1">
+                <a:solidFill>
+                  <a:srgbClr val="00627A"/>
+                </a:solidFill>
+                <a:effectLst/>
+                <a:latin typeface="JetBrains Mono"/>
+              </a:rPr>
+              <a:t>get_reference_tuple</a:t>
+            </a:r>
+            <a:r>
+              <a:rPr lang="en-US" dirty="0">
+                <a:solidFill>
+                  <a:srgbClr val="080808"/>
+                </a:solidFill>
+                <a:effectLst/>
+                <a:latin typeface="JetBrains Mono"/>
+              </a:rPr>
+              <a:t>&lt;</a:t>
+            </a:r>
+            <a:r>
+              <a:rPr lang="en-US" i="1" dirty="0">
+                <a:solidFill>
+                  <a:srgbClr val="20999D"/>
+                </a:solidFill>
+                <a:effectLst/>
+                <a:latin typeface="JetBrains Mono"/>
+              </a:rPr>
+              <a:t>'a</a:t>
+            </a:r>
+            <a:r>
+              <a:rPr lang="en-US" dirty="0">
+                <a:solidFill>
+                  <a:srgbClr val="080808"/>
+                </a:solidFill>
+                <a:effectLst/>
+                <a:latin typeface="JetBrains Mono"/>
+              </a:rPr>
+              <a:t>, </a:t>
+            </a:r>
+            <a:r>
+              <a:rPr lang="en-US" i="1" dirty="0">
+                <a:solidFill>
+                  <a:srgbClr val="20999D"/>
+                </a:solidFill>
+                <a:effectLst/>
+                <a:latin typeface="JetBrains Mono"/>
+              </a:rPr>
+              <a:t>'b</a:t>
+            </a:r>
+            <a:r>
+              <a:rPr lang="en-US" dirty="0">
+                <a:solidFill>
+                  <a:srgbClr val="080808"/>
+                </a:solidFill>
+                <a:effectLst/>
+                <a:latin typeface="JetBrains Mono"/>
+              </a:rPr>
+              <a:t>&gt;(left: &amp;</a:t>
+            </a:r>
+            <a:r>
+              <a:rPr lang="en-US" i="1" dirty="0">
+                <a:solidFill>
+                  <a:srgbClr val="20999D"/>
+                </a:solidFill>
+                <a:effectLst/>
+                <a:latin typeface="JetBrains Mono"/>
+              </a:rPr>
+              <a:t>'a </a:t>
+            </a:r>
+            <a:r>
+              <a:rPr lang="en-US" dirty="0" err="1">
+                <a:solidFill>
+                  <a:srgbClr val="000000"/>
+                </a:solidFill>
+                <a:effectLst/>
+                <a:latin typeface="JetBrains Mono"/>
+              </a:rPr>
+              <a:t>MyStruct</a:t>
+            </a:r>
+            <a:r>
+              <a:rPr lang="en-US" dirty="0">
+                <a:solidFill>
+                  <a:srgbClr val="080808"/>
+                </a:solidFill>
+                <a:effectLst/>
+                <a:latin typeface="JetBrains Mono"/>
+              </a:rPr>
+              <a:t>, right: &amp;</a:t>
+            </a:r>
+            <a:r>
+              <a:rPr lang="en-US" i="1" dirty="0">
+                <a:solidFill>
+                  <a:srgbClr val="20999D"/>
+                </a:solidFill>
+                <a:effectLst/>
+                <a:latin typeface="JetBrains Mono"/>
+              </a:rPr>
+              <a:t>'b </a:t>
+            </a:r>
+            <a:r>
+              <a:rPr lang="en-US" dirty="0" err="1">
+                <a:solidFill>
+                  <a:srgbClr val="000000"/>
+                </a:solidFill>
+                <a:effectLst/>
+                <a:latin typeface="JetBrains Mono"/>
+              </a:rPr>
+              <a:t>MyStruct</a:t>
+            </a:r>
+            <a:r>
+              <a:rPr lang="en-US" dirty="0">
+                <a:solidFill>
+                  <a:srgbClr val="080808"/>
+                </a:solidFill>
+                <a:effectLst/>
+                <a:latin typeface="JetBrains Mono"/>
+              </a:rPr>
+              <a:t>) </a:t>
+            </a:r>
+            <a:br>
+              <a:rPr lang="en-US" dirty="0">
+                <a:solidFill>
+                  <a:srgbClr val="080808"/>
+                </a:solidFill>
+                <a:effectLst/>
+                <a:latin typeface="JetBrains Mono"/>
+              </a:rPr>
+            </a:br>
+            <a:r>
+              <a:rPr lang="en-US" dirty="0">
+                <a:solidFill>
+                  <a:srgbClr val="080808"/>
+                </a:solidFill>
+                <a:effectLst/>
+                <a:latin typeface="JetBrains Mono"/>
+              </a:rPr>
+              <a:t>    -&gt; (&amp;</a:t>
+            </a:r>
+            <a:r>
+              <a:rPr lang="en-US" i="1" dirty="0">
+                <a:solidFill>
+                  <a:srgbClr val="20999D"/>
+                </a:solidFill>
+                <a:effectLst/>
+                <a:latin typeface="JetBrains Mono"/>
+              </a:rPr>
+              <a:t>'a </a:t>
+            </a:r>
+            <a:r>
+              <a:rPr lang="en-US" dirty="0">
+                <a:solidFill>
+                  <a:srgbClr val="0033B3"/>
+                </a:solidFill>
+                <a:effectLst/>
+                <a:latin typeface="JetBrains Mono"/>
+              </a:rPr>
+              <a:t>i32</a:t>
+            </a:r>
+            <a:r>
+              <a:rPr lang="en-US" dirty="0">
+                <a:solidFill>
+                  <a:srgbClr val="080808"/>
+                </a:solidFill>
+                <a:effectLst/>
+                <a:latin typeface="JetBrains Mono"/>
+              </a:rPr>
+              <a:t>, &amp;</a:t>
+            </a:r>
+            <a:r>
+              <a:rPr lang="en-US" i="1" dirty="0">
+                <a:solidFill>
+                  <a:srgbClr val="20999D"/>
+                </a:solidFill>
+                <a:effectLst/>
+                <a:latin typeface="JetBrains Mono"/>
+              </a:rPr>
+              <a:t>'a </a:t>
+            </a:r>
+            <a:r>
+              <a:rPr lang="en-US" dirty="0">
+                <a:solidFill>
+                  <a:srgbClr val="0033B3"/>
+                </a:solidFill>
+                <a:effectLst/>
+                <a:latin typeface="JetBrains Mono"/>
+              </a:rPr>
+              <a:t>i32</a:t>
+            </a:r>
+            <a:r>
+              <a:rPr lang="en-US" dirty="0">
+                <a:solidFill>
+                  <a:srgbClr val="080808"/>
+                </a:solidFill>
+                <a:effectLst/>
+                <a:latin typeface="JetBrains Mono"/>
+              </a:rPr>
+              <a:t>)</a:t>
+            </a:r>
+            <a:br>
+              <a:rPr lang="en-US" dirty="0">
+                <a:solidFill>
+                  <a:srgbClr val="080808"/>
+                </a:solidFill>
+                <a:effectLst/>
+                <a:latin typeface="JetBrains Mono"/>
+              </a:rPr>
+            </a:br>
+            <a:r>
+              <a:rPr lang="en-US" dirty="0">
+                <a:solidFill>
+                  <a:srgbClr val="080808"/>
+                </a:solidFill>
+                <a:effectLst/>
+                <a:latin typeface="JetBrains Mono"/>
+              </a:rPr>
+              <a:t>{</a:t>
+            </a:r>
+            <a:br>
+              <a:rPr lang="en-US" dirty="0">
+                <a:solidFill>
+                  <a:srgbClr val="080808"/>
+                </a:solidFill>
+                <a:effectLst/>
+                <a:latin typeface="JetBrains Mono"/>
+              </a:rPr>
+            </a:br>
+            <a:r>
+              <a:rPr lang="en-US" dirty="0">
+                <a:solidFill>
+                  <a:srgbClr val="080808"/>
+                </a:solidFill>
+                <a:effectLst/>
+                <a:latin typeface="JetBrains Mono"/>
+              </a:rPr>
+              <a:t>    (&amp;left.</a:t>
+            </a:r>
+            <a:r>
+              <a:rPr lang="en-US" dirty="0">
+                <a:solidFill>
+                  <a:srgbClr val="871094"/>
+                </a:solidFill>
+                <a:effectLst/>
+                <a:latin typeface="JetBrains Mono"/>
+              </a:rPr>
+              <a:t>value1</a:t>
+            </a:r>
+            <a:r>
+              <a:rPr lang="en-US" dirty="0">
+                <a:solidFill>
+                  <a:srgbClr val="080808"/>
+                </a:solidFill>
+                <a:effectLst/>
+                <a:latin typeface="JetBrains Mono"/>
+              </a:rPr>
+              <a:t>, &amp;right.</a:t>
+            </a:r>
+            <a:r>
+              <a:rPr lang="en-US" dirty="0">
+                <a:solidFill>
+                  <a:srgbClr val="871094"/>
+                </a:solidFill>
+                <a:effectLst/>
+                <a:latin typeface="JetBrains Mono"/>
+              </a:rPr>
+              <a:t>value1</a:t>
+            </a:r>
+            <a:r>
+              <a:rPr lang="en-US" dirty="0">
+                <a:solidFill>
+                  <a:srgbClr val="080808"/>
+                </a:solidFill>
+                <a:effectLst/>
+                <a:latin typeface="JetBrains Mono"/>
+              </a:rPr>
+              <a:t>)</a:t>
+            </a:r>
+            <a:br>
+              <a:rPr lang="en-US" dirty="0">
+                <a:solidFill>
+                  <a:srgbClr val="080808"/>
+                </a:solidFill>
+                <a:effectLst/>
+                <a:latin typeface="JetBrains Mono"/>
+              </a:rPr>
+            </a:br>
+            <a:r>
+              <a:rPr lang="en-US" dirty="0">
+                <a:solidFill>
+                  <a:srgbClr val="080808"/>
+                </a:solidFill>
+                <a:effectLst/>
+                <a:latin typeface="JetBrains Mono"/>
+              </a:rPr>
+              <a:t>}</a:t>
+            </a:r>
           </a:p>
           <a:p>
-            <a:r>
-              <a:rPr lang="en-US" dirty="0"/>
-              <a:t>Rustlings:</a:t>
-            </a:r>
-          </a:p>
-          <a:p>
-            <a:pPr lvl="1"/>
-            <a:r>
-              <a:rPr lang="en-US" dirty="0">
-                <a:solidFill>
-                  <a:srgbClr val="24292F"/>
-                </a:solidFill>
-                <a:latin typeface="-apple-system"/>
-              </a:rPr>
-              <a:t>s</a:t>
-            </a:r>
-            <a:r>
-              <a:rPr lang="en-US" b="0" i="0" dirty="0">
-                <a:solidFill>
-                  <a:srgbClr val="24292F"/>
-                </a:solidFill>
-                <a:effectLst/>
-                <a:latin typeface="-apple-system"/>
-              </a:rPr>
-              <a:t>tructs</a:t>
-            </a:r>
-          </a:p>
-          <a:p>
-            <a:pPr lvl="1"/>
-            <a:r>
-              <a:rPr lang="en-US" dirty="0">
-                <a:solidFill>
-                  <a:srgbClr val="24292F"/>
-                </a:solidFill>
-                <a:latin typeface="-apple-system"/>
-              </a:rPr>
-              <a:t>g</a:t>
-            </a:r>
-            <a:r>
-              <a:rPr lang="en-US" b="0" i="0" dirty="0">
-                <a:solidFill>
-                  <a:srgbClr val="24292F"/>
-                </a:solidFill>
-                <a:effectLst/>
-                <a:latin typeface="-apple-system"/>
-              </a:rPr>
-              <a:t>enerics</a:t>
-            </a:r>
-            <a:endParaRPr lang="en-US" dirty="0">
-              <a:solidFill>
-                <a:srgbClr val="24292F"/>
-              </a:solidFill>
-              <a:latin typeface="-apple-system"/>
-            </a:endParaRPr>
-          </a:p>
-          <a:p>
-            <a:pPr lvl="1"/>
-            <a:r>
-              <a:rPr lang="en-US" b="0" i="0" dirty="0">
-                <a:solidFill>
-                  <a:srgbClr val="24292F"/>
-                </a:solidFill>
-                <a:effectLst/>
-                <a:latin typeface="-apple-system"/>
-              </a:rPr>
-              <a:t>traits</a:t>
-            </a:r>
-            <a:endParaRPr lang="ru-RU" dirty="0"/>
+            <a:pPr marL="0" indent="0">
+              <a:buNone/>
+            </a:pPr>
+            <a:r>
+              <a:rPr lang="en-US" dirty="0">
+                <a:solidFill>
+                  <a:srgbClr val="FF0000"/>
+                </a:solidFill>
+                <a:effectLst/>
+                <a:latin typeface="JetBrains Mono"/>
+              </a:rPr>
+              <a:t>function was supposed to return data with lifetime `'a` but it is returning data with lifetime `'b`</a:t>
+            </a:r>
           </a:p>
         </p:txBody>
       </p:sp>
     </p:spTree>
     <p:extLst>
       <p:ext uri="{BB962C8B-B14F-4D97-AF65-F5344CB8AC3E}">
-        <p14:creationId xmlns:p14="http://schemas.microsoft.com/office/powerpoint/2010/main" val="1152584853"/>
+        <p14:creationId xmlns:p14="http://schemas.microsoft.com/office/powerpoint/2010/main" val="790230573"/>
       </p:ext>
     </p:extLst>
   </p:cSld>
   <p:clrMapOvr>
     <a:masterClrMapping/>
   </p:clrMapOvr>
+  <p:timing>
+    <p:tnLst>
+      <p:par>
+        <p:cTn id="1" dur="indefinite" restart="never" nodeType="tmRoot">
+          <p:childTnLst>
+            <p:seq concurrent="1" nextAc="seek">
+              <p:cTn id="2" dur="indefinite" nodeType="mainSeq">
+                <p:childTnLst>
+                  <p:par>
+                    <p:cTn id="3" fill="hold">
+                      <p:stCondLst>
+                        <p:cond delay="indefinite"/>
+                      </p:stCondLst>
+                      <p:childTnLst>
+                        <p:par>
+                          <p:cTn id="4" fill="hold">
+                            <p:stCondLst>
+                              <p:cond delay="0"/>
+                            </p:stCondLst>
+                            <p:childTnLst>
+                              <p:par>
+                                <p:cTn id="5" presetID="1" presetClass="entr" presetSubtype="0" fill="hold" nodeType="clickEffect">
+                                  <p:stCondLst>
+                                    <p:cond delay="0"/>
+                                  </p:stCondLst>
+                                  <p:childTnLst>
+                                    <p:set>
+                                      <p:cBhvr>
+                                        <p:cTn id="6" dur="1" fill="hold">
+                                          <p:stCondLst>
+                                            <p:cond delay="0"/>
+                                          </p:stCondLst>
+                                        </p:cTn>
+                                        <p:tgtEl>
+                                          <p:spTgt spid="3">
+                                            <p:txEl>
+                                              <p:pRg st="1" end="1"/>
+                                            </p:txEl>
+                                          </p:spTgt>
+                                        </p:tgtEl>
+                                        <p:attrNameLst>
+                                          <p:attrName>style.visibility</p:attrName>
+                                        </p:attrNameLst>
+                                      </p:cBhvr>
+                                      <p:to>
+                                        <p:strVal val="visible"/>
+                                      </p:to>
+                                    </p:set>
+                                  </p:childTnLst>
+                                </p:cTn>
+                              </p:par>
+                            </p:childTnLst>
+                          </p:cTn>
+                        </p:par>
+                      </p:childTnLst>
+                    </p:cTn>
+                  </p:par>
+                </p:childTnLst>
+              </p:cTn>
+              <p:prevCondLst>
+                <p:cond evt="onPrev" delay="0">
+                  <p:tgtEl>
+                    <p:sldTgt/>
+                  </p:tgtEl>
+                </p:cond>
+              </p:prevCondLst>
+              <p:nextCondLst>
+                <p:cond evt="onNext" delay="0">
+                  <p:tgtEl>
+                    <p:sldTgt/>
+                  </p:tgtEl>
+                </p:cond>
+              </p:nextCondLst>
+            </p:seq>
+          </p:childTnLst>
+        </p:cTn>
+      </p:par>
+    </p:tnLst>
+  </p:timing>
 </p:sld>
 </file>
 
@@ -39151,6 +38688,3944 @@
       </p:par>
     </p:tnLst>
   </p:timing>
+</p:sld>
+</file>
+
+<file path=ppt/slides/slide50.xml><?xml version="1.0" encoding="utf-8"?>
+<p:sld xmlns:a="http://schemas.openxmlformats.org/drawingml/2006/main" xmlns:r="http://schemas.openxmlformats.org/officeDocument/2006/relationships" xmlns:p="http://schemas.openxmlformats.org/presentationml/2006/main">
+  <p:cSld>
+    <p:spTree>
+      <p:nvGrpSpPr>
+        <p:cNvPr id="1" name=""/>
+        <p:cNvGrpSpPr/>
+        <p:nvPr/>
+      </p:nvGrpSpPr>
+      <p:grpSpPr>
+        <a:xfrm>
+          <a:off x="0" y="0"/>
+          <a:ext cx="0" cy="0"/>
+          <a:chOff x="0" y="0"/>
+          <a:chExt cx="0" cy="0"/>
+        </a:xfrm>
+      </p:grpSpPr>
+      <p:sp>
+        <p:nvSpPr>
+          <p:cNvPr id="2" name="Title 1">
+            <a:extLst>
+              <a:ext uri="{FF2B5EF4-FFF2-40B4-BE49-F238E27FC236}">
+                <a16:creationId xmlns:a16="http://schemas.microsoft.com/office/drawing/2014/main" id="{F8830134-026B-F1CC-14EF-012E285181F8}"/>
+              </a:ext>
+            </a:extLst>
+          </p:cNvPr>
+          <p:cNvSpPr>
+            <a:spLocks noGrp="1"/>
+          </p:cNvSpPr>
+          <p:nvPr>
+            <p:ph type="title"/>
+          </p:nvPr>
+        </p:nvSpPr>
+        <p:spPr/>
+        <p:txBody>
+          <a:bodyPr/>
+          <a:lstStyle/>
+          <a:p>
+            <a:r>
+              <a:rPr lang="en-US" dirty="0"/>
+              <a:t>Lifetime Bounds</a:t>
+            </a:r>
+            <a:endParaRPr lang="ru-RU" dirty="0"/>
+          </a:p>
+        </p:txBody>
+      </p:sp>
+      <p:sp>
+        <p:nvSpPr>
+          <p:cNvPr id="3" name="Content Placeholder 2">
+            <a:extLst>
+              <a:ext uri="{FF2B5EF4-FFF2-40B4-BE49-F238E27FC236}">
+                <a16:creationId xmlns:a16="http://schemas.microsoft.com/office/drawing/2014/main" id="{B0855EE3-2A07-7A11-1C56-0C499A7E2E08}"/>
+              </a:ext>
+            </a:extLst>
+          </p:cNvPr>
+          <p:cNvSpPr>
+            <a:spLocks noGrp="1"/>
+          </p:cNvSpPr>
+          <p:nvPr>
+            <p:ph idx="1"/>
+          </p:nvPr>
+        </p:nvSpPr>
+        <p:spPr/>
+        <p:txBody>
+          <a:bodyPr>
+            <a:normAutofit/>
+          </a:bodyPr>
+          <a:lstStyle/>
+          <a:p>
+            <a:pPr marL="0" indent="0">
+              <a:buNone/>
+            </a:pPr>
+            <a:r>
+              <a:rPr lang="en-US" dirty="0" err="1">
+                <a:solidFill>
+                  <a:srgbClr val="0033B3"/>
+                </a:solidFill>
+                <a:latin typeface="JetBrains Mono"/>
+              </a:rPr>
+              <a:t>fn</a:t>
+            </a:r>
+            <a:r>
+              <a:rPr lang="en-US" dirty="0">
+                <a:solidFill>
+                  <a:srgbClr val="0033B3"/>
+                </a:solidFill>
+                <a:latin typeface="JetBrains Mono"/>
+              </a:rPr>
+              <a:t> </a:t>
+            </a:r>
+            <a:r>
+              <a:rPr lang="en-US" dirty="0" err="1">
+                <a:solidFill>
+                  <a:srgbClr val="00627A"/>
+                </a:solidFill>
+                <a:latin typeface="JetBrains Mono"/>
+              </a:rPr>
+              <a:t>get_reference_tuple</a:t>
+            </a:r>
+            <a:r>
+              <a:rPr lang="en-US" dirty="0">
+                <a:solidFill>
+                  <a:srgbClr val="080808"/>
+                </a:solidFill>
+                <a:latin typeface="JetBrains Mono"/>
+              </a:rPr>
+              <a:t>&lt;</a:t>
+            </a:r>
+            <a:r>
+              <a:rPr lang="en-US" i="1" dirty="0">
+                <a:solidFill>
+                  <a:srgbClr val="20999D"/>
+                </a:solidFill>
+                <a:latin typeface="JetBrains Mono"/>
+              </a:rPr>
+              <a:t>'a</a:t>
+            </a:r>
+            <a:r>
+              <a:rPr lang="en-US" dirty="0">
+                <a:solidFill>
+                  <a:srgbClr val="080808"/>
+                </a:solidFill>
+                <a:latin typeface="JetBrains Mono"/>
+              </a:rPr>
+              <a:t>, </a:t>
+            </a:r>
+            <a:r>
+              <a:rPr lang="en-US" i="1" dirty="0">
+                <a:solidFill>
+                  <a:srgbClr val="20999D"/>
+                </a:solidFill>
+                <a:latin typeface="JetBrains Mono"/>
+              </a:rPr>
+              <a:t>'b</a:t>
+            </a:r>
+            <a:r>
+              <a:rPr lang="en-US" dirty="0">
+                <a:solidFill>
+                  <a:srgbClr val="080808"/>
+                </a:solidFill>
+                <a:latin typeface="JetBrains Mono"/>
+              </a:rPr>
+              <a:t>: </a:t>
+            </a:r>
+            <a:r>
+              <a:rPr lang="en-US" i="1" dirty="0">
+                <a:solidFill>
+                  <a:srgbClr val="20999D"/>
+                </a:solidFill>
+                <a:latin typeface="JetBrains Mono"/>
+              </a:rPr>
+              <a:t>'a</a:t>
+            </a:r>
+            <a:r>
+              <a:rPr lang="en-US" dirty="0">
+                <a:solidFill>
+                  <a:srgbClr val="080808"/>
+                </a:solidFill>
+                <a:latin typeface="JetBrains Mono"/>
+              </a:rPr>
+              <a:t>&gt;(left: &amp;</a:t>
+            </a:r>
+            <a:r>
+              <a:rPr lang="en-US" i="1" dirty="0">
+                <a:solidFill>
+                  <a:srgbClr val="20999D"/>
+                </a:solidFill>
+                <a:latin typeface="JetBrains Mono"/>
+              </a:rPr>
+              <a:t>'a </a:t>
+            </a:r>
+            <a:r>
+              <a:rPr lang="en-US" dirty="0" err="1">
+                <a:solidFill>
+                  <a:srgbClr val="000000"/>
+                </a:solidFill>
+                <a:latin typeface="JetBrains Mono"/>
+              </a:rPr>
+              <a:t>MyStruct</a:t>
+            </a:r>
+            <a:r>
+              <a:rPr lang="en-US" dirty="0">
+                <a:solidFill>
+                  <a:srgbClr val="080808"/>
+                </a:solidFill>
+                <a:latin typeface="JetBrains Mono"/>
+              </a:rPr>
+              <a:t>, right: &amp;</a:t>
+            </a:r>
+            <a:r>
+              <a:rPr lang="en-US" i="1" dirty="0">
+                <a:solidFill>
+                  <a:srgbClr val="20999D"/>
+                </a:solidFill>
+                <a:latin typeface="JetBrains Mono"/>
+              </a:rPr>
+              <a:t>'b </a:t>
+            </a:r>
+            <a:r>
+              <a:rPr lang="en-US" dirty="0" err="1">
+                <a:solidFill>
+                  <a:srgbClr val="000000"/>
+                </a:solidFill>
+                <a:latin typeface="JetBrains Mono"/>
+              </a:rPr>
+              <a:t>MyStruct</a:t>
+            </a:r>
+            <a:r>
+              <a:rPr lang="en-US" dirty="0">
+                <a:solidFill>
+                  <a:srgbClr val="080808"/>
+                </a:solidFill>
+                <a:latin typeface="JetBrains Mono"/>
+              </a:rPr>
+              <a:t>)</a:t>
+            </a:r>
+            <a:br>
+              <a:rPr lang="en-US" dirty="0">
+                <a:solidFill>
+                  <a:srgbClr val="080808"/>
+                </a:solidFill>
+                <a:latin typeface="JetBrains Mono"/>
+              </a:rPr>
+            </a:br>
+            <a:r>
+              <a:rPr lang="en-US" dirty="0">
+                <a:solidFill>
+                  <a:srgbClr val="080808"/>
+                </a:solidFill>
+                <a:latin typeface="JetBrains Mono"/>
+              </a:rPr>
+              <a:t>    -&gt; (&amp;</a:t>
+            </a:r>
+            <a:r>
+              <a:rPr lang="en-US" i="1" dirty="0">
+                <a:solidFill>
+                  <a:srgbClr val="20999D"/>
+                </a:solidFill>
+                <a:latin typeface="JetBrains Mono"/>
+              </a:rPr>
+              <a:t>'a </a:t>
+            </a:r>
+            <a:r>
+              <a:rPr lang="en-US" dirty="0">
+                <a:solidFill>
+                  <a:srgbClr val="0033B3"/>
+                </a:solidFill>
+                <a:latin typeface="JetBrains Mono"/>
+              </a:rPr>
+              <a:t>i32</a:t>
+            </a:r>
+            <a:r>
+              <a:rPr lang="en-US" dirty="0">
+                <a:solidFill>
+                  <a:srgbClr val="080808"/>
+                </a:solidFill>
+                <a:latin typeface="JetBrains Mono"/>
+              </a:rPr>
+              <a:t>, &amp;</a:t>
+            </a:r>
+            <a:r>
+              <a:rPr lang="en-US" i="1" dirty="0">
+                <a:solidFill>
+                  <a:srgbClr val="20999D"/>
+                </a:solidFill>
+                <a:latin typeface="JetBrains Mono"/>
+              </a:rPr>
+              <a:t>'a </a:t>
+            </a:r>
+            <a:r>
+              <a:rPr lang="en-US" dirty="0">
+                <a:solidFill>
+                  <a:srgbClr val="0033B3"/>
+                </a:solidFill>
+                <a:latin typeface="JetBrains Mono"/>
+              </a:rPr>
+              <a:t>i32</a:t>
+            </a:r>
+            <a:r>
+              <a:rPr lang="en-US" dirty="0">
+                <a:solidFill>
+                  <a:srgbClr val="080808"/>
+                </a:solidFill>
+                <a:latin typeface="JetBrains Mono"/>
+              </a:rPr>
+              <a:t>)</a:t>
+            </a:r>
+            <a:br>
+              <a:rPr lang="en-US" dirty="0">
+                <a:solidFill>
+                  <a:srgbClr val="080808"/>
+                </a:solidFill>
+                <a:latin typeface="JetBrains Mono"/>
+              </a:rPr>
+            </a:br>
+            <a:r>
+              <a:rPr lang="en-US" dirty="0">
+                <a:solidFill>
+                  <a:srgbClr val="080808"/>
+                </a:solidFill>
+                <a:latin typeface="JetBrains Mono"/>
+              </a:rPr>
+              <a:t>{</a:t>
+            </a:r>
+            <a:br>
+              <a:rPr lang="en-US" dirty="0">
+                <a:solidFill>
+                  <a:srgbClr val="080808"/>
+                </a:solidFill>
+                <a:latin typeface="JetBrains Mono"/>
+              </a:rPr>
+            </a:br>
+            <a:r>
+              <a:rPr lang="en-US" dirty="0">
+                <a:solidFill>
+                  <a:srgbClr val="080808"/>
+                </a:solidFill>
+                <a:latin typeface="JetBrains Mono"/>
+              </a:rPr>
+              <a:t>    (&amp;left.</a:t>
+            </a:r>
+            <a:r>
+              <a:rPr lang="en-US" dirty="0">
+                <a:solidFill>
+                  <a:srgbClr val="871094"/>
+                </a:solidFill>
+                <a:latin typeface="JetBrains Mono"/>
+              </a:rPr>
+              <a:t>value1</a:t>
+            </a:r>
+            <a:r>
+              <a:rPr lang="en-US" dirty="0">
+                <a:solidFill>
+                  <a:srgbClr val="080808"/>
+                </a:solidFill>
+                <a:latin typeface="JetBrains Mono"/>
+              </a:rPr>
+              <a:t>, &amp;right.</a:t>
+            </a:r>
+            <a:r>
+              <a:rPr lang="en-US" dirty="0">
+                <a:solidFill>
+                  <a:srgbClr val="871094"/>
+                </a:solidFill>
+                <a:latin typeface="JetBrains Mono"/>
+              </a:rPr>
+              <a:t>value1</a:t>
+            </a:r>
+            <a:r>
+              <a:rPr lang="en-US" dirty="0">
+                <a:solidFill>
+                  <a:srgbClr val="080808"/>
+                </a:solidFill>
+                <a:latin typeface="JetBrains Mono"/>
+              </a:rPr>
+              <a:t>)</a:t>
+            </a:r>
+            <a:br>
+              <a:rPr lang="en-US" dirty="0">
+                <a:solidFill>
+                  <a:srgbClr val="080808"/>
+                </a:solidFill>
+                <a:latin typeface="JetBrains Mono"/>
+              </a:rPr>
+            </a:br>
+            <a:r>
+              <a:rPr lang="en-US" dirty="0">
+                <a:solidFill>
+                  <a:srgbClr val="080808"/>
+                </a:solidFill>
+                <a:latin typeface="JetBrains Mono"/>
+              </a:rPr>
+              <a:t>}</a:t>
+            </a:r>
+          </a:p>
+          <a:p>
+            <a:pPr marL="0" indent="0">
+              <a:buNone/>
+            </a:pPr>
+            <a:endParaRPr lang="en-US" dirty="0">
+              <a:solidFill>
+                <a:srgbClr val="FF0000"/>
+              </a:solidFill>
+              <a:effectLst/>
+              <a:latin typeface="JetBrains Mono"/>
+            </a:endParaRPr>
+          </a:p>
+        </p:txBody>
+      </p:sp>
+      <mc:AlternateContent xmlns:mc="http://schemas.openxmlformats.org/markup-compatibility/2006" xmlns:p14="http://schemas.microsoft.com/office/powerpoint/2010/main">
+        <mc:Choice Requires="p14">
+          <p:contentPart p14:bwMode="auto" r:id="rId2">
+            <p14:nvContentPartPr>
+              <p14:cNvPr id="4" name="Ink 3">
+                <a:extLst>
+                  <a:ext uri="{FF2B5EF4-FFF2-40B4-BE49-F238E27FC236}">
+                    <a16:creationId xmlns:a16="http://schemas.microsoft.com/office/drawing/2014/main" id="{DFC3BBAB-3D60-6CD5-8DF4-2EE09772F455}"/>
+                  </a:ext>
+                </a:extLst>
+              </p14:cNvPr>
+              <p14:cNvContentPartPr/>
+              <p14:nvPr/>
+            </p14:nvContentPartPr>
+            <p14:xfrm>
+              <a:off x="4773868" y="1692674"/>
+              <a:ext cx="1122480" cy="914760"/>
+            </p14:xfrm>
+          </p:contentPart>
+        </mc:Choice>
+        <mc:Fallback xmlns="">
+          <p:pic>
+            <p:nvPicPr>
+              <p:cNvPr id="4" name="Ink 3">
+                <a:extLst>
+                  <a:ext uri="{FF2B5EF4-FFF2-40B4-BE49-F238E27FC236}">
+                    <a16:creationId xmlns:a16="http://schemas.microsoft.com/office/drawing/2014/main" id="{DFC3BBAB-3D60-6CD5-8DF4-2EE09772F455}"/>
+                  </a:ext>
+                </a:extLst>
+              </p:cNvPr>
+              <p:cNvPicPr/>
+              <p:nvPr/>
+            </p:nvPicPr>
+            <p:blipFill>
+              <a:blip r:embed="rId3"/>
+              <a:stretch>
+                <a:fillRect/>
+              </a:stretch>
+            </p:blipFill>
+            <p:spPr>
+              <a:xfrm>
+                <a:off x="4764868" y="1684034"/>
+                <a:ext cx="1140120" cy="932400"/>
+              </a:xfrm>
+              <a:prstGeom prst="rect">
+                <a:avLst/>
+              </a:prstGeom>
+            </p:spPr>
+          </p:pic>
+        </mc:Fallback>
+      </mc:AlternateContent>
+    </p:spTree>
+    <p:extLst>
+      <p:ext uri="{BB962C8B-B14F-4D97-AF65-F5344CB8AC3E}">
+        <p14:creationId xmlns:p14="http://schemas.microsoft.com/office/powerpoint/2010/main" val="52556492"/>
+      </p:ext>
+    </p:extLst>
+  </p:cSld>
+  <p:clrMapOvr>
+    <a:masterClrMapping/>
+  </p:clrMapOvr>
+  <p:timing>
+    <p:tnLst>
+      <p:par>
+        <p:cTn id="1" dur="indefinite" restart="never" nodeType="tmRoot">
+          <p:childTnLst>
+            <p:seq concurrent="1" nextAc="seek">
+              <p:cTn id="2" dur="indefinite" nodeType="mainSeq">
+                <p:childTnLst>
+                  <p:par>
+                    <p:cTn id="3" fill="hold">
+                      <p:stCondLst>
+                        <p:cond delay="indefinite"/>
+                      </p:stCondLst>
+                      <p:childTnLst>
+                        <p:par>
+                          <p:cTn id="4" fill="hold">
+                            <p:stCondLst>
+                              <p:cond delay="0"/>
+                            </p:stCondLst>
+                            <p:childTnLst>
+                              <p:par>
+                                <p:cTn id="5" presetID="63" presetClass="entr" presetSubtype="0" fill="hold" nodeType="clickEffect">
+                                  <p:stCondLst>
+                                    <p:cond delay="0"/>
+                                  </p:stCondLst>
+                                  <p:childTnLst>
+                                    <p:set>
+                                      <p:cBhvr>
+                                        <p:cTn id="6" dur="1" fill="hold">
+                                          <p:stCondLst>
+                                            <p:cond delay="0"/>
+                                          </p:stCondLst>
+                                        </p:cTn>
+                                        <p:tgtEl>
+                                          <p:spTgt spid="4"/>
+                                        </p:tgtEl>
+                                        <p:attrNameLst>
+                                          <p:attrName>style.visibility</p:attrName>
+                                        </p:attrNameLst>
+                                      </p:cBhvr>
+                                      <p:to>
+                                        <p:strVal val="visible"/>
+                                      </p:to>
+                                    </p:set>
+                                    <p:anim calcmode="lin" valueType="num">
+                                      <p:cBhvr>
+                                        <p:cTn id="7" dur="2000" fill="hold"/>
+                                        <p:tgtEl>
+                                          <p:spTgt spid="4"/>
+                                        </p:tgtEl>
+                                        <p:attrNameLst>
+                                          <p:attrName>drawProgress</p:attrName>
+                                        </p:attrNameLst>
+                                      </p:cBhvr>
+                                      <p:tavLst>
+                                        <p:tav tm="0">
+                                          <p:val>
+                                            <p:fltVal val="0"/>
+                                          </p:val>
+                                        </p:tav>
+                                        <p:tav tm="100000">
+                                          <p:val>
+                                            <p:fltVal val="1"/>
+                                          </p:val>
+                                        </p:tav>
+                                      </p:tavLst>
+                                    </p:anim>
+                                  </p:childTnLst>
+                                </p:cTn>
+                              </p:par>
+                            </p:childTnLst>
+                          </p:cTn>
+                        </p:par>
+                      </p:childTnLst>
+                    </p:cTn>
+                  </p:par>
+                </p:childTnLst>
+              </p:cTn>
+              <p:prevCondLst>
+                <p:cond evt="onPrev" delay="0">
+                  <p:tgtEl>
+                    <p:sldTgt/>
+                  </p:tgtEl>
+                </p:cond>
+              </p:prevCondLst>
+              <p:nextCondLst>
+                <p:cond evt="onNext" delay="0">
+                  <p:tgtEl>
+                    <p:sldTgt/>
+                  </p:tgtEl>
+                </p:cond>
+              </p:nextCondLst>
+            </p:seq>
+          </p:childTnLst>
+        </p:cTn>
+      </p:par>
+    </p:tnLst>
+  </p:timing>
+</p:sld>
+</file>
+
+<file path=ppt/slides/slide51.xml><?xml version="1.0" encoding="utf-8"?>
+<p:sld xmlns:a="http://schemas.openxmlformats.org/drawingml/2006/main" xmlns:r="http://schemas.openxmlformats.org/officeDocument/2006/relationships" xmlns:p="http://schemas.openxmlformats.org/presentationml/2006/main">
+  <p:cSld>
+    <p:spTree>
+      <p:nvGrpSpPr>
+        <p:cNvPr id="1" name=""/>
+        <p:cNvGrpSpPr/>
+        <p:nvPr/>
+      </p:nvGrpSpPr>
+      <p:grpSpPr>
+        <a:xfrm>
+          <a:off x="0" y="0"/>
+          <a:ext cx="0" cy="0"/>
+          <a:chOff x="0" y="0"/>
+          <a:chExt cx="0" cy="0"/>
+        </a:xfrm>
+      </p:grpSpPr>
+      <p:sp>
+        <p:nvSpPr>
+          <p:cNvPr id="2" name="Title 1">
+            <a:extLst>
+              <a:ext uri="{FF2B5EF4-FFF2-40B4-BE49-F238E27FC236}">
+                <a16:creationId xmlns:a16="http://schemas.microsoft.com/office/drawing/2014/main" id="{E7A5BE56-2D46-6C72-63B8-3E3384EF0E14}"/>
+              </a:ext>
+            </a:extLst>
+          </p:cNvPr>
+          <p:cNvSpPr>
+            <a:spLocks noGrp="1"/>
+          </p:cNvSpPr>
+          <p:nvPr>
+            <p:ph type="title"/>
+          </p:nvPr>
+        </p:nvSpPr>
+        <p:spPr/>
+        <p:txBody>
+          <a:bodyPr/>
+          <a:lstStyle/>
+          <a:p>
+            <a:r>
+              <a:rPr lang="en-US" dirty="0"/>
+              <a:t>Associated Type</a:t>
+            </a:r>
+            <a:endParaRPr lang="ru-RU" dirty="0"/>
+          </a:p>
+        </p:txBody>
+      </p:sp>
+      <p:sp>
+        <p:nvSpPr>
+          <p:cNvPr id="3" name="Content Placeholder 2">
+            <a:extLst>
+              <a:ext uri="{FF2B5EF4-FFF2-40B4-BE49-F238E27FC236}">
+                <a16:creationId xmlns:a16="http://schemas.microsoft.com/office/drawing/2014/main" id="{77F76ECA-56DF-8508-4AAC-A32A3D7A1111}"/>
+              </a:ext>
+            </a:extLst>
+          </p:cNvPr>
+          <p:cNvSpPr>
+            <a:spLocks noGrp="1"/>
+          </p:cNvSpPr>
+          <p:nvPr>
+            <p:ph idx="1"/>
+          </p:nvPr>
+        </p:nvSpPr>
+        <p:spPr/>
+        <p:txBody>
+          <a:bodyPr/>
+          <a:lstStyle/>
+          <a:p>
+            <a:pPr marL="0" indent="0">
+              <a:buNone/>
+            </a:pPr>
+            <a:r>
+              <a:rPr lang="en-US" dirty="0">
+                <a:solidFill>
+                  <a:srgbClr val="0033B3"/>
+                </a:solidFill>
+                <a:effectLst/>
+                <a:latin typeface="JetBrains Mono"/>
+              </a:rPr>
+              <a:t>trait </a:t>
+            </a:r>
+            <a:r>
+              <a:rPr lang="en-US" dirty="0" err="1">
+                <a:solidFill>
+                  <a:srgbClr val="000000"/>
+                </a:solidFill>
+                <a:effectLst/>
+                <a:latin typeface="JetBrains Mono"/>
+              </a:rPr>
+              <a:t>FactoryAssociated</a:t>
+            </a:r>
+            <a:r>
+              <a:rPr lang="en-US" dirty="0">
+                <a:solidFill>
+                  <a:srgbClr val="080808"/>
+                </a:solidFill>
+                <a:effectLst/>
+                <a:latin typeface="JetBrains Mono"/>
+              </a:rPr>
+              <a:t>{</a:t>
+            </a:r>
+            <a:br>
+              <a:rPr lang="en-US" dirty="0">
+                <a:solidFill>
+                  <a:srgbClr val="080808"/>
+                </a:solidFill>
+                <a:effectLst/>
+                <a:latin typeface="JetBrains Mono"/>
+              </a:rPr>
+            </a:br>
+            <a:r>
+              <a:rPr lang="en-US" dirty="0">
+                <a:solidFill>
+                  <a:srgbClr val="080808"/>
+                </a:solidFill>
+                <a:effectLst/>
+                <a:latin typeface="JetBrains Mono"/>
+              </a:rPr>
+              <a:t>    </a:t>
+            </a:r>
+            <a:r>
+              <a:rPr lang="en-US" dirty="0">
+                <a:solidFill>
+                  <a:srgbClr val="0033B3"/>
+                </a:solidFill>
+                <a:effectLst/>
+                <a:latin typeface="JetBrains Mono"/>
+              </a:rPr>
+              <a:t>type </a:t>
+            </a:r>
+            <a:r>
+              <a:rPr lang="en-US" dirty="0">
+                <a:solidFill>
+                  <a:srgbClr val="000000"/>
+                </a:solidFill>
+                <a:effectLst/>
+                <a:latin typeface="JetBrains Mono"/>
+              </a:rPr>
+              <a:t>Item</a:t>
+            </a:r>
+            <a:r>
+              <a:rPr lang="en-US" dirty="0">
+                <a:solidFill>
+                  <a:srgbClr val="080808"/>
+                </a:solidFill>
+                <a:effectLst/>
+                <a:latin typeface="JetBrains Mono"/>
+              </a:rPr>
+              <a:t>;</a:t>
+            </a:r>
+            <a:br>
+              <a:rPr lang="en-US" dirty="0">
+                <a:solidFill>
+                  <a:srgbClr val="080808"/>
+                </a:solidFill>
+                <a:effectLst/>
+                <a:latin typeface="JetBrains Mono"/>
+              </a:rPr>
+            </a:br>
+            <a:br>
+              <a:rPr lang="en-US" dirty="0">
+                <a:solidFill>
+                  <a:srgbClr val="080808"/>
+                </a:solidFill>
+                <a:effectLst/>
+                <a:latin typeface="JetBrains Mono"/>
+              </a:rPr>
+            </a:br>
+            <a:r>
+              <a:rPr lang="en-US" dirty="0">
+                <a:solidFill>
+                  <a:srgbClr val="080808"/>
+                </a:solidFill>
+                <a:effectLst/>
+                <a:latin typeface="JetBrains Mono"/>
+              </a:rPr>
+              <a:t>    </a:t>
+            </a:r>
+            <a:r>
+              <a:rPr lang="en-US" dirty="0" err="1">
+                <a:solidFill>
+                  <a:srgbClr val="0033B3"/>
+                </a:solidFill>
+                <a:effectLst/>
+                <a:latin typeface="JetBrains Mono"/>
+              </a:rPr>
+              <a:t>fn</a:t>
+            </a:r>
+            <a:r>
+              <a:rPr lang="en-US" dirty="0">
+                <a:solidFill>
+                  <a:srgbClr val="0033B3"/>
+                </a:solidFill>
+                <a:effectLst/>
+                <a:latin typeface="JetBrains Mono"/>
+              </a:rPr>
+              <a:t> </a:t>
+            </a:r>
+            <a:r>
+              <a:rPr lang="en-US" i="1" dirty="0">
+                <a:solidFill>
+                  <a:srgbClr val="00627A"/>
+                </a:solidFill>
+                <a:effectLst/>
+                <a:latin typeface="JetBrains Mono"/>
+              </a:rPr>
+              <a:t>create</a:t>
+            </a:r>
+            <a:r>
+              <a:rPr lang="en-US" dirty="0">
+                <a:solidFill>
+                  <a:srgbClr val="080808"/>
+                </a:solidFill>
+                <a:effectLst/>
+                <a:latin typeface="JetBrains Mono"/>
+              </a:rPr>
+              <a:t>() -&gt; </a:t>
+            </a:r>
+            <a:r>
+              <a:rPr lang="en-US" dirty="0">
+                <a:solidFill>
+                  <a:srgbClr val="0033B3"/>
+                </a:solidFill>
+                <a:effectLst/>
+                <a:latin typeface="JetBrains Mono"/>
+              </a:rPr>
+              <a:t>Self</a:t>
+            </a:r>
+            <a:r>
+              <a:rPr lang="en-US" dirty="0">
+                <a:solidFill>
+                  <a:srgbClr val="080808"/>
+                </a:solidFill>
+                <a:effectLst/>
+                <a:latin typeface="JetBrains Mono"/>
+              </a:rPr>
+              <a:t>::</a:t>
+            </a:r>
+            <a:r>
+              <a:rPr lang="en-US" dirty="0">
+                <a:solidFill>
+                  <a:srgbClr val="000000"/>
+                </a:solidFill>
+                <a:effectLst/>
+                <a:latin typeface="JetBrains Mono"/>
+              </a:rPr>
+              <a:t>Item</a:t>
+            </a:r>
+            <a:r>
+              <a:rPr lang="en-US" dirty="0">
+                <a:solidFill>
+                  <a:srgbClr val="080808"/>
+                </a:solidFill>
+                <a:effectLst/>
+                <a:latin typeface="JetBrains Mono"/>
+              </a:rPr>
+              <a:t>;</a:t>
+            </a:r>
+            <a:br>
+              <a:rPr lang="en-US" dirty="0">
+                <a:solidFill>
+                  <a:srgbClr val="080808"/>
+                </a:solidFill>
+                <a:effectLst/>
+                <a:latin typeface="JetBrains Mono"/>
+              </a:rPr>
+            </a:br>
+            <a:r>
+              <a:rPr lang="en-US" dirty="0">
+                <a:solidFill>
+                  <a:srgbClr val="080808"/>
+                </a:solidFill>
+                <a:effectLst/>
+                <a:latin typeface="JetBrains Mono"/>
+              </a:rPr>
+              <a:t>}</a:t>
+            </a:r>
+          </a:p>
+          <a:p>
+            <a:pPr marL="0" indent="0">
+              <a:buNone/>
+            </a:pPr>
+            <a:r>
+              <a:rPr lang="en-US" dirty="0">
+                <a:solidFill>
+                  <a:srgbClr val="0033B3"/>
+                </a:solidFill>
+                <a:latin typeface="JetBrains Mono"/>
+              </a:rPr>
+              <a:t>trait </a:t>
+            </a:r>
+            <a:r>
+              <a:rPr lang="en-US" dirty="0" err="1">
+                <a:solidFill>
+                  <a:srgbClr val="000000"/>
+                </a:solidFill>
+                <a:latin typeface="JetBrains Mono"/>
+              </a:rPr>
+              <a:t>FactoryGeneric</a:t>
+            </a:r>
+            <a:r>
+              <a:rPr lang="en-US" dirty="0">
+                <a:solidFill>
+                  <a:srgbClr val="080808"/>
+                </a:solidFill>
+                <a:latin typeface="JetBrains Mono"/>
+              </a:rPr>
+              <a:t>&lt;</a:t>
+            </a:r>
+            <a:r>
+              <a:rPr lang="en-US" dirty="0">
+                <a:solidFill>
+                  <a:srgbClr val="20999D"/>
+                </a:solidFill>
+                <a:latin typeface="JetBrains Mono"/>
+              </a:rPr>
+              <a:t>T</a:t>
+            </a:r>
+            <a:r>
+              <a:rPr lang="en-US" dirty="0">
+                <a:solidFill>
+                  <a:srgbClr val="080808"/>
+                </a:solidFill>
+                <a:latin typeface="JetBrains Mono"/>
+              </a:rPr>
+              <a:t>&gt;{</a:t>
+            </a:r>
+            <a:br>
+              <a:rPr lang="en-US" dirty="0">
+                <a:solidFill>
+                  <a:srgbClr val="080808"/>
+                </a:solidFill>
+                <a:latin typeface="JetBrains Mono"/>
+              </a:rPr>
+            </a:br>
+            <a:r>
+              <a:rPr lang="en-US" dirty="0">
+                <a:solidFill>
+                  <a:srgbClr val="080808"/>
+                </a:solidFill>
+                <a:latin typeface="JetBrains Mono"/>
+              </a:rPr>
+              <a:t>    </a:t>
+            </a:r>
+            <a:r>
+              <a:rPr lang="en-US" dirty="0" err="1">
+                <a:solidFill>
+                  <a:srgbClr val="0033B3"/>
+                </a:solidFill>
+                <a:latin typeface="JetBrains Mono"/>
+              </a:rPr>
+              <a:t>fn</a:t>
+            </a:r>
+            <a:r>
+              <a:rPr lang="en-US" dirty="0">
+                <a:solidFill>
+                  <a:srgbClr val="0033B3"/>
+                </a:solidFill>
+                <a:latin typeface="JetBrains Mono"/>
+              </a:rPr>
+              <a:t> </a:t>
+            </a:r>
+            <a:r>
+              <a:rPr lang="en-US" i="1" dirty="0">
+                <a:solidFill>
+                  <a:srgbClr val="00627A"/>
+                </a:solidFill>
+                <a:latin typeface="JetBrains Mono"/>
+              </a:rPr>
+              <a:t>create</a:t>
+            </a:r>
+            <a:r>
+              <a:rPr lang="en-US" dirty="0">
+                <a:solidFill>
+                  <a:srgbClr val="080808"/>
+                </a:solidFill>
+                <a:latin typeface="JetBrains Mono"/>
+              </a:rPr>
+              <a:t>() -&gt; </a:t>
+            </a:r>
+            <a:r>
+              <a:rPr lang="en-US" dirty="0">
+                <a:solidFill>
+                  <a:srgbClr val="20999D"/>
+                </a:solidFill>
+                <a:latin typeface="JetBrains Mono"/>
+              </a:rPr>
+              <a:t>T</a:t>
+            </a:r>
+            <a:r>
+              <a:rPr lang="en-US" dirty="0">
+                <a:solidFill>
+                  <a:srgbClr val="080808"/>
+                </a:solidFill>
+                <a:latin typeface="JetBrains Mono"/>
+              </a:rPr>
+              <a:t>;</a:t>
+            </a:r>
+            <a:br>
+              <a:rPr lang="en-US" dirty="0">
+                <a:solidFill>
+                  <a:srgbClr val="080808"/>
+                </a:solidFill>
+                <a:latin typeface="JetBrains Mono"/>
+              </a:rPr>
+            </a:br>
+            <a:r>
+              <a:rPr lang="en-US" dirty="0">
+                <a:solidFill>
+                  <a:srgbClr val="080808"/>
+                </a:solidFill>
+                <a:latin typeface="JetBrains Mono"/>
+              </a:rPr>
+              <a:t>}</a:t>
+            </a:r>
+          </a:p>
+          <a:p>
+            <a:pPr marL="0" indent="0">
+              <a:buNone/>
+            </a:pPr>
+            <a:endParaRPr lang="ru-RU" dirty="0"/>
+          </a:p>
+        </p:txBody>
+      </p:sp>
+      <mc:AlternateContent xmlns:mc="http://schemas.openxmlformats.org/markup-compatibility/2006" xmlns:p14="http://schemas.microsoft.com/office/powerpoint/2010/main">
+        <mc:Choice Requires="p14">
+          <p:contentPart p14:bwMode="auto" r:id="rId2">
+            <p14:nvContentPartPr>
+              <p14:cNvPr id="4" name="Ink 3">
+                <a:extLst>
+                  <a:ext uri="{FF2B5EF4-FFF2-40B4-BE49-F238E27FC236}">
+                    <a16:creationId xmlns:a16="http://schemas.microsoft.com/office/drawing/2014/main" id="{F360CCFE-C9DB-EC40-E2BB-8C2C432576E3}"/>
+                  </a:ext>
+                </a:extLst>
+              </p14:cNvPr>
+              <p14:cNvContentPartPr/>
+              <p14:nvPr/>
+            </p14:nvContentPartPr>
+            <p14:xfrm>
+              <a:off x="1030948" y="2185874"/>
+              <a:ext cx="1903320" cy="875160"/>
+            </p14:xfrm>
+          </p:contentPart>
+        </mc:Choice>
+        <mc:Fallback xmlns="">
+          <p:pic>
+            <p:nvPicPr>
+              <p:cNvPr id="4" name="Ink 3">
+                <a:extLst>
+                  <a:ext uri="{FF2B5EF4-FFF2-40B4-BE49-F238E27FC236}">
+                    <a16:creationId xmlns:a16="http://schemas.microsoft.com/office/drawing/2014/main" id="{F360CCFE-C9DB-EC40-E2BB-8C2C432576E3}"/>
+                  </a:ext>
+                </a:extLst>
+              </p:cNvPr>
+              <p:cNvPicPr/>
+              <p:nvPr/>
+            </p:nvPicPr>
+            <p:blipFill>
+              <a:blip r:embed="rId3"/>
+              <a:stretch>
+                <a:fillRect/>
+              </a:stretch>
+            </p:blipFill>
+            <p:spPr>
+              <a:xfrm>
+                <a:off x="1022308" y="2176874"/>
+                <a:ext cx="1920960" cy="892800"/>
+              </a:xfrm>
+              <a:prstGeom prst="rect">
+                <a:avLst/>
+              </a:prstGeom>
+            </p:spPr>
+          </p:pic>
+        </mc:Fallback>
+      </mc:AlternateContent>
+    </p:spTree>
+    <p:extLst>
+      <p:ext uri="{BB962C8B-B14F-4D97-AF65-F5344CB8AC3E}">
+        <p14:creationId xmlns:p14="http://schemas.microsoft.com/office/powerpoint/2010/main" val="1542616109"/>
+      </p:ext>
+    </p:extLst>
+  </p:cSld>
+  <p:clrMapOvr>
+    <a:masterClrMapping/>
+  </p:clrMapOvr>
+  <p:timing>
+    <p:tnLst>
+      <p:par>
+        <p:cTn id="1" dur="indefinite" restart="never" nodeType="tmRoot">
+          <p:childTnLst>
+            <p:seq concurrent="1" nextAc="seek">
+              <p:cTn id="2" dur="indefinite" nodeType="mainSeq">
+                <p:childTnLst>
+                  <p:par>
+                    <p:cTn id="3" fill="hold">
+                      <p:stCondLst>
+                        <p:cond delay="indefinite"/>
+                      </p:stCondLst>
+                      <p:childTnLst>
+                        <p:par>
+                          <p:cTn id="4" fill="hold">
+                            <p:stCondLst>
+                              <p:cond delay="0"/>
+                            </p:stCondLst>
+                            <p:childTnLst>
+                              <p:par>
+                                <p:cTn id="5" presetID="63" presetClass="entr" presetSubtype="0" fill="hold" nodeType="clickEffect">
+                                  <p:stCondLst>
+                                    <p:cond delay="0"/>
+                                  </p:stCondLst>
+                                  <p:childTnLst>
+                                    <p:set>
+                                      <p:cBhvr>
+                                        <p:cTn id="6" dur="1" fill="hold">
+                                          <p:stCondLst>
+                                            <p:cond delay="0"/>
+                                          </p:stCondLst>
+                                        </p:cTn>
+                                        <p:tgtEl>
+                                          <p:spTgt spid="4"/>
+                                        </p:tgtEl>
+                                        <p:attrNameLst>
+                                          <p:attrName>style.visibility</p:attrName>
+                                        </p:attrNameLst>
+                                      </p:cBhvr>
+                                      <p:to>
+                                        <p:strVal val="visible"/>
+                                      </p:to>
+                                    </p:set>
+                                    <p:anim calcmode="lin" valueType="num">
+                                      <p:cBhvr>
+                                        <p:cTn id="7" dur="2000" fill="hold"/>
+                                        <p:tgtEl>
+                                          <p:spTgt spid="4"/>
+                                        </p:tgtEl>
+                                        <p:attrNameLst>
+                                          <p:attrName>drawProgress</p:attrName>
+                                        </p:attrNameLst>
+                                      </p:cBhvr>
+                                      <p:tavLst>
+                                        <p:tav tm="0">
+                                          <p:val>
+                                            <p:fltVal val="0"/>
+                                          </p:val>
+                                        </p:tav>
+                                        <p:tav tm="100000">
+                                          <p:val>
+                                            <p:fltVal val="1"/>
+                                          </p:val>
+                                        </p:tav>
+                                      </p:tavLst>
+                                    </p:anim>
+                                  </p:childTnLst>
+                                </p:cTn>
+                              </p:par>
+                            </p:childTnLst>
+                          </p:cTn>
+                        </p:par>
+                      </p:childTnLst>
+                    </p:cTn>
+                  </p:par>
+                </p:childTnLst>
+              </p:cTn>
+              <p:prevCondLst>
+                <p:cond evt="onPrev" delay="0">
+                  <p:tgtEl>
+                    <p:sldTgt/>
+                  </p:tgtEl>
+                </p:cond>
+              </p:prevCondLst>
+              <p:nextCondLst>
+                <p:cond evt="onNext" delay="0">
+                  <p:tgtEl>
+                    <p:sldTgt/>
+                  </p:tgtEl>
+                </p:cond>
+              </p:nextCondLst>
+            </p:seq>
+          </p:childTnLst>
+        </p:cTn>
+      </p:par>
+    </p:tnLst>
+  </p:timing>
+</p:sld>
+</file>
+
+<file path=ppt/slides/slide52.xml><?xml version="1.0" encoding="utf-8"?>
+<p:sld xmlns:a="http://schemas.openxmlformats.org/drawingml/2006/main" xmlns:r="http://schemas.openxmlformats.org/officeDocument/2006/relationships" xmlns:p="http://schemas.openxmlformats.org/presentationml/2006/main">
+  <p:cSld>
+    <p:spTree>
+      <p:nvGrpSpPr>
+        <p:cNvPr id="1" name=""/>
+        <p:cNvGrpSpPr/>
+        <p:nvPr/>
+      </p:nvGrpSpPr>
+      <p:grpSpPr>
+        <a:xfrm>
+          <a:off x="0" y="0"/>
+          <a:ext cx="0" cy="0"/>
+          <a:chOff x="0" y="0"/>
+          <a:chExt cx="0" cy="0"/>
+        </a:xfrm>
+      </p:grpSpPr>
+      <p:sp>
+        <p:nvSpPr>
+          <p:cNvPr id="2" name="Title 1">
+            <a:extLst>
+              <a:ext uri="{FF2B5EF4-FFF2-40B4-BE49-F238E27FC236}">
+                <a16:creationId xmlns:a16="http://schemas.microsoft.com/office/drawing/2014/main" id="{02CE85F1-7FFB-95AE-401A-5EB620533C33}"/>
+              </a:ext>
+            </a:extLst>
+          </p:cNvPr>
+          <p:cNvSpPr>
+            <a:spLocks noGrp="1"/>
+          </p:cNvSpPr>
+          <p:nvPr>
+            <p:ph type="title"/>
+          </p:nvPr>
+        </p:nvSpPr>
+        <p:spPr/>
+        <p:txBody>
+          <a:bodyPr/>
+          <a:lstStyle/>
+          <a:p>
+            <a:r>
+              <a:rPr lang="en-US" dirty="0"/>
+              <a:t>Associated Type</a:t>
+            </a:r>
+            <a:endParaRPr lang="ru-RU" dirty="0"/>
+          </a:p>
+        </p:txBody>
+      </p:sp>
+      <p:sp>
+        <p:nvSpPr>
+          <p:cNvPr id="4" name="Content Placeholder 3">
+            <a:extLst>
+              <a:ext uri="{FF2B5EF4-FFF2-40B4-BE49-F238E27FC236}">
+                <a16:creationId xmlns:a16="http://schemas.microsoft.com/office/drawing/2014/main" id="{3B41B8E3-A062-5026-48F7-CA6F4B1C2012}"/>
+              </a:ext>
+            </a:extLst>
+          </p:cNvPr>
+          <p:cNvSpPr>
+            <a:spLocks noGrp="1"/>
+          </p:cNvSpPr>
+          <p:nvPr>
+            <p:ph sz="half" idx="1"/>
+          </p:nvPr>
+        </p:nvSpPr>
+        <p:spPr/>
+        <p:txBody>
+          <a:bodyPr/>
+          <a:lstStyle/>
+          <a:p>
+            <a:pPr marL="0" indent="0">
+              <a:buNone/>
+            </a:pPr>
+            <a:r>
+              <a:rPr lang="en-US" dirty="0" err="1">
+                <a:solidFill>
+                  <a:srgbClr val="0033B3"/>
+                </a:solidFill>
+                <a:effectLst/>
+                <a:latin typeface="JetBrains Mono"/>
+              </a:rPr>
+              <a:t>impl</a:t>
+            </a:r>
+            <a:r>
+              <a:rPr lang="en-US" dirty="0">
+                <a:solidFill>
+                  <a:srgbClr val="0033B3"/>
+                </a:solidFill>
+                <a:effectLst/>
+                <a:latin typeface="JetBrains Mono"/>
+              </a:rPr>
+              <a:t> </a:t>
+            </a:r>
+            <a:r>
+              <a:rPr lang="en-US" dirty="0" err="1">
+                <a:solidFill>
+                  <a:srgbClr val="000000"/>
+                </a:solidFill>
+                <a:effectLst/>
+                <a:latin typeface="JetBrains Mono"/>
+              </a:rPr>
+              <a:t>FactoryGeneric</a:t>
+            </a:r>
+            <a:r>
+              <a:rPr lang="en-US" dirty="0">
+                <a:solidFill>
+                  <a:srgbClr val="080808"/>
+                </a:solidFill>
+                <a:effectLst/>
+                <a:latin typeface="JetBrains Mono"/>
+              </a:rPr>
+              <a:t>&lt;</a:t>
+            </a:r>
+            <a:r>
+              <a:rPr lang="en-US" dirty="0">
+                <a:solidFill>
+                  <a:srgbClr val="0033B3"/>
+                </a:solidFill>
+                <a:effectLst/>
+                <a:latin typeface="JetBrains Mono"/>
+              </a:rPr>
+              <a:t>i32</a:t>
+            </a:r>
+            <a:r>
+              <a:rPr lang="en-US" dirty="0">
+                <a:solidFill>
+                  <a:srgbClr val="080808"/>
+                </a:solidFill>
+                <a:effectLst/>
+                <a:latin typeface="JetBrains Mono"/>
+              </a:rPr>
+              <a:t>&gt; </a:t>
+            </a:r>
+            <a:r>
+              <a:rPr lang="en-US" dirty="0">
+                <a:solidFill>
+                  <a:srgbClr val="0033B3"/>
+                </a:solidFill>
+                <a:effectLst/>
+                <a:latin typeface="JetBrains Mono"/>
+              </a:rPr>
+              <a:t>for </a:t>
+            </a:r>
+            <a:r>
+              <a:rPr lang="en-US" dirty="0" err="1">
+                <a:solidFill>
+                  <a:srgbClr val="000000"/>
+                </a:solidFill>
+                <a:effectLst/>
+                <a:latin typeface="JetBrains Mono"/>
+              </a:rPr>
+              <a:t>MyFactory</a:t>
+            </a:r>
+            <a:r>
+              <a:rPr lang="en-US" dirty="0">
+                <a:solidFill>
+                  <a:srgbClr val="000000"/>
+                </a:solidFill>
+                <a:effectLst/>
+                <a:latin typeface="JetBrains Mono"/>
+              </a:rPr>
+              <a:t> </a:t>
+            </a:r>
+            <a:r>
+              <a:rPr lang="en-US" dirty="0">
+                <a:solidFill>
+                  <a:srgbClr val="080808"/>
+                </a:solidFill>
+                <a:effectLst/>
+                <a:latin typeface="JetBrains Mono"/>
+              </a:rPr>
+              <a:t>{</a:t>
+            </a:r>
+            <a:br>
+              <a:rPr lang="en-US" dirty="0">
+                <a:solidFill>
+                  <a:srgbClr val="080808"/>
+                </a:solidFill>
+                <a:effectLst/>
+                <a:latin typeface="JetBrains Mono"/>
+              </a:rPr>
+            </a:br>
+            <a:r>
+              <a:rPr lang="en-US" dirty="0">
+                <a:solidFill>
+                  <a:srgbClr val="080808"/>
+                </a:solidFill>
+                <a:effectLst/>
+                <a:latin typeface="JetBrains Mono"/>
+              </a:rPr>
+              <a:t>    </a:t>
+            </a:r>
+            <a:r>
+              <a:rPr lang="en-US" dirty="0" err="1">
+                <a:solidFill>
+                  <a:srgbClr val="0033B3"/>
+                </a:solidFill>
+                <a:effectLst/>
+                <a:latin typeface="JetBrains Mono"/>
+              </a:rPr>
+              <a:t>fn</a:t>
+            </a:r>
+            <a:r>
+              <a:rPr lang="en-US" dirty="0">
+                <a:solidFill>
+                  <a:srgbClr val="0033B3"/>
+                </a:solidFill>
+                <a:effectLst/>
+                <a:latin typeface="JetBrains Mono"/>
+              </a:rPr>
+              <a:t> </a:t>
+            </a:r>
+            <a:r>
+              <a:rPr lang="en-US" i="1" dirty="0">
+                <a:solidFill>
+                  <a:srgbClr val="00627A"/>
+                </a:solidFill>
+                <a:effectLst/>
+                <a:latin typeface="JetBrains Mono"/>
+              </a:rPr>
+              <a:t>create</a:t>
+            </a:r>
+            <a:r>
+              <a:rPr lang="en-US" dirty="0">
+                <a:solidFill>
+                  <a:srgbClr val="080808"/>
+                </a:solidFill>
+                <a:effectLst/>
+                <a:latin typeface="JetBrains Mono"/>
+              </a:rPr>
+              <a:t>() -&gt; </a:t>
+            </a:r>
+            <a:r>
+              <a:rPr lang="en-US" dirty="0">
+                <a:solidFill>
+                  <a:srgbClr val="0033B3"/>
+                </a:solidFill>
+                <a:effectLst/>
+                <a:latin typeface="JetBrains Mono"/>
+              </a:rPr>
+              <a:t>i32 </a:t>
+            </a:r>
+            <a:r>
+              <a:rPr lang="en-US" dirty="0">
+                <a:solidFill>
+                  <a:srgbClr val="080808"/>
+                </a:solidFill>
+                <a:effectLst/>
+                <a:latin typeface="JetBrains Mono"/>
+              </a:rPr>
+              <a:t>{</a:t>
+            </a:r>
+            <a:br>
+              <a:rPr lang="en-US" dirty="0">
+                <a:solidFill>
+                  <a:srgbClr val="080808"/>
+                </a:solidFill>
+                <a:effectLst/>
+                <a:latin typeface="JetBrains Mono"/>
+              </a:rPr>
+            </a:br>
+            <a:r>
+              <a:rPr lang="en-US" dirty="0">
+                <a:solidFill>
+                  <a:srgbClr val="080808"/>
+                </a:solidFill>
+                <a:effectLst/>
+                <a:latin typeface="JetBrains Mono"/>
+              </a:rPr>
+              <a:t>        </a:t>
+            </a:r>
+            <a:r>
+              <a:rPr lang="en-US" dirty="0">
+                <a:solidFill>
+                  <a:srgbClr val="1750EB"/>
+                </a:solidFill>
+                <a:effectLst/>
+                <a:latin typeface="JetBrains Mono"/>
+              </a:rPr>
+              <a:t>42</a:t>
+            </a:r>
+            <a:br>
+              <a:rPr lang="en-US" dirty="0">
+                <a:solidFill>
+                  <a:srgbClr val="1750EB"/>
+                </a:solidFill>
+                <a:effectLst/>
+                <a:latin typeface="JetBrains Mono"/>
+              </a:rPr>
+            </a:br>
+            <a:r>
+              <a:rPr lang="en-US" dirty="0">
+                <a:solidFill>
+                  <a:srgbClr val="1750EB"/>
+                </a:solidFill>
+                <a:effectLst/>
+                <a:latin typeface="JetBrains Mono"/>
+              </a:rPr>
+              <a:t>    </a:t>
+            </a:r>
+            <a:r>
+              <a:rPr lang="en-US" dirty="0">
+                <a:solidFill>
+                  <a:srgbClr val="080808"/>
+                </a:solidFill>
+                <a:effectLst/>
+                <a:latin typeface="JetBrains Mono"/>
+              </a:rPr>
+              <a:t>}</a:t>
+            </a:r>
+            <a:br>
+              <a:rPr lang="en-US" dirty="0">
+                <a:solidFill>
+                  <a:srgbClr val="080808"/>
+                </a:solidFill>
+                <a:effectLst/>
+                <a:latin typeface="JetBrains Mono"/>
+              </a:rPr>
+            </a:br>
+            <a:r>
+              <a:rPr lang="en-US" dirty="0">
+                <a:solidFill>
+                  <a:srgbClr val="080808"/>
+                </a:solidFill>
+                <a:effectLst/>
+                <a:latin typeface="JetBrains Mono"/>
+              </a:rPr>
+              <a:t>}</a:t>
+            </a:r>
+          </a:p>
+          <a:p>
+            <a:pPr marL="0" indent="0">
+              <a:buNone/>
+            </a:pPr>
+            <a:r>
+              <a:rPr lang="en-US" dirty="0" err="1">
+                <a:solidFill>
+                  <a:srgbClr val="0033B3"/>
+                </a:solidFill>
+                <a:effectLst/>
+                <a:latin typeface="JetBrains Mono"/>
+              </a:rPr>
+              <a:t>fn</a:t>
+            </a:r>
+            <a:r>
+              <a:rPr lang="en-US" dirty="0">
+                <a:solidFill>
+                  <a:srgbClr val="0033B3"/>
+                </a:solidFill>
+                <a:effectLst/>
+                <a:latin typeface="JetBrains Mono"/>
+              </a:rPr>
+              <a:t> </a:t>
+            </a:r>
+            <a:r>
+              <a:rPr lang="en-US" dirty="0" err="1">
+                <a:solidFill>
+                  <a:srgbClr val="080808"/>
+                </a:solidFill>
+                <a:effectLst/>
+                <a:latin typeface="JetBrains Mono"/>
+              </a:rPr>
+              <a:t>do_create</a:t>
+            </a:r>
+            <a:r>
+              <a:rPr lang="en-US" dirty="0">
+                <a:solidFill>
+                  <a:srgbClr val="080808"/>
+                </a:solidFill>
+                <a:effectLst/>
+                <a:latin typeface="JetBrains Mono"/>
+              </a:rPr>
+              <a:t>&lt;</a:t>
+            </a:r>
+            <a:r>
+              <a:rPr lang="en-US" dirty="0">
+                <a:solidFill>
+                  <a:srgbClr val="20999D"/>
+                </a:solidFill>
+                <a:effectLst/>
+                <a:latin typeface="JetBrains Mono"/>
+              </a:rPr>
+              <a:t>T</a:t>
+            </a:r>
+            <a:r>
+              <a:rPr lang="en-US" dirty="0">
+                <a:solidFill>
+                  <a:srgbClr val="080808"/>
+                </a:solidFill>
+                <a:effectLst/>
+                <a:latin typeface="JetBrains Mono"/>
+              </a:rPr>
+              <a:t>&gt;(factory: </a:t>
+            </a:r>
+            <a:r>
+              <a:rPr lang="en-US" dirty="0" err="1">
+                <a:solidFill>
+                  <a:srgbClr val="0033B3"/>
+                </a:solidFill>
+                <a:effectLst/>
+                <a:latin typeface="JetBrains Mono"/>
+              </a:rPr>
+              <a:t>impl</a:t>
+            </a:r>
+            <a:r>
+              <a:rPr lang="en-US" dirty="0">
+                <a:solidFill>
+                  <a:srgbClr val="0033B3"/>
+                </a:solidFill>
+                <a:effectLst/>
+                <a:latin typeface="JetBrains Mono"/>
+              </a:rPr>
+              <a:t> </a:t>
+            </a:r>
+            <a:r>
+              <a:rPr lang="en-US" dirty="0" err="1">
+                <a:solidFill>
+                  <a:srgbClr val="000000"/>
+                </a:solidFill>
+                <a:effectLst/>
+                <a:latin typeface="JetBrains Mono"/>
+              </a:rPr>
+              <a:t>FactoryGeneric</a:t>
+            </a:r>
+            <a:r>
+              <a:rPr lang="en-US" dirty="0">
+                <a:solidFill>
+                  <a:srgbClr val="080808"/>
+                </a:solidFill>
+                <a:effectLst/>
+                <a:latin typeface="JetBrains Mono"/>
+              </a:rPr>
+              <a:t>&lt;</a:t>
+            </a:r>
+            <a:r>
+              <a:rPr lang="en-US" dirty="0">
+                <a:solidFill>
+                  <a:srgbClr val="20999D"/>
+                </a:solidFill>
+                <a:effectLst/>
+                <a:latin typeface="JetBrains Mono"/>
+              </a:rPr>
+              <a:t>T</a:t>
+            </a:r>
+            <a:r>
+              <a:rPr lang="en-US" dirty="0">
+                <a:solidFill>
+                  <a:srgbClr val="080808"/>
+                </a:solidFill>
+                <a:effectLst/>
+                <a:latin typeface="JetBrains Mono"/>
+              </a:rPr>
+              <a:t>&gt;)</a:t>
+            </a:r>
+          </a:p>
+          <a:p>
+            <a:pPr marL="0" indent="0">
+              <a:buNone/>
+            </a:pPr>
+            <a:endParaRPr lang="ru-RU" dirty="0"/>
+          </a:p>
+        </p:txBody>
+      </p:sp>
+      <p:sp>
+        <p:nvSpPr>
+          <p:cNvPr id="5" name="Content Placeholder 4">
+            <a:extLst>
+              <a:ext uri="{FF2B5EF4-FFF2-40B4-BE49-F238E27FC236}">
+                <a16:creationId xmlns:a16="http://schemas.microsoft.com/office/drawing/2014/main" id="{3CCFBB16-E6A7-4359-7FF3-F74117515831}"/>
+              </a:ext>
+            </a:extLst>
+          </p:cNvPr>
+          <p:cNvSpPr>
+            <a:spLocks noGrp="1"/>
+          </p:cNvSpPr>
+          <p:nvPr>
+            <p:ph sz="half" idx="2"/>
+          </p:nvPr>
+        </p:nvSpPr>
+        <p:spPr/>
+        <p:txBody>
+          <a:bodyPr/>
+          <a:lstStyle/>
+          <a:p>
+            <a:pPr marL="0" indent="0">
+              <a:buNone/>
+            </a:pPr>
+            <a:r>
+              <a:rPr lang="en-US" dirty="0" err="1">
+                <a:solidFill>
+                  <a:srgbClr val="0033B3"/>
+                </a:solidFill>
+                <a:effectLst/>
+                <a:latin typeface="JetBrains Mono"/>
+              </a:rPr>
+              <a:t>impl</a:t>
+            </a:r>
+            <a:r>
+              <a:rPr lang="en-US" dirty="0">
+                <a:solidFill>
+                  <a:srgbClr val="0033B3"/>
+                </a:solidFill>
+                <a:effectLst/>
+                <a:latin typeface="JetBrains Mono"/>
+              </a:rPr>
+              <a:t> </a:t>
+            </a:r>
+            <a:r>
+              <a:rPr lang="en-US" dirty="0" err="1">
+                <a:solidFill>
+                  <a:srgbClr val="000000"/>
+                </a:solidFill>
+                <a:effectLst/>
+                <a:latin typeface="JetBrains Mono"/>
+              </a:rPr>
+              <a:t>FactoryAssociated</a:t>
+            </a:r>
+            <a:r>
+              <a:rPr lang="en-US" dirty="0">
+                <a:solidFill>
+                  <a:srgbClr val="000000"/>
+                </a:solidFill>
+                <a:effectLst/>
+                <a:latin typeface="JetBrains Mono"/>
+              </a:rPr>
+              <a:t> </a:t>
+            </a:r>
+            <a:r>
+              <a:rPr lang="en-US" dirty="0">
+                <a:solidFill>
+                  <a:srgbClr val="0033B3"/>
+                </a:solidFill>
+                <a:effectLst/>
+                <a:latin typeface="JetBrains Mono"/>
+              </a:rPr>
+              <a:t>for </a:t>
+            </a:r>
+            <a:r>
+              <a:rPr lang="en-US" dirty="0" err="1">
+                <a:solidFill>
+                  <a:srgbClr val="000000"/>
+                </a:solidFill>
+                <a:effectLst/>
+                <a:latin typeface="JetBrains Mono"/>
+              </a:rPr>
+              <a:t>MyFactory</a:t>
+            </a:r>
+            <a:r>
+              <a:rPr lang="en-US" dirty="0">
+                <a:solidFill>
+                  <a:srgbClr val="000000"/>
+                </a:solidFill>
+                <a:effectLst/>
+                <a:latin typeface="JetBrains Mono"/>
+              </a:rPr>
+              <a:t> </a:t>
+            </a:r>
+            <a:r>
+              <a:rPr lang="en-US" dirty="0">
+                <a:solidFill>
+                  <a:srgbClr val="080808"/>
+                </a:solidFill>
+                <a:effectLst/>
+                <a:latin typeface="JetBrains Mono"/>
+              </a:rPr>
+              <a:t>{</a:t>
+            </a:r>
+            <a:br>
+              <a:rPr lang="en-US" dirty="0">
+                <a:solidFill>
+                  <a:srgbClr val="080808"/>
+                </a:solidFill>
+                <a:effectLst/>
+                <a:latin typeface="JetBrains Mono"/>
+              </a:rPr>
+            </a:br>
+            <a:r>
+              <a:rPr lang="en-US" dirty="0">
+                <a:solidFill>
+                  <a:srgbClr val="080808"/>
+                </a:solidFill>
+                <a:effectLst/>
+                <a:latin typeface="JetBrains Mono"/>
+              </a:rPr>
+              <a:t>    </a:t>
+            </a:r>
+            <a:r>
+              <a:rPr lang="en-US" dirty="0">
+                <a:solidFill>
+                  <a:srgbClr val="0033B3"/>
+                </a:solidFill>
+                <a:effectLst/>
+                <a:latin typeface="JetBrains Mono"/>
+              </a:rPr>
+              <a:t>type </a:t>
+            </a:r>
+            <a:r>
+              <a:rPr lang="en-US" dirty="0">
+                <a:solidFill>
+                  <a:srgbClr val="000000"/>
+                </a:solidFill>
+                <a:effectLst/>
+                <a:latin typeface="JetBrains Mono"/>
+              </a:rPr>
+              <a:t>Item </a:t>
+            </a:r>
+            <a:r>
+              <a:rPr lang="en-US" dirty="0">
+                <a:solidFill>
+                  <a:srgbClr val="080808"/>
+                </a:solidFill>
+                <a:effectLst/>
+                <a:latin typeface="JetBrains Mono"/>
+              </a:rPr>
+              <a:t>= </a:t>
+            </a:r>
+            <a:r>
+              <a:rPr lang="en-US" dirty="0">
+                <a:solidFill>
+                  <a:srgbClr val="0033B3"/>
+                </a:solidFill>
+                <a:effectLst/>
+                <a:latin typeface="JetBrains Mono"/>
+              </a:rPr>
+              <a:t>i32</a:t>
+            </a:r>
+            <a:r>
+              <a:rPr lang="en-US" dirty="0">
+                <a:solidFill>
+                  <a:srgbClr val="080808"/>
+                </a:solidFill>
+                <a:effectLst/>
+                <a:latin typeface="JetBrains Mono"/>
+              </a:rPr>
+              <a:t>;</a:t>
+            </a:r>
+            <a:br>
+              <a:rPr lang="en-US" dirty="0">
+                <a:solidFill>
+                  <a:srgbClr val="080808"/>
+                </a:solidFill>
+                <a:effectLst/>
+                <a:latin typeface="JetBrains Mono"/>
+              </a:rPr>
+            </a:br>
+            <a:br>
+              <a:rPr lang="en-US" dirty="0">
+                <a:solidFill>
+                  <a:srgbClr val="080808"/>
+                </a:solidFill>
+                <a:effectLst/>
+                <a:latin typeface="JetBrains Mono"/>
+              </a:rPr>
+            </a:br>
+            <a:r>
+              <a:rPr lang="en-US" dirty="0">
+                <a:solidFill>
+                  <a:srgbClr val="080808"/>
+                </a:solidFill>
+                <a:effectLst/>
+                <a:latin typeface="JetBrains Mono"/>
+              </a:rPr>
+              <a:t>    </a:t>
+            </a:r>
+            <a:r>
+              <a:rPr lang="en-US" dirty="0" err="1">
+                <a:solidFill>
+                  <a:srgbClr val="0033B3"/>
+                </a:solidFill>
+                <a:effectLst/>
+                <a:latin typeface="JetBrains Mono"/>
+              </a:rPr>
+              <a:t>fn</a:t>
+            </a:r>
+            <a:r>
+              <a:rPr lang="en-US" dirty="0">
+                <a:solidFill>
+                  <a:srgbClr val="0033B3"/>
+                </a:solidFill>
+                <a:effectLst/>
+                <a:latin typeface="JetBrains Mono"/>
+              </a:rPr>
+              <a:t> </a:t>
+            </a:r>
+            <a:r>
+              <a:rPr lang="en-US" i="1" dirty="0">
+                <a:solidFill>
+                  <a:srgbClr val="00627A"/>
+                </a:solidFill>
+                <a:effectLst/>
+                <a:latin typeface="JetBrains Mono"/>
+              </a:rPr>
+              <a:t>create</a:t>
+            </a:r>
+            <a:r>
+              <a:rPr lang="en-US" dirty="0">
+                <a:solidFill>
+                  <a:srgbClr val="080808"/>
+                </a:solidFill>
+                <a:effectLst/>
+                <a:latin typeface="JetBrains Mono"/>
+              </a:rPr>
+              <a:t>() -&gt; </a:t>
+            </a:r>
+            <a:r>
+              <a:rPr lang="en-US" dirty="0">
+                <a:solidFill>
+                  <a:srgbClr val="0033B3"/>
+                </a:solidFill>
+                <a:effectLst/>
+                <a:latin typeface="JetBrains Mono"/>
+              </a:rPr>
+              <a:t>Self</a:t>
+            </a:r>
+            <a:r>
+              <a:rPr lang="en-US" dirty="0">
+                <a:solidFill>
+                  <a:srgbClr val="080808"/>
+                </a:solidFill>
+                <a:effectLst/>
+                <a:latin typeface="JetBrains Mono"/>
+              </a:rPr>
+              <a:t>::</a:t>
+            </a:r>
+            <a:r>
+              <a:rPr lang="en-US" dirty="0">
+                <a:solidFill>
+                  <a:srgbClr val="000000"/>
+                </a:solidFill>
+                <a:effectLst/>
+                <a:latin typeface="JetBrains Mono"/>
+              </a:rPr>
+              <a:t>Item </a:t>
+            </a:r>
+            <a:r>
+              <a:rPr lang="en-US" dirty="0">
+                <a:solidFill>
+                  <a:srgbClr val="080808"/>
+                </a:solidFill>
+                <a:effectLst/>
+                <a:latin typeface="JetBrains Mono"/>
+              </a:rPr>
+              <a:t>{</a:t>
+            </a:r>
+            <a:br>
+              <a:rPr lang="en-US" dirty="0">
+                <a:solidFill>
+                  <a:srgbClr val="080808"/>
+                </a:solidFill>
+                <a:effectLst/>
+                <a:latin typeface="JetBrains Mono"/>
+              </a:rPr>
+            </a:br>
+            <a:r>
+              <a:rPr lang="en-US" dirty="0">
+                <a:solidFill>
+                  <a:srgbClr val="080808"/>
+                </a:solidFill>
+                <a:effectLst/>
+                <a:latin typeface="JetBrains Mono"/>
+              </a:rPr>
+              <a:t>        </a:t>
+            </a:r>
+            <a:r>
+              <a:rPr lang="en-US" dirty="0">
+                <a:solidFill>
+                  <a:srgbClr val="1750EB"/>
+                </a:solidFill>
+                <a:effectLst/>
+                <a:latin typeface="JetBrains Mono"/>
+              </a:rPr>
+              <a:t>42</a:t>
+            </a:r>
+            <a:br>
+              <a:rPr lang="en-US" dirty="0">
+                <a:solidFill>
+                  <a:srgbClr val="1750EB"/>
+                </a:solidFill>
+                <a:effectLst/>
+                <a:latin typeface="JetBrains Mono"/>
+              </a:rPr>
+            </a:br>
+            <a:r>
+              <a:rPr lang="en-US" dirty="0">
+                <a:solidFill>
+                  <a:srgbClr val="1750EB"/>
+                </a:solidFill>
+                <a:effectLst/>
+                <a:latin typeface="JetBrains Mono"/>
+              </a:rPr>
+              <a:t>    </a:t>
+            </a:r>
+            <a:r>
+              <a:rPr lang="en-US" dirty="0">
+                <a:solidFill>
+                  <a:srgbClr val="080808"/>
+                </a:solidFill>
+                <a:effectLst/>
+                <a:latin typeface="JetBrains Mono"/>
+              </a:rPr>
+              <a:t>}</a:t>
+            </a:r>
+            <a:br>
+              <a:rPr lang="en-US" dirty="0">
+                <a:solidFill>
+                  <a:srgbClr val="080808"/>
+                </a:solidFill>
+                <a:effectLst/>
+                <a:latin typeface="JetBrains Mono"/>
+              </a:rPr>
+            </a:br>
+            <a:r>
+              <a:rPr lang="en-US" dirty="0">
+                <a:solidFill>
+                  <a:srgbClr val="080808"/>
+                </a:solidFill>
+                <a:effectLst/>
+                <a:latin typeface="JetBrains Mono"/>
+              </a:rPr>
+              <a:t>}</a:t>
+            </a:r>
+          </a:p>
+          <a:p>
+            <a:pPr marL="0" indent="0">
+              <a:buNone/>
+            </a:pPr>
+            <a:r>
+              <a:rPr lang="en-US" dirty="0" err="1">
+                <a:solidFill>
+                  <a:srgbClr val="0033B3"/>
+                </a:solidFill>
+                <a:effectLst/>
+                <a:latin typeface="JetBrains Mono"/>
+              </a:rPr>
+              <a:t>fn</a:t>
+            </a:r>
+            <a:r>
+              <a:rPr lang="en-US" dirty="0">
+                <a:solidFill>
+                  <a:srgbClr val="0033B3"/>
+                </a:solidFill>
+                <a:effectLst/>
+                <a:latin typeface="JetBrains Mono"/>
+              </a:rPr>
+              <a:t> </a:t>
+            </a:r>
+            <a:r>
+              <a:rPr lang="en-US" dirty="0" err="1">
+                <a:solidFill>
+                  <a:srgbClr val="080808"/>
+                </a:solidFill>
+                <a:effectLst/>
+                <a:latin typeface="JetBrains Mono"/>
+              </a:rPr>
+              <a:t>do_create</a:t>
+            </a:r>
+            <a:r>
+              <a:rPr lang="en-US" dirty="0">
+                <a:solidFill>
+                  <a:srgbClr val="080808"/>
+                </a:solidFill>
+                <a:effectLst/>
+                <a:latin typeface="JetBrains Mono"/>
+              </a:rPr>
+              <a:t>(factory: </a:t>
+            </a:r>
+            <a:r>
+              <a:rPr lang="en-US" dirty="0" err="1">
+                <a:solidFill>
+                  <a:srgbClr val="0033B3"/>
+                </a:solidFill>
+                <a:effectLst/>
+                <a:latin typeface="JetBrains Mono"/>
+              </a:rPr>
+              <a:t>impl</a:t>
+            </a:r>
+            <a:r>
+              <a:rPr lang="en-US" dirty="0">
+                <a:solidFill>
+                  <a:srgbClr val="0033B3"/>
+                </a:solidFill>
+                <a:effectLst/>
+                <a:latin typeface="JetBrains Mono"/>
+              </a:rPr>
+              <a:t> </a:t>
+            </a:r>
+            <a:r>
+              <a:rPr lang="en-US" dirty="0" err="1">
+                <a:solidFill>
+                  <a:srgbClr val="000000"/>
+                </a:solidFill>
+                <a:effectLst/>
+                <a:latin typeface="JetBrains Mono"/>
+              </a:rPr>
+              <a:t>FactoryAssociated</a:t>
+            </a:r>
+            <a:r>
+              <a:rPr lang="en-US" dirty="0">
+                <a:solidFill>
+                  <a:srgbClr val="080808"/>
+                </a:solidFill>
+                <a:effectLst/>
+                <a:latin typeface="JetBrains Mono"/>
+              </a:rPr>
+              <a:t>)</a:t>
+            </a:r>
+          </a:p>
+          <a:p>
+            <a:pPr marL="0" indent="0">
+              <a:buNone/>
+            </a:pPr>
+            <a:endParaRPr lang="en-US" dirty="0">
+              <a:solidFill>
+                <a:srgbClr val="080808"/>
+              </a:solidFill>
+              <a:effectLst/>
+              <a:latin typeface="JetBrains Mono"/>
+            </a:endParaRPr>
+          </a:p>
+          <a:p>
+            <a:pPr marL="0" indent="0">
+              <a:buNone/>
+            </a:pPr>
+            <a:endParaRPr lang="ru-RU" dirty="0"/>
+          </a:p>
+        </p:txBody>
+      </p:sp>
+    </p:spTree>
+    <p:extLst>
+      <p:ext uri="{BB962C8B-B14F-4D97-AF65-F5344CB8AC3E}">
+        <p14:creationId xmlns:p14="http://schemas.microsoft.com/office/powerpoint/2010/main" val="3184341300"/>
+      </p:ext>
+    </p:extLst>
+  </p:cSld>
+  <p:clrMapOvr>
+    <a:masterClrMapping/>
+  </p:clrMapOvr>
+  <p:timing>
+    <p:tnLst>
+      <p:par>
+        <p:cTn id="1" dur="indefinite" restart="never" nodeType="tmRoot">
+          <p:childTnLst>
+            <p:seq concurrent="1" nextAc="seek">
+              <p:cTn id="2" dur="indefinite" nodeType="mainSeq">
+                <p:childTnLst>
+                  <p:par>
+                    <p:cTn id="3" fill="hold">
+                      <p:stCondLst>
+                        <p:cond delay="indefinite"/>
+                      </p:stCondLst>
+                      <p:childTnLst>
+                        <p:par>
+                          <p:cTn id="4" fill="hold">
+                            <p:stCondLst>
+                              <p:cond delay="0"/>
+                            </p:stCondLst>
+                            <p:childTnLst>
+                              <p:par>
+                                <p:cTn id="5" presetID="1" presetClass="entr" presetSubtype="0" fill="hold" grpId="0" nodeType="clickEffect">
+                                  <p:stCondLst>
+                                    <p:cond delay="0"/>
+                                  </p:stCondLst>
+                                  <p:childTnLst>
+                                    <p:set>
+                                      <p:cBhvr>
+                                        <p:cTn id="6" dur="1" fill="hold">
+                                          <p:stCondLst>
+                                            <p:cond delay="0"/>
+                                          </p:stCondLst>
+                                        </p:cTn>
+                                        <p:tgtEl>
+                                          <p:spTgt spid="4">
+                                            <p:txEl>
+                                              <p:pRg st="1" end="1"/>
+                                            </p:txEl>
+                                          </p:spTgt>
+                                        </p:tgtEl>
+                                        <p:attrNameLst>
+                                          <p:attrName>style.visibility</p:attrName>
+                                        </p:attrNameLst>
+                                      </p:cBhvr>
+                                      <p:to>
+                                        <p:strVal val="visible"/>
+                                      </p:to>
+                                    </p:set>
+                                  </p:childTnLst>
+                                </p:cTn>
+                              </p:par>
+                            </p:childTnLst>
+                          </p:cTn>
+                        </p:par>
+                      </p:childTnLst>
+                    </p:cTn>
+                  </p:par>
+                  <p:par>
+                    <p:cTn id="7" fill="hold">
+                      <p:stCondLst>
+                        <p:cond delay="indefinite"/>
+                      </p:stCondLst>
+                      <p:childTnLst>
+                        <p:par>
+                          <p:cTn id="8" fill="hold">
+                            <p:stCondLst>
+                              <p:cond delay="0"/>
+                            </p:stCondLst>
+                            <p:childTnLst>
+                              <p:par>
+                                <p:cTn id="9" presetID="1" presetClass="entr" presetSubtype="0" fill="hold" grpId="0" nodeType="clickEffect">
+                                  <p:stCondLst>
+                                    <p:cond delay="0"/>
+                                  </p:stCondLst>
+                                  <p:childTnLst>
+                                    <p:set>
+                                      <p:cBhvr>
+                                        <p:cTn id="10" dur="1" fill="hold">
+                                          <p:stCondLst>
+                                            <p:cond delay="0"/>
+                                          </p:stCondLst>
+                                        </p:cTn>
+                                        <p:tgtEl>
+                                          <p:spTgt spid="5">
+                                            <p:txEl>
+                                              <p:pRg st="1" end="1"/>
+                                            </p:txEl>
+                                          </p:spTgt>
+                                        </p:tgtEl>
+                                        <p:attrNameLst>
+                                          <p:attrName>style.visibility</p:attrName>
+                                        </p:attrNameLst>
+                                      </p:cBhvr>
+                                      <p:to>
+                                        <p:strVal val="visible"/>
+                                      </p:to>
+                                    </p:set>
+                                  </p:childTnLst>
+                                </p:cTn>
+                              </p:par>
+                            </p:childTnLst>
+                          </p:cTn>
+                        </p:par>
+                      </p:childTnLst>
+                    </p:cTn>
+                  </p:par>
+                </p:childTnLst>
+              </p:cTn>
+              <p:prevCondLst>
+                <p:cond evt="onPrev" delay="0">
+                  <p:tgtEl>
+                    <p:sldTgt/>
+                  </p:tgtEl>
+                </p:cond>
+              </p:prevCondLst>
+              <p:nextCondLst>
+                <p:cond evt="onNext" delay="0">
+                  <p:tgtEl>
+                    <p:sldTgt/>
+                  </p:tgtEl>
+                </p:cond>
+              </p:nextCondLst>
+            </p:seq>
+          </p:childTnLst>
+        </p:cTn>
+      </p:par>
+    </p:tnLst>
+    <p:bldLst>
+      <p:bldP spid="4" grpId="0" uiExpand="1" build="p"/>
+      <p:bldP spid="5" grpId="0" uiExpand="1" build="p"/>
+    </p:bldLst>
+  </p:timing>
+</p:sld>
+</file>
+
+<file path=ppt/slides/slide53.xml><?xml version="1.0" encoding="utf-8"?>
+<p:sld xmlns:a="http://schemas.openxmlformats.org/drawingml/2006/main" xmlns:r="http://schemas.openxmlformats.org/officeDocument/2006/relationships" xmlns:p="http://schemas.openxmlformats.org/presentationml/2006/main">
+  <p:cSld>
+    <p:spTree>
+      <p:nvGrpSpPr>
+        <p:cNvPr id="1" name=""/>
+        <p:cNvGrpSpPr/>
+        <p:nvPr/>
+      </p:nvGrpSpPr>
+      <p:grpSpPr>
+        <a:xfrm>
+          <a:off x="0" y="0"/>
+          <a:ext cx="0" cy="0"/>
+          <a:chOff x="0" y="0"/>
+          <a:chExt cx="0" cy="0"/>
+        </a:xfrm>
+      </p:grpSpPr>
+      <p:sp>
+        <p:nvSpPr>
+          <p:cNvPr id="2" name="Title 1">
+            <a:extLst>
+              <a:ext uri="{FF2B5EF4-FFF2-40B4-BE49-F238E27FC236}">
+                <a16:creationId xmlns:a16="http://schemas.microsoft.com/office/drawing/2014/main" id="{6EAC2F57-76F8-946A-9A2F-91D6B0DFCD10}"/>
+              </a:ext>
+            </a:extLst>
+          </p:cNvPr>
+          <p:cNvSpPr>
+            <a:spLocks noGrp="1"/>
+          </p:cNvSpPr>
+          <p:nvPr>
+            <p:ph type="title"/>
+          </p:nvPr>
+        </p:nvSpPr>
+        <p:spPr/>
+        <p:txBody>
+          <a:bodyPr/>
+          <a:lstStyle/>
+          <a:p>
+            <a:r>
+              <a:rPr lang="en-US" dirty="0"/>
+              <a:t>Homework</a:t>
+            </a:r>
+            <a:endParaRPr lang="ru-RU" dirty="0"/>
+          </a:p>
+        </p:txBody>
+      </p:sp>
+      <p:sp>
+        <p:nvSpPr>
+          <p:cNvPr id="3" name="Content Placeholder 2">
+            <a:extLst>
+              <a:ext uri="{FF2B5EF4-FFF2-40B4-BE49-F238E27FC236}">
+                <a16:creationId xmlns:a16="http://schemas.microsoft.com/office/drawing/2014/main" id="{357DED15-6CD3-6C54-F2B8-38B251C4BF7A}"/>
+              </a:ext>
+            </a:extLst>
+          </p:cNvPr>
+          <p:cNvSpPr>
+            <a:spLocks noGrp="1"/>
+          </p:cNvSpPr>
+          <p:nvPr>
+            <p:ph idx="1"/>
+          </p:nvPr>
+        </p:nvSpPr>
+        <p:spPr/>
+        <p:txBody>
+          <a:bodyPr>
+            <a:normAutofit fontScale="62500" lnSpcReduction="20000"/>
+          </a:bodyPr>
+          <a:lstStyle/>
+          <a:p>
+            <a:pPr marL="0" indent="0">
+              <a:buNone/>
+            </a:pPr>
+            <a:r>
+              <a:rPr lang="en-US" dirty="0" err="1">
+                <a:solidFill>
+                  <a:srgbClr val="0033B3"/>
+                </a:solidFill>
+                <a:effectLst/>
+                <a:latin typeface="JetBrains Mono"/>
+              </a:rPr>
+              <a:t>fn</a:t>
+            </a:r>
+            <a:r>
+              <a:rPr lang="en-US" dirty="0">
+                <a:solidFill>
+                  <a:srgbClr val="0033B3"/>
+                </a:solidFill>
+                <a:effectLst/>
+                <a:latin typeface="JetBrains Mono"/>
+              </a:rPr>
+              <a:t> </a:t>
+            </a:r>
+            <a:r>
+              <a:rPr lang="en-US" dirty="0">
+                <a:solidFill>
+                  <a:srgbClr val="00627A"/>
+                </a:solidFill>
+                <a:effectLst/>
+                <a:latin typeface="JetBrains Mono"/>
+              </a:rPr>
+              <a:t>main</a:t>
+            </a:r>
+            <a:r>
+              <a:rPr lang="en-US" dirty="0">
+                <a:solidFill>
+                  <a:srgbClr val="080808"/>
+                </a:solidFill>
+                <a:effectLst/>
+                <a:latin typeface="JetBrains Mono"/>
+              </a:rPr>
+              <a:t>() {</a:t>
+            </a:r>
+            <a:br>
+              <a:rPr lang="en-US" dirty="0">
+                <a:solidFill>
+                  <a:srgbClr val="080808"/>
+                </a:solidFill>
+                <a:effectLst/>
+                <a:latin typeface="JetBrains Mono"/>
+              </a:rPr>
+            </a:br>
+            <a:r>
+              <a:rPr lang="en-US" dirty="0">
+                <a:solidFill>
+                  <a:srgbClr val="080808"/>
+                </a:solidFill>
+                <a:effectLst/>
+                <a:latin typeface="JetBrains Mono"/>
+              </a:rPr>
+              <a:t>    </a:t>
+            </a:r>
+            <a:r>
+              <a:rPr lang="en-US" dirty="0">
+                <a:solidFill>
+                  <a:srgbClr val="0033B3"/>
+                </a:solidFill>
+                <a:effectLst/>
+                <a:latin typeface="JetBrains Mono"/>
+              </a:rPr>
+              <a:t>let mut </a:t>
+            </a:r>
+            <a:r>
+              <a:rPr lang="en-US" dirty="0">
+                <a:solidFill>
+                  <a:srgbClr val="000000"/>
+                </a:solidFill>
+                <a:effectLst/>
+                <a:latin typeface="JetBrains Mono"/>
+              </a:rPr>
+              <a:t>person </a:t>
+            </a:r>
+            <a:r>
+              <a:rPr lang="en-US" dirty="0">
+                <a:solidFill>
+                  <a:srgbClr val="080808"/>
+                </a:solidFill>
+                <a:effectLst/>
+                <a:latin typeface="JetBrains Mono"/>
+              </a:rPr>
+              <a:t>= </a:t>
+            </a:r>
+            <a:r>
+              <a:rPr lang="en-US" dirty="0">
+                <a:solidFill>
+                  <a:srgbClr val="000000"/>
+                </a:solidFill>
+                <a:effectLst/>
+                <a:latin typeface="JetBrains Mono"/>
+              </a:rPr>
+              <a:t>Person</a:t>
+            </a:r>
+            <a:r>
+              <a:rPr lang="en-US" dirty="0">
+                <a:solidFill>
+                  <a:srgbClr val="080808"/>
+                </a:solidFill>
+                <a:effectLst/>
+                <a:latin typeface="JetBrains Mono"/>
+              </a:rPr>
+              <a:t>::</a:t>
+            </a:r>
+            <a:r>
+              <a:rPr lang="en-US" i="1" dirty="0">
+                <a:solidFill>
+                  <a:srgbClr val="00627A"/>
+                </a:solidFill>
+                <a:effectLst/>
+                <a:latin typeface="JetBrains Mono"/>
+              </a:rPr>
+              <a:t>new</a:t>
+            </a:r>
+            <a:r>
+              <a:rPr lang="en-US" dirty="0">
+                <a:solidFill>
+                  <a:srgbClr val="080808"/>
+                </a:solidFill>
+                <a:effectLst/>
+                <a:latin typeface="JetBrains Mono"/>
+              </a:rPr>
+              <a:t>(</a:t>
+            </a:r>
+            <a:r>
+              <a:rPr lang="en-US" dirty="0">
+                <a:solidFill>
+                  <a:srgbClr val="1750EB"/>
+                </a:solidFill>
+                <a:effectLst/>
+                <a:latin typeface="JetBrains Mono"/>
+              </a:rPr>
+              <a:t>42</a:t>
+            </a:r>
+            <a:r>
+              <a:rPr lang="en-US" dirty="0">
+                <a:solidFill>
+                  <a:srgbClr val="080808"/>
+                </a:solidFill>
+                <a:effectLst/>
+                <a:latin typeface="JetBrains Mono"/>
+              </a:rPr>
+              <a:t>, (</a:t>
+            </a:r>
+            <a:r>
+              <a:rPr lang="en-US" dirty="0">
+                <a:solidFill>
+                  <a:srgbClr val="0033B3"/>
+                </a:solidFill>
+                <a:effectLst/>
+                <a:latin typeface="JetBrains Mono"/>
+              </a:rPr>
+              <a:t>false</a:t>
+            </a:r>
+            <a:r>
+              <a:rPr lang="en-US" dirty="0">
+                <a:solidFill>
+                  <a:srgbClr val="080808"/>
+                </a:solidFill>
+                <a:effectLst/>
+                <a:latin typeface="JetBrains Mono"/>
+              </a:rPr>
+              <a:t>, </a:t>
+            </a:r>
+            <a:r>
+              <a:rPr lang="en-US" dirty="0">
+                <a:solidFill>
+                  <a:srgbClr val="1750EB"/>
+                </a:solidFill>
+                <a:effectLst/>
+                <a:latin typeface="JetBrains Mono"/>
+              </a:rPr>
+              <a:t>0</a:t>
+            </a:r>
+            <a:r>
+              <a:rPr lang="en-US" dirty="0">
+                <a:solidFill>
+                  <a:srgbClr val="080808"/>
+                </a:solidFill>
+                <a:effectLst/>
+                <a:latin typeface="JetBrains Mono"/>
+              </a:rPr>
+              <a:t>), </a:t>
+            </a:r>
+            <a:r>
+              <a:rPr lang="en-US" dirty="0">
+                <a:solidFill>
+                  <a:srgbClr val="000000"/>
+                </a:solidFill>
+                <a:effectLst/>
+                <a:latin typeface="JetBrains Mono"/>
+              </a:rPr>
+              <a:t>String</a:t>
+            </a:r>
+            <a:r>
+              <a:rPr lang="en-US" dirty="0">
+                <a:solidFill>
+                  <a:srgbClr val="080808"/>
+                </a:solidFill>
+                <a:effectLst/>
+                <a:latin typeface="JetBrains Mono"/>
+              </a:rPr>
+              <a:t>::</a:t>
+            </a:r>
+            <a:r>
+              <a:rPr lang="en-US" i="1" dirty="0">
+                <a:solidFill>
+                  <a:srgbClr val="00627A"/>
+                </a:solidFill>
+                <a:effectLst/>
+                <a:latin typeface="JetBrains Mono"/>
+              </a:rPr>
+              <a:t>from</a:t>
+            </a:r>
+            <a:r>
+              <a:rPr lang="en-US" dirty="0">
+                <a:solidFill>
+                  <a:srgbClr val="080808"/>
+                </a:solidFill>
+                <a:effectLst/>
+                <a:latin typeface="JetBrains Mono"/>
+              </a:rPr>
+              <a:t>(</a:t>
+            </a:r>
+            <a:r>
+              <a:rPr lang="en-US" dirty="0">
+                <a:solidFill>
+                  <a:srgbClr val="067D17"/>
+                </a:solidFill>
+                <a:effectLst/>
+                <a:latin typeface="JetBrains Mono"/>
+              </a:rPr>
+              <a:t>"Graydon Hoare"</a:t>
+            </a:r>
+            <a:r>
+              <a:rPr lang="en-US" dirty="0">
+                <a:solidFill>
+                  <a:srgbClr val="080808"/>
+                </a:solidFill>
+                <a:effectLst/>
+                <a:latin typeface="JetBrains Mono"/>
+              </a:rPr>
+              <a:t>),</a:t>
+            </a:r>
+            <a:br>
+              <a:rPr lang="en-US" dirty="0">
+                <a:solidFill>
+                  <a:srgbClr val="080808"/>
+                </a:solidFill>
+                <a:effectLst/>
+                <a:latin typeface="JetBrains Mono"/>
+              </a:rPr>
+            </a:br>
+            <a:r>
+              <a:rPr lang="en-US" dirty="0">
+                <a:solidFill>
+                  <a:srgbClr val="080808"/>
+                </a:solidFill>
+                <a:effectLst/>
+                <a:latin typeface="JetBrains Mono"/>
+              </a:rPr>
+              <a:t>                                 </a:t>
+            </a:r>
+            <a:r>
+              <a:rPr lang="en-US" dirty="0" err="1">
+                <a:solidFill>
+                  <a:srgbClr val="000000"/>
+                </a:solidFill>
+                <a:effectLst/>
+                <a:latin typeface="JetBrains Mono"/>
+              </a:rPr>
+              <a:t>PassportNumber</a:t>
+            </a:r>
+            <a:r>
+              <a:rPr lang="en-US" dirty="0">
+                <a:solidFill>
+                  <a:srgbClr val="080808"/>
+                </a:solidFill>
+                <a:effectLst/>
+                <a:latin typeface="JetBrains Mono"/>
+              </a:rPr>
+              <a:t>(</a:t>
+            </a:r>
+            <a:r>
+              <a:rPr lang="en-US" dirty="0">
+                <a:solidFill>
+                  <a:srgbClr val="1750EB"/>
+                </a:solidFill>
+                <a:effectLst/>
+                <a:latin typeface="JetBrains Mono"/>
+              </a:rPr>
+              <a:t>111</a:t>
+            </a:r>
+            <a:r>
+              <a:rPr lang="en-US" dirty="0">
+                <a:solidFill>
+                  <a:srgbClr val="080808"/>
+                </a:solidFill>
+                <a:effectLst/>
+                <a:latin typeface="JetBrains Mono"/>
+              </a:rPr>
+              <a:t>, </a:t>
+            </a:r>
+            <a:r>
+              <a:rPr lang="en-US" dirty="0">
+                <a:solidFill>
+                  <a:srgbClr val="1750EB"/>
+                </a:solidFill>
+                <a:effectLst/>
+                <a:latin typeface="JetBrains Mono"/>
+              </a:rPr>
+              <a:t>222</a:t>
+            </a:r>
+            <a:r>
+              <a:rPr lang="en-US" dirty="0">
+                <a:solidFill>
+                  <a:srgbClr val="080808"/>
+                </a:solidFill>
+                <a:effectLst/>
+                <a:latin typeface="JetBrains Mono"/>
+              </a:rPr>
+              <a:t>));</a:t>
+            </a:r>
+            <a:br>
+              <a:rPr lang="en-US" dirty="0">
+                <a:solidFill>
+                  <a:srgbClr val="080808"/>
+                </a:solidFill>
+                <a:effectLst/>
+                <a:latin typeface="JetBrains Mono"/>
+              </a:rPr>
+            </a:br>
+            <a:br>
+              <a:rPr lang="en-US" dirty="0">
+                <a:solidFill>
+                  <a:srgbClr val="080808"/>
+                </a:solidFill>
+                <a:effectLst/>
+                <a:latin typeface="JetBrains Mono"/>
+              </a:rPr>
+            </a:br>
+            <a:r>
+              <a:rPr lang="en-US" dirty="0">
+                <a:solidFill>
+                  <a:srgbClr val="080808"/>
+                </a:solidFill>
+                <a:effectLst/>
+                <a:latin typeface="JetBrains Mono"/>
+              </a:rPr>
+              <a:t>    </a:t>
+            </a:r>
+            <a:r>
+              <a:rPr lang="en-US" dirty="0" err="1">
+                <a:solidFill>
+                  <a:srgbClr val="DD6718"/>
+                </a:solidFill>
+                <a:effectLst/>
+                <a:latin typeface="JetBrains Mono"/>
+              </a:rPr>
+              <a:t>assert_eq</a:t>
+            </a:r>
+            <a:r>
+              <a:rPr lang="en-US" dirty="0">
+                <a:solidFill>
+                  <a:srgbClr val="DD6718"/>
+                </a:solidFill>
+                <a:effectLst/>
+                <a:latin typeface="JetBrains Mono"/>
+              </a:rPr>
+              <a:t>!</a:t>
+            </a:r>
+            <a:r>
+              <a:rPr lang="en-US" dirty="0">
+                <a:solidFill>
+                  <a:srgbClr val="080808"/>
+                </a:solidFill>
+                <a:effectLst/>
+                <a:latin typeface="JetBrains Mono"/>
+              </a:rPr>
+              <a:t>(</a:t>
+            </a:r>
+            <a:r>
+              <a:rPr lang="en-US" dirty="0">
+                <a:solidFill>
+                  <a:srgbClr val="067D17"/>
+                </a:solidFill>
+                <a:effectLst/>
+                <a:latin typeface="JetBrains Mono"/>
+              </a:rPr>
+              <a:t>"Graydon Hoare"</a:t>
+            </a:r>
+            <a:r>
+              <a:rPr lang="en-US" dirty="0">
+                <a:solidFill>
+                  <a:srgbClr val="080808"/>
+                </a:solidFill>
+                <a:effectLst/>
+                <a:latin typeface="JetBrains Mono"/>
+              </a:rPr>
+              <a:t>, </a:t>
+            </a:r>
+            <a:r>
+              <a:rPr lang="en-US" dirty="0">
+                <a:solidFill>
+                  <a:srgbClr val="DD6718"/>
+                </a:solidFill>
+                <a:effectLst/>
+                <a:latin typeface="JetBrains Mono"/>
+              </a:rPr>
+              <a:t>format!</a:t>
+            </a:r>
+            <a:r>
+              <a:rPr lang="en-US" dirty="0">
+                <a:solidFill>
+                  <a:srgbClr val="080808"/>
+                </a:solidFill>
+                <a:effectLst/>
+                <a:latin typeface="JetBrains Mono"/>
+              </a:rPr>
+              <a:t>(</a:t>
+            </a:r>
+            <a:r>
+              <a:rPr lang="en-US" dirty="0">
+                <a:solidFill>
+                  <a:srgbClr val="067D17"/>
+                </a:solidFill>
+                <a:effectLst/>
+                <a:latin typeface="JetBrains Mono"/>
+              </a:rPr>
+              <a:t>"</a:t>
+            </a:r>
+            <a:r>
+              <a:rPr lang="en-US" dirty="0">
+                <a:solidFill>
+                  <a:srgbClr val="0037A6"/>
+                </a:solidFill>
+                <a:effectLst/>
+                <a:latin typeface="JetBrains Mono"/>
+              </a:rPr>
+              <a:t>{}</a:t>
+            </a:r>
+            <a:r>
+              <a:rPr lang="en-US" dirty="0">
+                <a:solidFill>
+                  <a:srgbClr val="067D17"/>
+                </a:solidFill>
+                <a:effectLst/>
+                <a:latin typeface="JetBrains Mono"/>
+              </a:rPr>
+              <a:t>"</a:t>
+            </a:r>
+            <a:r>
+              <a:rPr lang="en-US" dirty="0">
+                <a:solidFill>
+                  <a:srgbClr val="080808"/>
+                </a:solidFill>
+                <a:effectLst/>
+                <a:latin typeface="JetBrains Mono"/>
+              </a:rPr>
+              <a:t>, </a:t>
+            </a:r>
+            <a:r>
+              <a:rPr lang="en-US" dirty="0">
+                <a:solidFill>
+                  <a:srgbClr val="000000"/>
+                </a:solidFill>
+                <a:effectLst/>
+                <a:latin typeface="JetBrains Mono"/>
+              </a:rPr>
+              <a:t>person</a:t>
+            </a:r>
+            <a:r>
+              <a:rPr lang="en-US" dirty="0">
+                <a:solidFill>
+                  <a:srgbClr val="080808"/>
+                </a:solidFill>
+                <a:effectLst/>
+                <a:latin typeface="JetBrains Mono"/>
+              </a:rPr>
+              <a:t>));</a:t>
+            </a:r>
+            <a:br>
+              <a:rPr lang="en-US" dirty="0">
+                <a:solidFill>
+                  <a:srgbClr val="080808"/>
+                </a:solidFill>
+                <a:effectLst/>
+                <a:latin typeface="JetBrains Mono"/>
+              </a:rPr>
+            </a:br>
+            <a:br>
+              <a:rPr lang="en-US" dirty="0">
+                <a:solidFill>
+                  <a:srgbClr val="080808"/>
+                </a:solidFill>
+                <a:effectLst/>
+                <a:latin typeface="JetBrains Mono"/>
+              </a:rPr>
+            </a:br>
+            <a:r>
+              <a:rPr lang="en-US" dirty="0">
+                <a:solidFill>
+                  <a:srgbClr val="080808"/>
+                </a:solidFill>
+                <a:effectLst/>
+                <a:latin typeface="JetBrains Mono"/>
+              </a:rPr>
+              <a:t>    </a:t>
+            </a:r>
+            <a:r>
+              <a:rPr lang="en-US" dirty="0" err="1">
+                <a:solidFill>
+                  <a:srgbClr val="DD6718"/>
+                </a:solidFill>
+                <a:effectLst/>
+                <a:latin typeface="JetBrains Mono"/>
+              </a:rPr>
+              <a:t>assert_eq</a:t>
+            </a:r>
+            <a:r>
+              <a:rPr lang="en-US" dirty="0">
+                <a:solidFill>
+                  <a:srgbClr val="DD6718"/>
+                </a:solidFill>
+                <a:effectLst/>
+                <a:latin typeface="JetBrains Mono"/>
+              </a:rPr>
+              <a:t>!</a:t>
+            </a:r>
+            <a:r>
+              <a:rPr lang="en-US" dirty="0">
+                <a:solidFill>
+                  <a:srgbClr val="080808"/>
+                </a:solidFill>
+                <a:effectLst/>
+                <a:latin typeface="JetBrains Mono"/>
+              </a:rPr>
+              <a:t>(</a:t>
+            </a:r>
+            <a:r>
+              <a:rPr lang="en-US" dirty="0">
+                <a:solidFill>
+                  <a:srgbClr val="1750EB"/>
+                </a:solidFill>
+                <a:effectLst/>
+                <a:latin typeface="JetBrains Mono"/>
+              </a:rPr>
+              <a:t>42</a:t>
+            </a:r>
+            <a:r>
+              <a:rPr lang="en-US" dirty="0">
+                <a:solidFill>
+                  <a:srgbClr val="080808"/>
+                </a:solidFill>
+                <a:effectLst/>
+                <a:latin typeface="JetBrains Mono"/>
+              </a:rPr>
+              <a:t>, </a:t>
+            </a:r>
+            <a:r>
+              <a:rPr lang="en-US" dirty="0" err="1">
+                <a:solidFill>
+                  <a:srgbClr val="000000"/>
+                </a:solidFill>
+                <a:effectLst/>
+                <a:latin typeface="JetBrains Mono"/>
+              </a:rPr>
+              <a:t>person</a:t>
+            </a:r>
+            <a:r>
+              <a:rPr lang="en-US" dirty="0" err="1">
+                <a:solidFill>
+                  <a:srgbClr val="080808"/>
+                </a:solidFill>
+                <a:effectLst/>
+                <a:latin typeface="JetBrains Mono"/>
+              </a:rPr>
+              <a:t>.get_id</a:t>
+            </a:r>
+            <a:r>
+              <a:rPr lang="en-US" dirty="0">
+                <a:solidFill>
+                  <a:srgbClr val="080808"/>
+                </a:solidFill>
+                <a:effectLst/>
+                <a:latin typeface="JetBrains Mono"/>
+              </a:rPr>
+              <a:t>());</a:t>
+            </a:r>
+            <a:br>
+              <a:rPr lang="en-US" dirty="0">
+                <a:solidFill>
+                  <a:srgbClr val="080808"/>
+                </a:solidFill>
+                <a:effectLst/>
+                <a:latin typeface="JetBrains Mono"/>
+              </a:rPr>
+            </a:br>
+            <a:br>
+              <a:rPr lang="en-US" dirty="0">
+                <a:solidFill>
+                  <a:srgbClr val="080808"/>
+                </a:solidFill>
+                <a:effectLst/>
+                <a:latin typeface="JetBrains Mono"/>
+              </a:rPr>
+            </a:br>
+            <a:r>
+              <a:rPr lang="en-US" dirty="0">
+                <a:solidFill>
+                  <a:srgbClr val="080808"/>
+                </a:solidFill>
+                <a:effectLst/>
+                <a:latin typeface="JetBrains Mono"/>
+              </a:rPr>
+              <a:t>    </a:t>
+            </a:r>
+            <a:r>
+              <a:rPr lang="en-US" dirty="0" err="1">
+                <a:solidFill>
+                  <a:srgbClr val="000000"/>
+                </a:solidFill>
+                <a:effectLst/>
+                <a:latin typeface="JetBrains Mono"/>
+              </a:rPr>
+              <a:t>person</a:t>
+            </a:r>
+            <a:r>
+              <a:rPr lang="en-US" dirty="0" err="1">
+                <a:solidFill>
+                  <a:srgbClr val="080808"/>
+                </a:solidFill>
+                <a:effectLst/>
+                <a:latin typeface="JetBrains Mono"/>
+              </a:rPr>
+              <a:t>.specify_age</a:t>
+            </a:r>
+            <a:r>
+              <a:rPr lang="en-US" dirty="0">
+                <a:solidFill>
+                  <a:srgbClr val="080808"/>
+                </a:solidFill>
+                <a:effectLst/>
+                <a:latin typeface="JetBrains Mono"/>
+              </a:rPr>
+              <a:t>(</a:t>
+            </a:r>
+            <a:r>
+              <a:rPr lang="en-US" dirty="0">
+                <a:solidFill>
+                  <a:srgbClr val="1750EB"/>
+                </a:solidFill>
+                <a:effectLst/>
+                <a:latin typeface="JetBrains Mono"/>
+              </a:rPr>
+              <a:t>50</a:t>
+            </a:r>
+            <a:r>
+              <a:rPr lang="en-US" dirty="0">
+                <a:solidFill>
+                  <a:srgbClr val="080808"/>
+                </a:solidFill>
+                <a:effectLst/>
+                <a:latin typeface="JetBrains Mono"/>
+              </a:rPr>
+              <a:t>);</a:t>
+            </a:r>
+            <a:br>
+              <a:rPr lang="en-US" dirty="0">
+                <a:solidFill>
+                  <a:srgbClr val="080808"/>
+                </a:solidFill>
+                <a:effectLst/>
+                <a:latin typeface="JetBrains Mono"/>
+              </a:rPr>
+            </a:br>
+            <a:r>
+              <a:rPr lang="en-US" dirty="0">
+                <a:solidFill>
+                  <a:srgbClr val="080808"/>
+                </a:solidFill>
+                <a:effectLst/>
+                <a:latin typeface="JetBrains Mono"/>
+              </a:rPr>
+              <a:t>    </a:t>
+            </a:r>
+            <a:r>
+              <a:rPr lang="en-US" dirty="0" err="1">
+                <a:solidFill>
+                  <a:srgbClr val="DD6718"/>
+                </a:solidFill>
+                <a:effectLst/>
+                <a:latin typeface="JetBrains Mono"/>
+              </a:rPr>
+              <a:t>assert_eq</a:t>
+            </a:r>
+            <a:r>
+              <a:rPr lang="en-US" dirty="0">
+                <a:solidFill>
+                  <a:srgbClr val="DD6718"/>
+                </a:solidFill>
+                <a:effectLst/>
+                <a:latin typeface="JetBrains Mono"/>
+              </a:rPr>
+              <a:t>!</a:t>
+            </a:r>
+            <a:r>
+              <a:rPr lang="en-US" dirty="0">
+                <a:solidFill>
+                  <a:srgbClr val="080808"/>
+                </a:solidFill>
+                <a:effectLst/>
+                <a:latin typeface="JetBrains Mono"/>
+              </a:rPr>
+              <a:t>((</a:t>
+            </a:r>
+            <a:r>
+              <a:rPr lang="en-US" dirty="0">
+                <a:solidFill>
+                  <a:srgbClr val="0033B3"/>
+                </a:solidFill>
+                <a:effectLst/>
+                <a:latin typeface="JetBrains Mono"/>
+              </a:rPr>
+              <a:t>true</a:t>
+            </a:r>
+            <a:r>
+              <a:rPr lang="en-US" dirty="0">
+                <a:solidFill>
+                  <a:srgbClr val="080808"/>
+                </a:solidFill>
+                <a:effectLst/>
+                <a:latin typeface="JetBrains Mono"/>
+              </a:rPr>
+              <a:t>, </a:t>
+            </a:r>
+            <a:r>
+              <a:rPr lang="en-US" dirty="0">
+                <a:solidFill>
+                  <a:srgbClr val="1750EB"/>
+                </a:solidFill>
+                <a:effectLst/>
+                <a:latin typeface="JetBrains Mono"/>
+              </a:rPr>
+              <a:t>50</a:t>
+            </a:r>
+            <a:r>
+              <a:rPr lang="en-US" dirty="0">
+                <a:solidFill>
+                  <a:srgbClr val="080808"/>
+                </a:solidFill>
+                <a:effectLst/>
+                <a:latin typeface="JetBrains Mono"/>
+              </a:rPr>
+              <a:t>), </a:t>
+            </a:r>
+            <a:r>
+              <a:rPr lang="en-US" dirty="0" err="1">
+                <a:solidFill>
+                  <a:srgbClr val="000000"/>
+                </a:solidFill>
+                <a:effectLst/>
+                <a:latin typeface="JetBrains Mono"/>
+              </a:rPr>
+              <a:t>person</a:t>
+            </a:r>
+            <a:r>
+              <a:rPr lang="en-US" dirty="0" err="1">
+                <a:solidFill>
+                  <a:srgbClr val="080808"/>
+                </a:solidFill>
+                <a:effectLst/>
+                <a:latin typeface="JetBrains Mono"/>
+              </a:rPr>
+              <a:t>.</a:t>
+            </a:r>
+            <a:r>
+              <a:rPr lang="en-US" dirty="0" err="1">
+                <a:solidFill>
+                  <a:srgbClr val="871094"/>
+                </a:solidFill>
+                <a:effectLst/>
+                <a:latin typeface="JetBrains Mono"/>
+              </a:rPr>
+              <a:t>age_if_specified</a:t>
+            </a:r>
+            <a:r>
+              <a:rPr lang="en-US" dirty="0">
+                <a:solidFill>
+                  <a:srgbClr val="080808"/>
+                </a:solidFill>
+                <a:effectLst/>
+                <a:latin typeface="JetBrains Mono"/>
+              </a:rPr>
+              <a:t>);</a:t>
+            </a:r>
+            <a:br>
+              <a:rPr lang="en-US" dirty="0">
+                <a:solidFill>
+                  <a:srgbClr val="080808"/>
+                </a:solidFill>
+                <a:effectLst/>
+                <a:latin typeface="JetBrains Mono"/>
+              </a:rPr>
+            </a:br>
+            <a:br>
+              <a:rPr lang="en-US" dirty="0">
+                <a:solidFill>
+                  <a:srgbClr val="080808"/>
+                </a:solidFill>
+                <a:effectLst/>
+                <a:latin typeface="JetBrains Mono"/>
+              </a:rPr>
+            </a:br>
+            <a:r>
+              <a:rPr lang="en-US" dirty="0">
+                <a:solidFill>
+                  <a:srgbClr val="080808"/>
+                </a:solidFill>
+                <a:effectLst/>
+                <a:latin typeface="JetBrains Mono"/>
+              </a:rPr>
+              <a:t>    </a:t>
+            </a:r>
+            <a:r>
+              <a:rPr lang="en-US" dirty="0" err="1">
+                <a:solidFill>
+                  <a:srgbClr val="DD6718"/>
+                </a:solidFill>
+                <a:effectLst/>
+                <a:latin typeface="JetBrains Mono"/>
+              </a:rPr>
+              <a:t>assert_eq</a:t>
+            </a:r>
+            <a:r>
+              <a:rPr lang="en-US" dirty="0">
+                <a:solidFill>
+                  <a:srgbClr val="DD6718"/>
+                </a:solidFill>
+                <a:effectLst/>
+                <a:latin typeface="JetBrains Mono"/>
+              </a:rPr>
+              <a:t>!</a:t>
+            </a:r>
+            <a:r>
+              <a:rPr lang="en-US" dirty="0">
+                <a:solidFill>
+                  <a:srgbClr val="080808"/>
+                </a:solidFill>
+                <a:effectLst/>
+                <a:latin typeface="JetBrains Mono"/>
+              </a:rPr>
+              <a:t>(</a:t>
+            </a:r>
+            <a:r>
+              <a:rPr lang="en-US" dirty="0">
+                <a:solidFill>
+                  <a:srgbClr val="067D17"/>
+                </a:solidFill>
+                <a:effectLst/>
+                <a:latin typeface="JetBrains Mono"/>
+              </a:rPr>
+              <a:t>"Graydon Hoare: 50 years"</a:t>
+            </a:r>
+            <a:r>
+              <a:rPr lang="en-US" dirty="0">
+                <a:solidFill>
+                  <a:srgbClr val="080808"/>
+                </a:solidFill>
+                <a:effectLst/>
+                <a:latin typeface="JetBrains Mono"/>
+              </a:rPr>
+              <a:t>, </a:t>
+            </a:r>
+            <a:r>
+              <a:rPr lang="en-US" dirty="0">
+                <a:solidFill>
+                  <a:srgbClr val="DD6718"/>
+                </a:solidFill>
+                <a:effectLst/>
+                <a:latin typeface="JetBrains Mono"/>
+              </a:rPr>
+              <a:t>format!</a:t>
+            </a:r>
+            <a:r>
+              <a:rPr lang="en-US" dirty="0">
+                <a:solidFill>
+                  <a:srgbClr val="080808"/>
+                </a:solidFill>
+                <a:effectLst/>
+                <a:latin typeface="JetBrains Mono"/>
+              </a:rPr>
+              <a:t>(</a:t>
+            </a:r>
+            <a:r>
+              <a:rPr lang="en-US" dirty="0">
+                <a:solidFill>
+                  <a:srgbClr val="067D17"/>
+                </a:solidFill>
+                <a:effectLst/>
+                <a:latin typeface="JetBrains Mono"/>
+              </a:rPr>
+              <a:t>"</a:t>
+            </a:r>
+            <a:r>
+              <a:rPr lang="en-US" dirty="0">
+                <a:solidFill>
+                  <a:srgbClr val="0037A6"/>
+                </a:solidFill>
+                <a:effectLst/>
+                <a:latin typeface="JetBrains Mono"/>
+              </a:rPr>
+              <a:t>{}</a:t>
+            </a:r>
+            <a:r>
+              <a:rPr lang="en-US" dirty="0">
+                <a:solidFill>
+                  <a:srgbClr val="067D17"/>
+                </a:solidFill>
+                <a:effectLst/>
+                <a:latin typeface="JetBrains Mono"/>
+              </a:rPr>
+              <a:t>"</a:t>
+            </a:r>
+            <a:r>
+              <a:rPr lang="en-US" dirty="0">
+                <a:solidFill>
+                  <a:srgbClr val="080808"/>
+                </a:solidFill>
+                <a:effectLst/>
+                <a:latin typeface="JetBrains Mono"/>
+              </a:rPr>
+              <a:t>, </a:t>
+            </a:r>
+            <a:r>
+              <a:rPr lang="en-US" dirty="0">
+                <a:solidFill>
+                  <a:srgbClr val="000000"/>
+                </a:solidFill>
+                <a:effectLst/>
+                <a:latin typeface="JetBrains Mono"/>
+              </a:rPr>
+              <a:t>person</a:t>
+            </a:r>
+            <a:r>
+              <a:rPr lang="en-US" dirty="0">
+                <a:solidFill>
+                  <a:srgbClr val="080808"/>
+                </a:solidFill>
+                <a:effectLst/>
+                <a:latin typeface="JetBrains Mono"/>
+              </a:rPr>
+              <a:t>));</a:t>
+            </a:r>
+            <a:br>
+              <a:rPr lang="en-US" dirty="0">
+                <a:solidFill>
+                  <a:srgbClr val="080808"/>
+                </a:solidFill>
+                <a:effectLst/>
+                <a:latin typeface="JetBrains Mono"/>
+              </a:rPr>
+            </a:br>
+            <a:br>
+              <a:rPr lang="en-US" dirty="0">
+                <a:solidFill>
+                  <a:srgbClr val="080808"/>
+                </a:solidFill>
+                <a:effectLst/>
+                <a:latin typeface="JetBrains Mono"/>
+              </a:rPr>
+            </a:br>
+            <a:r>
+              <a:rPr lang="en-US" dirty="0">
+                <a:solidFill>
+                  <a:srgbClr val="080808"/>
+                </a:solidFill>
+                <a:effectLst/>
+                <a:latin typeface="JetBrains Mono"/>
+              </a:rPr>
+              <a:t>    </a:t>
+            </a:r>
+            <a:r>
+              <a:rPr lang="en-US" dirty="0">
+                <a:solidFill>
+                  <a:srgbClr val="0033B3"/>
+                </a:solidFill>
+                <a:effectLst/>
+                <a:latin typeface="JetBrains Mono"/>
+              </a:rPr>
+              <a:t>let </a:t>
+            </a:r>
+            <a:r>
+              <a:rPr lang="en-US" dirty="0">
+                <a:solidFill>
+                  <a:srgbClr val="000000"/>
+                </a:solidFill>
+                <a:effectLst/>
+                <a:latin typeface="JetBrains Mono"/>
+              </a:rPr>
+              <a:t>passport </a:t>
+            </a:r>
+            <a:r>
+              <a:rPr lang="en-US" dirty="0">
+                <a:solidFill>
+                  <a:srgbClr val="080808"/>
+                </a:solidFill>
+                <a:effectLst/>
+                <a:latin typeface="JetBrains Mono"/>
+              </a:rPr>
+              <a:t>= </a:t>
+            </a:r>
+            <a:r>
+              <a:rPr lang="en-US" dirty="0" err="1">
+                <a:solidFill>
+                  <a:srgbClr val="080808"/>
+                </a:solidFill>
+                <a:effectLst/>
+                <a:latin typeface="JetBrains Mono"/>
+              </a:rPr>
+              <a:t>retrieve_passport</a:t>
+            </a:r>
+            <a:r>
+              <a:rPr lang="en-US" dirty="0">
+                <a:solidFill>
+                  <a:srgbClr val="080808"/>
+                </a:solidFill>
+                <a:effectLst/>
+                <a:latin typeface="JetBrains Mono"/>
+              </a:rPr>
+              <a:t>::&lt;</a:t>
+            </a:r>
+            <a:r>
+              <a:rPr lang="en-US" dirty="0">
+                <a:solidFill>
+                  <a:srgbClr val="000000"/>
+                </a:solidFill>
+                <a:effectLst/>
+                <a:latin typeface="JetBrains Mono"/>
+              </a:rPr>
+              <a:t>Person</a:t>
+            </a:r>
+            <a:r>
+              <a:rPr lang="en-US" dirty="0">
+                <a:solidFill>
+                  <a:srgbClr val="080808"/>
+                </a:solidFill>
+                <a:effectLst/>
+                <a:latin typeface="JetBrains Mono"/>
+              </a:rPr>
+              <a:t>&gt;(&amp;</a:t>
+            </a:r>
+            <a:r>
+              <a:rPr lang="en-US" dirty="0">
+                <a:solidFill>
+                  <a:srgbClr val="000000"/>
+                </a:solidFill>
+                <a:effectLst/>
+                <a:latin typeface="JetBrains Mono"/>
+              </a:rPr>
+              <a:t>person</a:t>
+            </a:r>
+            <a:r>
+              <a:rPr lang="en-US" dirty="0">
+                <a:solidFill>
+                  <a:srgbClr val="080808"/>
+                </a:solidFill>
+                <a:effectLst/>
+                <a:latin typeface="JetBrains Mono"/>
+              </a:rPr>
+              <a:t>); </a:t>
+            </a:r>
+            <a:r>
+              <a:rPr lang="en-US" i="1" dirty="0">
+                <a:solidFill>
+                  <a:srgbClr val="8C8C8C"/>
+                </a:solidFill>
+                <a:effectLst/>
+                <a:latin typeface="JetBrains Mono"/>
+              </a:rPr>
+              <a:t>// you MUST use </a:t>
+            </a:r>
+            <a:r>
+              <a:rPr lang="en-US" i="1" dirty="0" err="1">
+                <a:solidFill>
+                  <a:srgbClr val="8C8C8C"/>
+                </a:solidFill>
+                <a:effectLst/>
+                <a:latin typeface="JetBrains Mono"/>
+              </a:rPr>
+              <a:t>GetPassport</a:t>
+            </a:r>
+            <a:r>
+              <a:rPr lang="en-US" i="1" dirty="0">
+                <a:solidFill>
+                  <a:srgbClr val="8C8C8C"/>
+                </a:solidFill>
+                <a:effectLst/>
+                <a:latin typeface="JetBrains Mono"/>
+              </a:rPr>
+              <a:t> here</a:t>
+            </a:r>
+            <a:br>
+              <a:rPr lang="en-US" i="1" dirty="0">
+                <a:solidFill>
+                  <a:srgbClr val="8C8C8C"/>
+                </a:solidFill>
+                <a:effectLst/>
+                <a:latin typeface="JetBrains Mono"/>
+              </a:rPr>
+            </a:br>
+            <a:r>
+              <a:rPr lang="en-US" i="1" dirty="0">
+                <a:solidFill>
+                  <a:srgbClr val="8C8C8C"/>
+                </a:solidFill>
+                <a:effectLst/>
+                <a:latin typeface="JetBrains Mono"/>
+              </a:rPr>
+              <a:t>    </a:t>
+            </a:r>
+            <a:r>
+              <a:rPr lang="en-US" dirty="0" err="1">
+                <a:solidFill>
+                  <a:srgbClr val="DD6718"/>
+                </a:solidFill>
+                <a:effectLst/>
+                <a:latin typeface="JetBrains Mono"/>
+              </a:rPr>
+              <a:t>assert_eq</a:t>
+            </a:r>
+            <a:r>
+              <a:rPr lang="en-US" dirty="0">
+                <a:solidFill>
+                  <a:srgbClr val="DD6718"/>
+                </a:solidFill>
+                <a:effectLst/>
+                <a:latin typeface="JetBrains Mono"/>
+              </a:rPr>
+              <a:t>!</a:t>
+            </a:r>
+            <a:r>
+              <a:rPr lang="en-US" dirty="0">
+                <a:solidFill>
+                  <a:srgbClr val="080808"/>
+                </a:solidFill>
+                <a:effectLst/>
+                <a:latin typeface="JetBrains Mono"/>
+              </a:rPr>
+              <a:t>(</a:t>
+            </a:r>
+            <a:r>
+              <a:rPr lang="en-US" dirty="0">
+                <a:solidFill>
+                  <a:srgbClr val="1750EB"/>
+                </a:solidFill>
+                <a:effectLst/>
+                <a:latin typeface="JetBrains Mono"/>
+              </a:rPr>
+              <a:t>111</a:t>
+            </a:r>
+            <a:r>
+              <a:rPr lang="en-US" dirty="0">
+                <a:solidFill>
+                  <a:srgbClr val="080808"/>
+                </a:solidFill>
+                <a:effectLst/>
+                <a:latin typeface="JetBrains Mono"/>
+              </a:rPr>
+              <a:t>, </a:t>
+            </a:r>
+            <a:r>
+              <a:rPr lang="en-US" dirty="0">
+                <a:solidFill>
+                  <a:srgbClr val="000000"/>
+                </a:solidFill>
+                <a:effectLst/>
+                <a:latin typeface="JetBrains Mono"/>
+              </a:rPr>
+              <a:t>passport</a:t>
+            </a:r>
+            <a:r>
+              <a:rPr lang="en-US" dirty="0">
+                <a:solidFill>
+                  <a:srgbClr val="080808"/>
+                </a:solidFill>
+                <a:effectLst/>
+                <a:latin typeface="JetBrains Mono"/>
+              </a:rPr>
+              <a:t>.</a:t>
+            </a:r>
+            <a:r>
+              <a:rPr lang="en-US" dirty="0">
+                <a:solidFill>
+                  <a:srgbClr val="1750EB"/>
+                </a:solidFill>
+                <a:effectLst/>
+                <a:latin typeface="JetBrains Mono"/>
+              </a:rPr>
+              <a:t>0</a:t>
+            </a:r>
+            <a:r>
+              <a:rPr lang="en-US" dirty="0">
+                <a:solidFill>
+                  <a:srgbClr val="080808"/>
+                </a:solidFill>
+                <a:effectLst/>
+                <a:latin typeface="JetBrains Mono"/>
+              </a:rPr>
+              <a:t>);</a:t>
+            </a:r>
+            <a:br>
+              <a:rPr lang="en-US" dirty="0">
+                <a:solidFill>
+                  <a:srgbClr val="080808"/>
+                </a:solidFill>
+                <a:effectLst/>
+                <a:latin typeface="JetBrains Mono"/>
+              </a:rPr>
+            </a:br>
+            <a:br>
+              <a:rPr lang="en-US" dirty="0">
+                <a:solidFill>
+                  <a:srgbClr val="080808"/>
+                </a:solidFill>
+                <a:effectLst/>
+                <a:latin typeface="JetBrains Mono"/>
+              </a:rPr>
+            </a:br>
+            <a:r>
+              <a:rPr lang="en-US" dirty="0">
+                <a:solidFill>
+                  <a:srgbClr val="080808"/>
+                </a:solidFill>
+                <a:effectLst/>
+                <a:latin typeface="JetBrains Mono"/>
+              </a:rPr>
+              <a:t>    </a:t>
+            </a:r>
+            <a:r>
+              <a:rPr lang="en-US" dirty="0" err="1">
+                <a:solidFill>
+                  <a:srgbClr val="000000"/>
+                </a:solidFill>
+                <a:effectLst/>
+                <a:latin typeface="JetBrains Mono"/>
+              </a:rPr>
+              <a:t>person</a:t>
+            </a:r>
+            <a:r>
+              <a:rPr lang="en-US" dirty="0" err="1">
+                <a:solidFill>
+                  <a:srgbClr val="080808"/>
+                </a:solidFill>
+                <a:effectLst/>
+                <a:latin typeface="JetBrains Mono"/>
+              </a:rPr>
+              <a:t>.gdpr</a:t>
+            </a:r>
+            <a:r>
+              <a:rPr lang="en-US" dirty="0">
+                <a:solidFill>
+                  <a:srgbClr val="080808"/>
+                </a:solidFill>
+                <a:effectLst/>
+                <a:latin typeface="JetBrains Mono"/>
+              </a:rPr>
+              <a:t>(); </a:t>
+            </a:r>
+            <a:r>
+              <a:rPr lang="en-US" i="1" dirty="0">
+                <a:solidFill>
+                  <a:srgbClr val="8C8C8C"/>
+                </a:solidFill>
+                <a:effectLst/>
+                <a:latin typeface="JetBrains Mono"/>
+              </a:rPr>
+              <a:t>// GDPR regulations requires removing user data from memory</a:t>
+            </a:r>
+            <a:br>
+              <a:rPr lang="en-US" i="1" dirty="0">
+                <a:solidFill>
+                  <a:srgbClr val="8C8C8C"/>
+                </a:solidFill>
+                <a:effectLst/>
+                <a:latin typeface="JetBrains Mono"/>
+              </a:rPr>
+            </a:br>
+            <a:r>
+              <a:rPr lang="en-US" dirty="0">
+                <a:solidFill>
+                  <a:srgbClr val="080808"/>
+                </a:solidFill>
+                <a:effectLst/>
+                <a:latin typeface="JetBrains Mono"/>
+              </a:rPr>
+              <a:t>}</a:t>
+            </a:r>
+            <a:br>
+              <a:rPr lang="en-US" dirty="0">
+                <a:solidFill>
+                  <a:srgbClr val="080808"/>
+                </a:solidFill>
+                <a:effectLst/>
+                <a:latin typeface="JetBrains Mono"/>
+              </a:rPr>
+            </a:br>
+            <a:br>
+              <a:rPr lang="en-US" dirty="0">
+                <a:solidFill>
+                  <a:srgbClr val="080808"/>
+                </a:solidFill>
+                <a:effectLst/>
+                <a:latin typeface="JetBrains Mono"/>
+              </a:rPr>
+            </a:br>
+            <a:r>
+              <a:rPr lang="en-US" dirty="0">
+                <a:solidFill>
+                  <a:srgbClr val="0033B3"/>
+                </a:solidFill>
+                <a:effectLst/>
+                <a:latin typeface="JetBrains Mono"/>
+              </a:rPr>
+              <a:t>trait </a:t>
+            </a:r>
+            <a:r>
+              <a:rPr lang="en-US" dirty="0" err="1">
+                <a:solidFill>
+                  <a:srgbClr val="000000"/>
+                </a:solidFill>
+                <a:effectLst/>
+                <a:latin typeface="JetBrains Mono"/>
+              </a:rPr>
+              <a:t>GetPassport</a:t>
+            </a:r>
+            <a:r>
+              <a:rPr lang="en-US" dirty="0">
+                <a:solidFill>
+                  <a:srgbClr val="000000"/>
+                </a:solidFill>
+                <a:effectLst/>
+                <a:latin typeface="JetBrains Mono"/>
+              </a:rPr>
+              <a:t> </a:t>
+            </a:r>
+            <a:r>
+              <a:rPr lang="en-US" dirty="0">
+                <a:solidFill>
+                  <a:srgbClr val="080808"/>
+                </a:solidFill>
+                <a:effectLst/>
+                <a:latin typeface="JetBrains Mono"/>
+              </a:rPr>
+              <a:t>{</a:t>
+            </a:r>
+            <a:br>
+              <a:rPr lang="en-US" dirty="0">
+                <a:solidFill>
+                  <a:srgbClr val="080808"/>
+                </a:solidFill>
+                <a:effectLst/>
+                <a:latin typeface="JetBrains Mono"/>
+              </a:rPr>
+            </a:br>
+            <a:r>
+              <a:rPr lang="en-US" dirty="0">
+                <a:solidFill>
+                  <a:srgbClr val="080808"/>
+                </a:solidFill>
+                <a:effectLst/>
+                <a:latin typeface="JetBrains Mono"/>
+              </a:rPr>
+              <a:t>    </a:t>
+            </a:r>
+            <a:r>
+              <a:rPr lang="en-US" dirty="0" err="1">
+                <a:solidFill>
+                  <a:srgbClr val="0033B3"/>
+                </a:solidFill>
+                <a:effectLst/>
+                <a:latin typeface="JetBrains Mono"/>
+              </a:rPr>
+              <a:t>fn</a:t>
+            </a:r>
+            <a:r>
+              <a:rPr lang="en-US" dirty="0">
+                <a:solidFill>
+                  <a:srgbClr val="0033B3"/>
+                </a:solidFill>
+                <a:effectLst/>
+                <a:latin typeface="JetBrains Mono"/>
+              </a:rPr>
+              <a:t> </a:t>
+            </a:r>
+            <a:r>
+              <a:rPr lang="en-US" dirty="0" err="1">
+                <a:solidFill>
+                  <a:srgbClr val="00627A"/>
+                </a:solidFill>
+                <a:effectLst/>
+                <a:latin typeface="JetBrains Mono"/>
+              </a:rPr>
+              <a:t>get_passport</a:t>
+            </a:r>
+            <a:r>
+              <a:rPr lang="en-US" dirty="0">
+                <a:solidFill>
+                  <a:srgbClr val="080808"/>
+                </a:solidFill>
+                <a:effectLst/>
+                <a:latin typeface="JetBrains Mono"/>
+              </a:rPr>
+              <a:t>(&amp;</a:t>
+            </a:r>
+            <a:r>
+              <a:rPr lang="en-US" dirty="0">
+                <a:solidFill>
+                  <a:srgbClr val="0033B3"/>
+                </a:solidFill>
+                <a:effectLst/>
+                <a:latin typeface="JetBrains Mono"/>
+              </a:rPr>
+              <a:t>self</a:t>
+            </a:r>
+            <a:r>
+              <a:rPr lang="en-US" dirty="0">
+                <a:solidFill>
+                  <a:srgbClr val="080808"/>
+                </a:solidFill>
+                <a:effectLst/>
+                <a:latin typeface="JetBrains Mono"/>
+              </a:rPr>
+              <a:t>) -&gt; </a:t>
+            </a:r>
+            <a:r>
+              <a:rPr lang="en-US" dirty="0" err="1">
+                <a:solidFill>
+                  <a:srgbClr val="000000"/>
+                </a:solidFill>
+                <a:effectLst/>
+                <a:latin typeface="JetBrains Mono"/>
+              </a:rPr>
+              <a:t>PassportNumber</a:t>
+            </a:r>
+            <a:r>
+              <a:rPr lang="en-US" dirty="0">
+                <a:solidFill>
+                  <a:srgbClr val="080808"/>
+                </a:solidFill>
+                <a:effectLst/>
+                <a:latin typeface="JetBrains Mono"/>
+              </a:rPr>
+              <a:t>;</a:t>
+            </a:r>
+            <a:br>
+              <a:rPr lang="en-US" dirty="0">
+                <a:solidFill>
+                  <a:srgbClr val="080808"/>
+                </a:solidFill>
+                <a:effectLst/>
+                <a:latin typeface="JetBrains Mono"/>
+              </a:rPr>
+            </a:br>
+            <a:r>
+              <a:rPr lang="en-US" dirty="0">
+                <a:solidFill>
+                  <a:srgbClr val="080808"/>
+                </a:solidFill>
+                <a:effectLst/>
+                <a:latin typeface="JetBrains Mono"/>
+              </a:rPr>
+              <a:t>}</a:t>
+            </a:r>
+          </a:p>
+          <a:p>
+            <a:pPr marL="0" indent="0">
+              <a:buNone/>
+            </a:pPr>
+            <a:endParaRPr lang="ru-RU" dirty="0"/>
+          </a:p>
+        </p:txBody>
+      </p:sp>
+    </p:spTree>
+    <p:extLst>
+      <p:ext uri="{BB962C8B-B14F-4D97-AF65-F5344CB8AC3E}">
+        <p14:creationId xmlns:p14="http://schemas.microsoft.com/office/powerpoint/2010/main" val="1237145490"/>
+      </p:ext>
+    </p:extLst>
+  </p:cSld>
+  <p:clrMapOvr>
+    <a:masterClrMapping/>
+  </p:clrMapOvr>
+</p:sld>
+</file>
+
+<file path=ppt/slides/slide54.xml><?xml version="1.0" encoding="utf-8"?>
+<p:sld xmlns:a="http://schemas.openxmlformats.org/drawingml/2006/main" xmlns:r="http://schemas.openxmlformats.org/officeDocument/2006/relationships" xmlns:p="http://schemas.openxmlformats.org/presentationml/2006/main">
+  <p:cSld>
+    <p:spTree>
+      <p:nvGrpSpPr>
+        <p:cNvPr id="1" name=""/>
+        <p:cNvGrpSpPr/>
+        <p:nvPr/>
+      </p:nvGrpSpPr>
+      <p:grpSpPr>
+        <a:xfrm>
+          <a:off x="0" y="0"/>
+          <a:ext cx="0" cy="0"/>
+          <a:chOff x="0" y="0"/>
+          <a:chExt cx="0" cy="0"/>
+        </a:xfrm>
+      </p:grpSpPr>
+      <p:sp>
+        <p:nvSpPr>
+          <p:cNvPr id="2" name="Title 1">
+            <a:extLst>
+              <a:ext uri="{FF2B5EF4-FFF2-40B4-BE49-F238E27FC236}">
+                <a16:creationId xmlns:a16="http://schemas.microsoft.com/office/drawing/2014/main" id="{601EDD6B-F06B-C074-A2A9-E71347D152C2}"/>
+              </a:ext>
+            </a:extLst>
+          </p:cNvPr>
+          <p:cNvSpPr>
+            <a:spLocks noGrp="1"/>
+          </p:cNvSpPr>
+          <p:nvPr>
+            <p:ph type="title"/>
+          </p:nvPr>
+        </p:nvSpPr>
+        <p:spPr/>
+        <p:txBody>
+          <a:bodyPr/>
+          <a:lstStyle/>
+          <a:p>
+            <a:r>
+              <a:rPr lang="en-US" dirty="0"/>
+              <a:t>Homework</a:t>
+            </a:r>
+            <a:endParaRPr lang="ru-RU" dirty="0"/>
+          </a:p>
+        </p:txBody>
+      </p:sp>
+      <p:sp>
+        <p:nvSpPr>
+          <p:cNvPr id="3" name="Content Placeholder 2">
+            <a:extLst>
+              <a:ext uri="{FF2B5EF4-FFF2-40B4-BE49-F238E27FC236}">
+                <a16:creationId xmlns:a16="http://schemas.microsoft.com/office/drawing/2014/main" id="{F3FE997A-892C-E509-B404-6DDC8DE1E021}"/>
+              </a:ext>
+            </a:extLst>
+          </p:cNvPr>
+          <p:cNvSpPr>
+            <a:spLocks noGrp="1"/>
+          </p:cNvSpPr>
+          <p:nvPr>
+            <p:ph idx="1"/>
+          </p:nvPr>
+        </p:nvSpPr>
+        <p:spPr/>
+        <p:txBody>
+          <a:bodyPr/>
+          <a:lstStyle/>
+          <a:p>
+            <a:r>
+              <a:rPr lang="en-US" dirty="0">
+                <a:hlinkClick r:id="rId2"/>
+              </a:rPr>
+              <a:t>https://classroom.github.com/a/plOShaam</a:t>
+            </a:r>
+            <a:endParaRPr lang="en-US" dirty="0"/>
+          </a:p>
+          <a:p>
+            <a:r>
+              <a:rPr lang="en-US" dirty="0"/>
+              <a:t>Rustlings:</a:t>
+            </a:r>
+          </a:p>
+          <a:p>
+            <a:pPr lvl="1"/>
+            <a:r>
+              <a:rPr lang="en-US" dirty="0">
+                <a:solidFill>
+                  <a:srgbClr val="24292F"/>
+                </a:solidFill>
+                <a:latin typeface="-apple-system"/>
+              </a:rPr>
+              <a:t>s</a:t>
+            </a:r>
+            <a:r>
+              <a:rPr lang="en-US" b="0" i="0" dirty="0">
+                <a:solidFill>
+                  <a:srgbClr val="24292F"/>
+                </a:solidFill>
+                <a:effectLst/>
+                <a:latin typeface="-apple-system"/>
+              </a:rPr>
+              <a:t>tructs</a:t>
+            </a:r>
+          </a:p>
+          <a:p>
+            <a:pPr lvl="1"/>
+            <a:r>
+              <a:rPr lang="en-US" dirty="0">
+                <a:solidFill>
+                  <a:srgbClr val="24292F"/>
+                </a:solidFill>
+                <a:latin typeface="-apple-system"/>
+              </a:rPr>
+              <a:t>g</a:t>
+            </a:r>
+            <a:r>
+              <a:rPr lang="en-US" b="0" i="0" dirty="0">
+                <a:solidFill>
+                  <a:srgbClr val="24292F"/>
+                </a:solidFill>
+                <a:effectLst/>
+                <a:latin typeface="-apple-system"/>
+              </a:rPr>
+              <a:t>enerics</a:t>
+            </a:r>
+            <a:endParaRPr lang="en-US" dirty="0">
+              <a:solidFill>
+                <a:srgbClr val="24292F"/>
+              </a:solidFill>
+              <a:latin typeface="-apple-system"/>
+            </a:endParaRPr>
+          </a:p>
+          <a:p>
+            <a:pPr lvl="1"/>
+            <a:r>
+              <a:rPr lang="en-US" b="0" i="0" dirty="0">
+                <a:solidFill>
+                  <a:srgbClr val="24292F"/>
+                </a:solidFill>
+                <a:effectLst/>
+                <a:latin typeface="-apple-system"/>
+              </a:rPr>
+              <a:t>traits</a:t>
+            </a:r>
+            <a:endParaRPr lang="ru-RU" dirty="0"/>
+          </a:p>
+        </p:txBody>
+      </p:sp>
+    </p:spTree>
+    <p:extLst>
+      <p:ext uri="{BB962C8B-B14F-4D97-AF65-F5344CB8AC3E}">
+        <p14:creationId xmlns:p14="http://schemas.microsoft.com/office/powerpoint/2010/main" val="1152584853"/>
+      </p:ext>
+    </p:extLst>
+  </p:cSld>
+  <p:clrMapOvr>
+    <a:masterClrMapping/>
+  </p:clrMapOvr>
 </p:sld>
 </file>
 

--- a/src/04-BuildingBlocks/04-BuildingBlocks.pptx
+++ b/src/04-BuildingBlocks/04-BuildingBlocks.pptx
@@ -1795,7 +1795,7 @@
           <a:p>
             <a:fld id="{65F018DB-0F0E-4385-9072-C2B7AE2C34B9}" type="datetimeFigureOut">
               <a:rPr lang="ru-RU" smtClean="0"/>
-              <a:t>25.02.2023</a:t>
+              <a:t>28.02.2023</a:t>
             </a:fld>
             <a:endParaRPr lang="ru-RU"/>
           </a:p>
@@ -2296,7 +2296,7 @@
           <a:p>
             <a:fld id="{EFAAC8F1-21AA-47EF-82D9-7929EA07D29D}" type="datetimeFigureOut">
               <a:rPr lang="ru-RU" smtClean="0"/>
-              <a:t>25.02.2023</a:t>
+              <a:t>28.02.2023</a:t>
             </a:fld>
             <a:endParaRPr lang="ru-RU"/>
           </a:p>
@@ -2496,7 +2496,7 @@
           <a:p>
             <a:fld id="{EFAAC8F1-21AA-47EF-82D9-7929EA07D29D}" type="datetimeFigureOut">
               <a:rPr lang="ru-RU" smtClean="0"/>
-              <a:t>25.02.2023</a:t>
+              <a:t>28.02.2023</a:t>
             </a:fld>
             <a:endParaRPr lang="ru-RU"/>
           </a:p>
@@ -2706,7 +2706,7 @@
           <a:p>
             <a:fld id="{EFAAC8F1-21AA-47EF-82D9-7929EA07D29D}" type="datetimeFigureOut">
               <a:rPr lang="ru-RU" smtClean="0"/>
-              <a:t>25.02.2023</a:t>
+              <a:t>28.02.2023</a:t>
             </a:fld>
             <a:endParaRPr lang="ru-RU"/>
           </a:p>
@@ -2906,7 +2906,7 @@
           <a:p>
             <a:fld id="{EFAAC8F1-21AA-47EF-82D9-7929EA07D29D}" type="datetimeFigureOut">
               <a:rPr lang="ru-RU" smtClean="0"/>
-              <a:t>25.02.2023</a:t>
+              <a:t>28.02.2023</a:t>
             </a:fld>
             <a:endParaRPr lang="ru-RU"/>
           </a:p>
@@ -3182,7 +3182,7 @@
           <a:p>
             <a:fld id="{EFAAC8F1-21AA-47EF-82D9-7929EA07D29D}" type="datetimeFigureOut">
               <a:rPr lang="ru-RU" smtClean="0"/>
-              <a:t>25.02.2023</a:t>
+              <a:t>28.02.2023</a:t>
             </a:fld>
             <a:endParaRPr lang="ru-RU"/>
           </a:p>
@@ -3450,7 +3450,7 @@
           <a:p>
             <a:fld id="{EFAAC8F1-21AA-47EF-82D9-7929EA07D29D}" type="datetimeFigureOut">
               <a:rPr lang="ru-RU" smtClean="0"/>
-              <a:t>25.02.2023</a:t>
+              <a:t>28.02.2023</a:t>
             </a:fld>
             <a:endParaRPr lang="ru-RU"/>
           </a:p>
@@ -3865,7 +3865,7 @@
           <a:p>
             <a:fld id="{EFAAC8F1-21AA-47EF-82D9-7929EA07D29D}" type="datetimeFigureOut">
               <a:rPr lang="ru-RU" smtClean="0"/>
-              <a:t>25.02.2023</a:t>
+              <a:t>28.02.2023</a:t>
             </a:fld>
             <a:endParaRPr lang="ru-RU"/>
           </a:p>
@@ -4007,7 +4007,7 @@
           <a:p>
             <a:fld id="{EFAAC8F1-21AA-47EF-82D9-7929EA07D29D}" type="datetimeFigureOut">
               <a:rPr lang="ru-RU" smtClean="0"/>
-              <a:t>25.02.2023</a:t>
+              <a:t>28.02.2023</a:t>
             </a:fld>
             <a:endParaRPr lang="ru-RU"/>
           </a:p>
@@ -4120,7 +4120,7 @@
           <a:p>
             <a:fld id="{EFAAC8F1-21AA-47EF-82D9-7929EA07D29D}" type="datetimeFigureOut">
               <a:rPr lang="ru-RU" smtClean="0"/>
-              <a:t>25.02.2023</a:t>
+              <a:t>28.02.2023</a:t>
             </a:fld>
             <a:endParaRPr lang="ru-RU"/>
           </a:p>
@@ -4433,7 +4433,7 @@
           <a:p>
             <a:fld id="{EFAAC8F1-21AA-47EF-82D9-7929EA07D29D}" type="datetimeFigureOut">
               <a:rPr lang="ru-RU" smtClean="0"/>
-              <a:t>25.02.2023</a:t>
+              <a:t>28.02.2023</a:t>
             </a:fld>
             <a:endParaRPr lang="ru-RU"/>
           </a:p>
@@ -4722,7 +4722,7 @@
           <a:p>
             <a:fld id="{EFAAC8F1-21AA-47EF-82D9-7929EA07D29D}" type="datetimeFigureOut">
               <a:rPr lang="ru-RU" smtClean="0"/>
-              <a:t>25.02.2023</a:t>
+              <a:t>28.02.2023</a:t>
             </a:fld>
             <a:endParaRPr lang="ru-RU"/>
           </a:p>
@@ -4965,7 +4965,7 @@
           <a:p>
             <a:fld id="{EFAAC8F1-21AA-47EF-82D9-7929EA07D29D}" type="datetimeFigureOut">
               <a:rPr lang="ru-RU" smtClean="0"/>
-              <a:t>25.02.2023</a:t>
+              <a:t>28.02.2023</a:t>
             </a:fld>
             <a:endParaRPr lang="ru-RU"/>
           </a:p>
@@ -13191,7 +13191,7 @@
             <a:spLocks noGrp="1"/>
           </p:cNvSpPr>
           <p:nvPr>
-            <p:ph type="ctrTitle"/>
+            <p:ph type="title"/>
           </p:nvPr>
         </p:nvSpPr>
         <p:spPr/>
@@ -13201,7 +13201,7 @@
           <a:p>
             <a:r>
               <a:rPr lang="en-US" dirty="0"/>
-              <a:t>Questions?</a:t>
+              <a:t>Homework</a:t>
             </a:r>
             <a:endParaRPr lang="ru-RU" dirty="0"/>
           </a:p>
@@ -13209,10 +13209,10 @@
       </p:sp>
       <p:sp>
         <p:nvSpPr>
-          <p:cNvPr id="4" name="Subtitle 3">
+          <p:cNvPr id="3" name="Content Placeholder 2">
             <a:extLst>
               <a:ext uri="{FF2B5EF4-FFF2-40B4-BE49-F238E27FC236}">
-                <a16:creationId xmlns:a16="http://schemas.microsoft.com/office/drawing/2014/main" id="{81D11646-187F-88DB-2B01-AA79799E4DD3}"/>
+                <a16:creationId xmlns:a16="http://schemas.microsoft.com/office/drawing/2014/main" id="{BCB57636-3E5E-B9FE-D215-24CE33099CE2}"/>
               </a:ext>
             </a:extLst>
           </p:cNvPr>
@@ -13220,7 +13220,7 @@
             <a:spLocks noGrp="1"/>
           </p:cNvSpPr>
           <p:nvPr>
-            <p:ph type="subTitle" idx="1"/>
+            <p:ph idx="1"/>
           </p:nvPr>
         </p:nvSpPr>
         <p:spPr/>
@@ -13228,7 +13228,544 @@
           <a:bodyPr/>
           <a:lstStyle/>
           <a:p>
-            <a:endParaRPr lang="ru-RU"/>
+            <a:pPr marL="0" indent="0">
+              <a:buNone/>
+            </a:pPr>
+            <a:r>
+              <a:rPr lang="en-US" dirty="0" err="1">
+                <a:solidFill>
+                  <a:srgbClr val="0033B3"/>
+                </a:solidFill>
+                <a:effectLst/>
+                <a:latin typeface="JetBrains Mono"/>
+              </a:rPr>
+              <a:t>fn</a:t>
+            </a:r>
+            <a:r>
+              <a:rPr lang="en-US" dirty="0">
+                <a:solidFill>
+                  <a:srgbClr val="0033B3"/>
+                </a:solidFill>
+                <a:effectLst/>
+                <a:latin typeface="JetBrains Mono"/>
+              </a:rPr>
+              <a:t> </a:t>
+            </a:r>
+            <a:r>
+              <a:rPr lang="en-US" dirty="0" err="1">
+                <a:solidFill>
+                  <a:srgbClr val="080808"/>
+                </a:solidFill>
+                <a:effectLst/>
+                <a:latin typeface="JetBrains Mono"/>
+              </a:rPr>
+              <a:t>get_count_ref_mut_as_parameter</a:t>
+            </a:r>
+            <a:r>
+              <a:rPr lang="en-US" dirty="0">
+                <a:solidFill>
+                  <a:srgbClr val="080808"/>
+                </a:solidFill>
+                <a:effectLst/>
+                <a:latin typeface="JetBrains Mono"/>
+              </a:rPr>
+              <a:t>&lt;</a:t>
+            </a:r>
+            <a:r>
+              <a:rPr lang="en-US" i="1" dirty="0">
+                <a:solidFill>
+                  <a:srgbClr val="20999D"/>
+                </a:solidFill>
+                <a:effectLst/>
+                <a:latin typeface="JetBrains Mono"/>
+              </a:rPr>
+              <a:t>'a</a:t>
+            </a:r>
+            <a:r>
+              <a:rPr lang="en-US" dirty="0">
+                <a:solidFill>
+                  <a:srgbClr val="080808"/>
+                </a:solidFill>
+                <a:effectLst/>
+                <a:latin typeface="JetBrains Mono"/>
+              </a:rPr>
+              <a:t>, </a:t>
+            </a:r>
+            <a:r>
+              <a:rPr lang="en-US" i="1" dirty="0">
+                <a:solidFill>
+                  <a:srgbClr val="20999D"/>
+                </a:solidFill>
+                <a:effectLst/>
+                <a:latin typeface="JetBrains Mono"/>
+              </a:rPr>
+              <a:t>'b</a:t>
+            </a:r>
+            <a:r>
+              <a:rPr lang="en-US" dirty="0">
+                <a:solidFill>
+                  <a:srgbClr val="080808"/>
+                </a:solidFill>
+                <a:effectLst/>
+                <a:latin typeface="JetBrains Mono"/>
+              </a:rPr>
+              <a:t>, </a:t>
+            </a:r>
+            <a:r>
+              <a:rPr lang="en-US" i="1" dirty="0">
+                <a:solidFill>
+                  <a:srgbClr val="20999D"/>
+                </a:solidFill>
+                <a:effectLst/>
+                <a:latin typeface="JetBrains Mono"/>
+              </a:rPr>
+              <a:t>'c</a:t>
+            </a:r>
+            <a:r>
+              <a:rPr lang="en-US" dirty="0">
+                <a:solidFill>
+                  <a:srgbClr val="080808"/>
+                </a:solidFill>
+                <a:effectLst/>
+                <a:latin typeface="JetBrains Mono"/>
+              </a:rPr>
+              <a:t>&gt;(ref1: &amp;</a:t>
+            </a:r>
+            <a:r>
+              <a:rPr lang="en-US" i="1" dirty="0">
+                <a:solidFill>
+                  <a:srgbClr val="20999D"/>
+                </a:solidFill>
+                <a:effectLst/>
+                <a:latin typeface="JetBrains Mono"/>
+              </a:rPr>
+              <a:t>'a </a:t>
+            </a:r>
+            <a:r>
+              <a:rPr lang="en-US" dirty="0">
+                <a:solidFill>
+                  <a:srgbClr val="0033B3"/>
+                </a:solidFill>
+                <a:effectLst/>
+                <a:latin typeface="JetBrains Mono"/>
+              </a:rPr>
+              <a:t>mut </a:t>
+            </a:r>
+            <a:r>
+              <a:rPr lang="en-US" dirty="0" err="1">
+                <a:solidFill>
+                  <a:srgbClr val="000000"/>
+                </a:solidFill>
+                <a:effectLst/>
+                <a:latin typeface="JetBrains Mono"/>
+              </a:rPr>
+              <a:t>MyStruct</a:t>
+            </a:r>
+            <a:r>
+              <a:rPr lang="en-US" dirty="0">
+                <a:solidFill>
+                  <a:srgbClr val="080808"/>
+                </a:solidFill>
+                <a:effectLst/>
+                <a:latin typeface="JetBrains Mono"/>
+              </a:rPr>
+              <a:t>, _ref2: &amp;</a:t>
+            </a:r>
+            <a:r>
+              <a:rPr lang="en-US" i="1" dirty="0">
+                <a:solidFill>
+                  <a:srgbClr val="20999D"/>
+                </a:solidFill>
+                <a:effectLst/>
+                <a:latin typeface="JetBrains Mono"/>
+              </a:rPr>
+              <a:t>'b </a:t>
+            </a:r>
+            <a:r>
+              <a:rPr lang="en-US" dirty="0">
+                <a:solidFill>
+                  <a:srgbClr val="0033B3"/>
+                </a:solidFill>
+                <a:effectLst/>
+                <a:latin typeface="JetBrains Mono"/>
+              </a:rPr>
+              <a:t>mut </a:t>
+            </a:r>
+            <a:r>
+              <a:rPr lang="en-US" dirty="0" err="1">
+                <a:solidFill>
+                  <a:srgbClr val="000000"/>
+                </a:solidFill>
+                <a:effectLst/>
+                <a:latin typeface="JetBrains Mono"/>
+              </a:rPr>
+              <a:t>MyStruct</a:t>
+            </a:r>
+            <a:r>
+              <a:rPr lang="en-US" dirty="0">
+                <a:solidFill>
+                  <a:srgbClr val="080808"/>
+                </a:solidFill>
+                <a:effectLst/>
+                <a:latin typeface="JetBrains Mono"/>
+              </a:rPr>
+              <a:t>, </a:t>
+            </a:r>
+            <a:r>
+              <a:rPr lang="en-US" dirty="0" err="1">
+                <a:solidFill>
+                  <a:srgbClr val="080808"/>
+                </a:solidFill>
+                <a:effectLst/>
+                <a:latin typeface="JetBrains Mono"/>
+              </a:rPr>
+              <a:t>ref_ref</a:t>
+            </a:r>
+            <a:r>
+              <a:rPr lang="en-US" dirty="0">
+                <a:solidFill>
+                  <a:srgbClr val="080808"/>
+                </a:solidFill>
+                <a:effectLst/>
+                <a:latin typeface="JetBrains Mono"/>
+              </a:rPr>
+              <a:t>: &amp;</a:t>
+            </a:r>
+            <a:r>
+              <a:rPr lang="en-US" i="1" dirty="0">
+                <a:solidFill>
+                  <a:srgbClr val="20999D"/>
+                </a:solidFill>
+                <a:effectLst/>
+                <a:latin typeface="JetBrains Mono"/>
+              </a:rPr>
+              <a:t>'c </a:t>
+            </a:r>
+            <a:r>
+              <a:rPr lang="en-US" dirty="0">
+                <a:solidFill>
+                  <a:srgbClr val="0033B3"/>
+                </a:solidFill>
+                <a:effectLst/>
+                <a:latin typeface="JetBrains Mono"/>
+              </a:rPr>
+              <a:t>mut </a:t>
+            </a:r>
+            <a:r>
+              <a:rPr lang="en-US" dirty="0">
+                <a:solidFill>
+                  <a:srgbClr val="080808"/>
+                </a:solidFill>
+                <a:effectLst/>
+                <a:latin typeface="JetBrains Mono"/>
+              </a:rPr>
+              <a:t>&amp;</a:t>
+            </a:r>
+            <a:r>
+              <a:rPr lang="en-US" i="1" dirty="0">
+                <a:solidFill>
+                  <a:srgbClr val="20999D"/>
+                </a:solidFill>
+                <a:effectLst/>
+                <a:latin typeface="JetBrains Mono"/>
+              </a:rPr>
+              <a:t>'a </a:t>
+            </a:r>
+            <a:r>
+              <a:rPr lang="en-US" dirty="0">
+                <a:solidFill>
+                  <a:srgbClr val="0033B3"/>
+                </a:solidFill>
+                <a:effectLst/>
+                <a:latin typeface="JetBrains Mono"/>
+              </a:rPr>
+              <a:t>mut i32</a:t>
+            </a:r>
+            <a:r>
+              <a:rPr lang="en-US" dirty="0">
+                <a:solidFill>
+                  <a:srgbClr val="080808"/>
+                </a:solidFill>
+                <a:effectLst/>
+                <a:latin typeface="JetBrains Mono"/>
+              </a:rPr>
+              <a:t>)</a:t>
+            </a:r>
+            <a:endParaRPr lang="en-US" dirty="0">
+              <a:solidFill>
+                <a:srgbClr val="080808"/>
+              </a:solidFill>
+              <a:latin typeface="JetBrains Mono"/>
+            </a:endParaRPr>
+          </a:p>
+          <a:p>
+            <a:pPr marL="0" indent="0">
+              <a:buNone/>
+            </a:pPr>
+            <a:r>
+              <a:rPr lang="en-US" dirty="0" err="1">
+                <a:solidFill>
+                  <a:srgbClr val="0033B3"/>
+                </a:solidFill>
+                <a:effectLst/>
+                <a:latin typeface="JetBrains Mono"/>
+              </a:rPr>
+              <a:t>fn</a:t>
+            </a:r>
+            <a:r>
+              <a:rPr lang="en-US" dirty="0">
+                <a:solidFill>
+                  <a:srgbClr val="0033B3"/>
+                </a:solidFill>
+                <a:effectLst/>
+                <a:latin typeface="JetBrains Mono"/>
+              </a:rPr>
+              <a:t> </a:t>
+            </a:r>
+            <a:r>
+              <a:rPr lang="en-US" dirty="0" err="1">
+                <a:solidFill>
+                  <a:srgbClr val="080808"/>
+                </a:solidFill>
+                <a:effectLst/>
+                <a:latin typeface="JetBrains Mono"/>
+              </a:rPr>
+              <a:t>get_count_ref_mut_as_parameter</a:t>
+            </a:r>
+            <a:r>
+              <a:rPr lang="en-US" dirty="0">
+                <a:solidFill>
+                  <a:srgbClr val="080808"/>
+                </a:solidFill>
+                <a:effectLst/>
+                <a:latin typeface="JetBrains Mono"/>
+              </a:rPr>
+              <a:t>&lt;</a:t>
+            </a:r>
+            <a:r>
+              <a:rPr lang="en-US" i="1" dirty="0">
+                <a:solidFill>
+                  <a:srgbClr val="20999D"/>
+                </a:solidFill>
+                <a:effectLst/>
+                <a:latin typeface="JetBrains Mono"/>
+              </a:rPr>
+              <a:t>'a</a:t>
+            </a:r>
+            <a:r>
+              <a:rPr lang="en-US" dirty="0">
+                <a:solidFill>
+                  <a:srgbClr val="080808"/>
+                </a:solidFill>
+                <a:effectLst/>
+                <a:latin typeface="JetBrains Mono"/>
+              </a:rPr>
+              <a:t>&gt;(ref1: &amp;</a:t>
+            </a:r>
+            <a:r>
+              <a:rPr lang="en-US" i="1" dirty="0">
+                <a:solidFill>
+                  <a:srgbClr val="20999D"/>
+                </a:solidFill>
+                <a:effectLst/>
+                <a:latin typeface="JetBrains Mono"/>
+              </a:rPr>
+              <a:t>'a </a:t>
+            </a:r>
+            <a:r>
+              <a:rPr lang="en-US" dirty="0">
+                <a:solidFill>
+                  <a:srgbClr val="0033B3"/>
+                </a:solidFill>
+                <a:effectLst/>
+                <a:latin typeface="JetBrains Mono"/>
+              </a:rPr>
+              <a:t>mut </a:t>
+            </a:r>
+            <a:r>
+              <a:rPr lang="en-US" dirty="0" err="1">
+                <a:solidFill>
+                  <a:srgbClr val="000000"/>
+                </a:solidFill>
+                <a:effectLst/>
+                <a:latin typeface="JetBrains Mono"/>
+              </a:rPr>
+              <a:t>MyStruct</a:t>
+            </a:r>
+            <a:r>
+              <a:rPr lang="en-US" dirty="0">
+                <a:solidFill>
+                  <a:srgbClr val="080808"/>
+                </a:solidFill>
+                <a:effectLst/>
+                <a:latin typeface="JetBrains Mono"/>
+              </a:rPr>
+              <a:t>, _ref2: &amp;</a:t>
+            </a:r>
+            <a:r>
+              <a:rPr lang="en-US" dirty="0">
+                <a:solidFill>
+                  <a:srgbClr val="0033B3"/>
+                </a:solidFill>
+                <a:effectLst/>
+                <a:latin typeface="JetBrains Mono"/>
+              </a:rPr>
+              <a:t>mut </a:t>
+            </a:r>
+            <a:r>
+              <a:rPr lang="en-US" dirty="0" err="1">
+                <a:solidFill>
+                  <a:srgbClr val="000000"/>
+                </a:solidFill>
+                <a:effectLst/>
+                <a:latin typeface="JetBrains Mono"/>
+              </a:rPr>
+              <a:t>MyStruct</a:t>
+            </a:r>
+            <a:r>
+              <a:rPr lang="en-US" dirty="0">
+                <a:solidFill>
+                  <a:srgbClr val="080808"/>
+                </a:solidFill>
+                <a:effectLst/>
+                <a:latin typeface="JetBrains Mono"/>
+              </a:rPr>
+              <a:t>, </a:t>
+            </a:r>
+            <a:r>
+              <a:rPr lang="en-US" dirty="0" err="1">
+                <a:solidFill>
+                  <a:srgbClr val="080808"/>
+                </a:solidFill>
+                <a:effectLst/>
+                <a:latin typeface="JetBrains Mono"/>
+              </a:rPr>
+              <a:t>ref_ref</a:t>
+            </a:r>
+            <a:r>
+              <a:rPr lang="en-US" dirty="0">
+                <a:solidFill>
+                  <a:srgbClr val="080808"/>
+                </a:solidFill>
+                <a:effectLst/>
+                <a:latin typeface="JetBrains Mono"/>
+              </a:rPr>
+              <a:t>: &amp;</a:t>
+            </a:r>
+            <a:r>
+              <a:rPr lang="en-US" dirty="0">
+                <a:solidFill>
+                  <a:srgbClr val="0033B3"/>
+                </a:solidFill>
+                <a:effectLst/>
+                <a:latin typeface="JetBrains Mono"/>
+              </a:rPr>
+              <a:t>mut </a:t>
+            </a:r>
+            <a:r>
+              <a:rPr lang="en-US" dirty="0">
+                <a:solidFill>
+                  <a:srgbClr val="080808"/>
+                </a:solidFill>
+                <a:effectLst/>
+                <a:latin typeface="JetBrains Mono"/>
+              </a:rPr>
+              <a:t>&amp;</a:t>
+            </a:r>
+            <a:r>
+              <a:rPr lang="en-US" i="1" dirty="0">
+                <a:solidFill>
+                  <a:srgbClr val="20999D"/>
+                </a:solidFill>
+                <a:effectLst/>
+                <a:latin typeface="JetBrains Mono"/>
+              </a:rPr>
+              <a:t>'a </a:t>
+            </a:r>
+            <a:r>
+              <a:rPr lang="en-US" dirty="0">
+                <a:solidFill>
+                  <a:srgbClr val="0033B3"/>
+                </a:solidFill>
+                <a:effectLst/>
+                <a:latin typeface="JetBrains Mono"/>
+              </a:rPr>
+              <a:t>mut i32</a:t>
+            </a:r>
+            <a:r>
+              <a:rPr lang="en-US" dirty="0">
+                <a:solidFill>
+                  <a:srgbClr val="080808"/>
+                </a:solidFill>
+                <a:effectLst/>
+                <a:latin typeface="JetBrains Mono"/>
+              </a:rPr>
+              <a:t>)</a:t>
+            </a:r>
+          </a:p>
+          <a:p>
+            <a:pPr marL="0" indent="0">
+              <a:buNone/>
+            </a:pPr>
+            <a:endParaRPr lang="en-US" dirty="0"/>
+          </a:p>
+          <a:p>
+            <a:pPr marL="0" indent="0">
+              <a:buNone/>
+            </a:pPr>
+            <a:r>
+              <a:rPr lang="en-US" dirty="0">
+                <a:solidFill>
+                  <a:srgbClr val="0033B3"/>
+                </a:solidFill>
+                <a:latin typeface="JetBrains Mono"/>
+              </a:rPr>
+              <a:t>return </a:t>
+            </a:r>
+            <a:r>
+              <a:rPr lang="en-US" dirty="0">
+                <a:solidFill>
+                  <a:srgbClr val="1750EB"/>
+                </a:solidFill>
+                <a:latin typeface="JetBrains Mono"/>
+              </a:rPr>
+              <a:t>42</a:t>
+            </a:r>
+            <a:r>
+              <a:rPr lang="en-US" dirty="0">
+                <a:solidFill>
+                  <a:srgbClr val="080808"/>
+                </a:solidFill>
+                <a:latin typeface="JetBrains Mono"/>
+              </a:rPr>
+              <a:t>;</a:t>
+            </a:r>
+          </a:p>
+          <a:p>
+            <a:pPr marL="0" indent="0">
+              <a:buNone/>
+            </a:pPr>
+            <a:r>
+              <a:rPr lang="en-US">
+                <a:solidFill>
+                  <a:srgbClr val="080808"/>
+                </a:solidFill>
+                <a:latin typeface="JetBrains Mono"/>
+              </a:rPr>
+              <a:t>42</a:t>
+            </a:r>
+            <a:endParaRPr lang="en-US" dirty="0">
+              <a:solidFill>
+                <a:srgbClr val="080808"/>
+              </a:solidFill>
+              <a:latin typeface="JetBrains Mono"/>
+            </a:endParaRPr>
+          </a:p>
+          <a:p>
+            <a:pPr marL="0" indent="0">
+              <a:buNone/>
+            </a:pPr>
+            <a:endParaRPr lang="ru-RU" dirty="0"/>
           </a:p>
         </p:txBody>
       </p:sp>
@@ -13242,6 +13779,186 @@
   <p:clrMapOvr>
     <a:masterClrMapping/>
   </p:clrMapOvr>
+  <p:timing>
+    <p:tnLst>
+      <p:par>
+        <p:cTn id="1" dur="indefinite" restart="never" nodeType="tmRoot">
+          <p:childTnLst>
+            <p:seq concurrent="1" nextAc="seek">
+              <p:cTn id="2" dur="indefinite" nodeType="mainSeq">
+                <p:childTnLst>
+                  <p:par>
+                    <p:cTn id="3" fill="hold">
+                      <p:stCondLst>
+                        <p:cond delay="indefinite"/>
+                      </p:stCondLst>
+                      <p:childTnLst>
+                        <p:par>
+                          <p:cTn id="4" fill="hold">
+                            <p:stCondLst>
+                              <p:cond delay="0"/>
+                            </p:stCondLst>
+                            <p:childTnLst>
+                              <p:par>
+                                <p:cTn id="5" presetID="1" presetClass="entr" presetSubtype="0" fill="hold" grpId="0" nodeType="clickEffect">
+                                  <p:stCondLst>
+                                    <p:cond delay="0"/>
+                                  </p:stCondLst>
+                                  <p:childTnLst>
+                                    <p:set>
+                                      <p:cBhvr>
+                                        <p:cTn id="6" dur="1" fill="hold">
+                                          <p:stCondLst>
+                                            <p:cond delay="0"/>
+                                          </p:stCondLst>
+                                        </p:cTn>
+                                        <p:tgtEl>
+                                          <p:spTgt spid="3">
+                                            <p:txEl>
+                                              <p:pRg st="1" end="1"/>
+                                            </p:txEl>
+                                          </p:spTgt>
+                                        </p:tgtEl>
+                                        <p:attrNameLst>
+                                          <p:attrName>style.visibility</p:attrName>
+                                        </p:attrNameLst>
+                                      </p:cBhvr>
+                                      <p:to>
+                                        <p:strVal val="visible"/>
+                                      </p:to>
+                                    </p:set>
+                                  </p:childTnLst>
+                                </p:cTn>
+                              </p:par>
+                            </p:childTnLst>
+                          </p:cTn>
+                        </p:par>
+                      </p:childTnLst>
+                    </p:cTn>
+                  </p:par>
+                  <p:par>
+                    <p:cTn id="7" fill="hold">
+                      <p:stCondLst>
+                        <p:cond delay="indefinite"/>
+                      </p:stCondLst>
+                      <p:childTnLst>
+                        <p:par>
+                          <p:cTn id="8" fill="hold">
+                            <p:stCondLst>
+                              <p:cond delay="0"/>
+                            </p:stCondLst>
+                            <p:childTnLst>
+                              <p:par>
+                                <p:cTn id="9" presetID="1" presetClass="entr" presetSubtype="0" fill="hold" grpId="0" nodeType="clickEffect">
+                                  <p:stCondLst>
+                                    <p:cond delay="0"/>
+                                  </p:stCondLst>
+                                  <p:childTnLst>
+                                    <p:set>
+                                      <p:cBhvr>
+                                        <p:cTn id="10" dur="1" fill="hold">
+                                          <p:stCondLst>
+                                            <p:cond delay="0"/>
+                                          </p:stCondLst>
+                                        </p:cTn>
+                                        <p:tgtEl>
+                                          <p:spTgt spid="3">
+                                            <p:txEl>
+                                              <p:pRg st="3" end="3"/>
+                                            </p:txEl>
+                                          </p:spTgt>
+                                        </p:tgtEl>
+                                        <p:attrNameLst>
+                                          <p:attrName>style.visibility</p:attrName>
+                                        </p:attrNameLst>
+                                      </p:cBhvr>
+                                      <p:to>
+                                        <p:strVal val="visible"/>
+                                      </p:to>
+                                    </p:set>
+                                  </p:childTnLst>
+                                </p:cTn>
+                              </p:par>
+                            </p:childTnLst>
+                          </p:cTn>
+                        </p:par>
+                      </p:childTnLst>
+                    </p:cTn>
+                  </p:par>
+                  <p:par>
+                    <p:cTn id="11" fill="hold">
+                      <p:stCondLst>
+                        <p:cond delay="indefinite"/>
+                      </p:stCondLst>
+                      <p:childTnLst>
+                        <p:par>
+                          <p:cTn id="12" fill="hold">
+                            <p:stCondLst>
+                              <p:cond delay="0"/>
+                            </p:stCondLst>
+                            <p:childTnLst>
+                              <p:par>
+                                <p:cTn id="13" presetID="1" presetClass="entr" presetSubtype="0" fill="hold" grpId="0" nodeType="clickEffect">
+                                  <p:stCondLst>
+                                    <p:cond delay="0"/>
+                                  </p:stCondLst>
+                                  <p:childTnLst>
+                                    <p:set>
+                                      <p:cBhvr>
+                                        <p:cTn id="14" dur="1" fill="hold">
+                                          <p:stCondLst>
+                                            <p:cond delay="0"/>
+                                          </p:stCondLst>
+                                        </p:cTn>
+                                        <p:tgtEl>
+                                          <p:spTgt spid="3">
+                                            <p:txEl>
+                                              <p:pRg st="4" end="4"/>
+                                            </p:txEl>
+                                          </p:spTgt>
+                                        </p:tgtEl>
+                                        <p:attrNameLst>
+                                          <p:attrName>style.visibility</p:attrName>
+                                        </p:attrNameLst>
+                                      </p:cBhvr>
+                                      <p:to>
+                                        <p:strVal val="visible"/>
+                                      </p:to>
+                                    </p:set>
+                                  </p:childTnLst>
+                                </p:cTn>
+                              </p:par>
+                            </p:childTnLst>
+                          </p:cTn>
+                        </p:par>
+                      </p:childTnLst>
+                    </p:cTn>
+                  </p:par>
+                </p:childTnLst>
+              </p:cTn>
+              <p:prevCondLst>
+                <p:cond evt="onPrev" delay="0">
+                  <p:tgtEl>
+                    <p:sldTgt/>
+                  </p:tgtEl>
+                </p:cond>
+              </p:prevCondLst>
+              <p:nextCondLst>
+                <p:cond evt="onNext" delay="0">
+                  <p:tgtEl>
+                    <p:sldTgt/>
+                  </p:tgtEl>
+                </p:cond>
+              </p:nextCondLst>
+            </p:seq>
+          </p:childTnLst>
+        </p:cTn>
+      </p:par>
+    </p:tnLst>
+    <p:bldLst>
+      <p:bldP spid="3" grpId="0" uiExpand="1" build="p"/>
+    </p:bldLst>
+  </p:timing>
 </p:sld>
 </file>
 

--- a/src/04-BuildingBlocks/04-BuildingBlocks.pptx
+++ b/src/04-BuildingBlocks/04-BuildingBlocks.pptx
@@ -23073,9 +23073,53 @@
             <a:r>
               <a:rPr lang="en-US" dirty="0">
                 <a:solidFill>
+                  <a:srgbClr val="0033B3"/>
+                </a:solidFill>
+                <a:latin typeface="JetBrains Mono"/>
+              </a:rPr>
+              <a:t>let </a:t>
+            </a:r>
+            <a:r>
+              <a:rPr lang="en-US" dirty="0">
+                <a:solidFill>
+                  <a:srgbClr val="000000"/>
+                </a:solidFill>
+                <a:latin typeface="JetBrains Mono"/>
+              </a:rPr>
+              <a:t>str</a:t>
+            </a:r>
+            <a:r>
+              <a:rPr lang="en-US" dirty="0">
+                <a:solidFill>
+                  <a:srgbClr val="080808"/>
+                </a:solidFill>
+                <a:latin typeface="JetBrains Mono"/>
+              </a:rPr>
+              <a:t>: </a:t>
+            </a:r>
+            <a:r>
+              <a:rPr lang="en-US" dirty="0">
+                <a:solidFill>
+                  <a:srgbClr val="000000"/>
+                </a:solidFill>
+                <a:latin typeface="JetBrains Mono"/>
+              </a:rPr>
+              <a:t>String </a:t>
+            </a:r>
+            <a:r>
+              <a:rPr lang="en-US" dirty="0">
+                <a:solidFill>
+                  <a:srgbClr val="080808"/>
+                </a:solidFill>
+                <a:latin typeface="JetBrains Mono"/>
+              </a:rPr>
+              <a:t>= </a:t>
+            </a:r>
+            <a:r>
+              <a:rPr lang="en-US" dirty="0">
+                <a:solidFill>
                   <a:srgbClr val="1750EB"/>
                 </a:solidFill>
-                <a:effectLst/>
                 <a:latin typeface="JetBrains Mono"/>
               </a:rPr>
               <a:t>42</a:t>
@@ -23085,10 +23129,9 @@
                 <a:solidFill>
                   <a:srgbClr val="080808"/>
                 </a:solidFill>
-                <a:effectLst/>
-                <a:latin typeface="JetBrains Mono"/>
-              </a:rPr>
-              <a:t>.print_me()</a:t>
+                <a:latin typeface="JetBrains Mono"/>
+              </a:rPr>
+              <a:t>.get_value1();</a:t>
             </a:r>
           </a:p>
           <a:p>
@@ -23138,6 +23181,55 @@
                                     <p:set>
                                       <p:cBhvr>
                                         <p:cTn id="6" dur="1" fill="hold">
+                                          <p:stCondLst>
+                                            <p:cond delay="0"/>
+                                          </p:stCondLst>
+                                        </p:cTn>
+                                        <p:tgtEl>
+                                          <p:spTgt spid="3">
+                                            <p:txEl>
+                                              <p:pRg st="0" end="0"/>
+                                            </p:txEl>
+                                          </p:spTgt>
+                                        </p:tgtEl>
+                                        <p:attrNameLst>
+                                          <p:attrName>style.visibility</p:attrName>
+                                        </p:attrNameLst>
+                                      </p:cBhvr>
+                                      <p:to>
+                                        <p:strVal val="visible"/>
+                                      </p:to>
+                                    </p:set>
+                                  </p:childTnLst>
+                                </p:cTn>
+                              </p:par>
+                            </p:childTnLst>
+                          </p:cTn>
+                        </p:par>
+                      </p:childTnLst>
+                    </p:cTn>
+                  </p:par>
+                  <p:par>
+                    <p:cTn id="7" fill="hold">
+                      <p:stCondLst>
+                        <p:cond delay="indefinite"/>
+                      </p:stCondLst>
+                      <p:childTnLst>
+                        <p:par>
+                          <p:cTn id="8" fill="hold">
+                            <p:stCondLst>
+                              <p:cond delay="0"/>
+                            </p:stCondLst>
+                            <p:childTnLst>
+                              <p:par>
+                                <p:cTn id="9" presetID="1" presetClass="entr" presetSubtype="0" fill="hold" grpId="0" nodeType="clickEffect">
+                                  <p:stCondLst>
+                                    <p:cond delay="0"/>
+                                  </p:stCondLst>
+                                  <p:childTnLst>
+                                    <p:set>
+                                      <p:cBhvr>
+                                        <p:cTn id="10" dur="1" fill="hold">
                                           <p:stCondLst>
                                             <p:cond delay="0"/>
                                           </p:stCondLst>
@@ -45934,7 +46026,7 @@
         <p:spPr/>
         <p:txBody>
           <a:bodyPr>
-            <a:normAutofit lnSpcReduction="10000"/>
+            <a:normAutofit fontScale="92500" lnSpcReduction="10000"/>
           </a:bodyPr>
           <a:lstStyle/>
           <a:p>
@@ -46131,15 +46223,11 @@
               </a:rPr>
               <a:t>));</a:t>
             </a:r>
-            <a:br>
-              <a:rPr lang="en-US" dirty="0">
-                <a:solidFill>
-                  <a:srgbClr val="080808"/>
-                </a:solidFill>
-                <a:effectLst/>
-                <a:latin typeface="JetBrains Mono"/>
-              </a:rPr>
-            </a:br>
+          </a:p>
+          <a:p>
+            <a:pPr marL="0" indent="0">
+              <a:buNone/>
+            </a:pPr>
             <a:r>
               <a:rPr lang="en-US" dirty="0">
                 <a:solidFill>
@@ -46210,15 +46298,11 @@
               </a:rPr>
               <a:t>;</a:t>
             </a:r>
-            <a:br>
-              <a:rPr lang="en-US" dirty="0">
-                <a:solidFill>
-                  <a:srgbClr val="080808"/>
-                </a:solidFill>
-                <a:effectLst/>
-                <a:latin typeface="JetBrains Mono"/>
-              </a:rPr>
-            </a:br>
+          </a:p>
+          <a:p>
+            <a:pPr marL="0" indent="0">
+              <a:buNone/>
+            </a:pPr>
             <a:r>
               <a:rPr lang="en-US" dirty="0">
                 <a:solidFill>
@@ -46427,15 +46511,11 @@
               </a:rPr>
               <a:t>};</a:t>
             </a:r>
-            <a:br>
-              <a:rPr lang="en-US" dirty="0">
-                <a:solidFill>
-                  <a:srgbClr val="080808"/>
-                </a:solidFill>
-                <a:effectLst/>
-                <a:latin typeface="JetBrains Mono"/>
-              </a:rPr>
-            </a:br>
+          </a:p>
+          <a:p>
+            <a:pPr marL="0" indent="0">
+              <a:buNone/>
+            </a:pPr>
             <a:r>
               <a:rPr lang="en-US" dirty="0">
                 <a:solidFill>
@@ -46820,7 +46900,7 @@
                                         <p:tgtEl>
                                           <p:spTgt spid="3">
                                             <p:txEl>
-                                              <p:pRg st="4" end="4"/>
+                                              <p:pRg st="0" end="0"/>
                                             </p:txEl>
                                           </p:spTgt>
                                         </p:tgtEl>
@@ -46869,7 +46949,7 @@
                                         <p:tgtEl>
                                           <p:spTgt spid="3">
                                             <p:txEl>
-                                              <p:pRg st="2" end="2"/>
+                                              <p:pRg st="1" end="1"/>
                                             </p:txEl>
                                           </p:spTgt>
                                         </p:tgtEl>
@@ -46903,7 +46983,7 @@
                             </p:stCondLst>
                             <p:childTnLst>
                               <p:par>
-                                <p:cTn id="13" presetID="1" presetClass="entr" presetSubtype="0" fill="hold" grpId="0" nodeType="clickEffect">
+                                <p:cTn id="13" presetID="1" presetClass="entr" presetSubtype="0" fill="hold" nodeType="clickEffect">
                                   <p:stCondLst>
                                     <p:cond delay="0"/>
                                   </p:stCondLst>
@@ -46911,6 +46991,202 @@
                                     <p:set>
                                       <p:cBhvr>
                                         <p:cTn id="14" dur="1" fill="hold">
+                                          <p:stCondLst>
+                                            <p:cond delay="0"/>
+                                          </p:stCondLst>
+                                        </p:cTn>
+                                        <p:tgtEl>
+                                          <p:spTgt spid="3">
+                                            <p:txEl>
+                                              <p:pRg st="2" end="2"/>
+                                            </p:txEl>
+                                          </p:spTgt>
+                                        </p:tgtEl>
+                                        <p:attrNameLst>
+                                          <p:attrName>style.visibility</p:attrName>
+                                        </p:attrNameLst>
+                                      </p:cBhvr>
+                                      <p:to>
+                                        <p:strVal val="visible"/>
+                                      </p:to>
+                                    </p:set>
+                                  </p:childTnLst>
+                                </p:cTn>
+                              </p:par>
+                            </p:childTnLst>
+                          </p:cTn>
+                        </p:par>
+                      </p:childTnLst>
+                    </p:cTn>
+                  </p:par>
+                  <p:par>
+                    <p:cTn id="15" fill="hold">
+                      <p:stCondLst>
+                        <p:cond delay="indefinite"/>
+                      </p:stCondLst>
+                      <p:childTnLst>
+                        <p:par>
+                          <p:cTn id="16" fill="hold">
+                            <p:stCondLst>
+                              <p:cond delay="0"/>
+                            </p:stCondLst>
+                            <p:childTnLst>
+                              <p:par>
+                                <p:cTn id="17" presetID="1" presetClass="entr" presetSubtype="0" fill="hold" nodeType="clickEffect">
+                                  <p:stCondLst>
+                                    <p:cond delay="0"/>
+                                  </p:stCondLst>
+                                  <p:childTnLst>
+                                    <p:set>
+                                      <p:cBhvr>
+                                        <p:cTn id="18" dur="1" fill="hold">
+                                          <p:stCondLst>
+                                            <p:cond delay="0"/>
+                                          </p:stCondLst>
+                                        </p:cTn>
+                                        <p:tgtEl>
+                                          <p:spTgt spid="3">
+                                            <p:txEl>
+                                              <p:pRg st="7" end="7"/>
+                                            </p:txEl>
+                                          </p:spTgt>
+                                        </p:tgtEl>
+                                        <p:attrNameLst>
+                                          <p:attrName>style.visibility</p:attrName>
+                                        </p:attrNameLst>
+                                      </p:cBhvr>
+                                      <p:to>
+                                        <p:strVal val="visible"/>
+                                      </p:to>
+                                    </p:set>
+                                  </p:childTnLst>
+                                </p:cTn>
+                              </p:par>
+                            </p:childTnLst>
+                          </p:cTn>
+                        </p:par>
+                      </p:childTnLst>
+                    </p:cTn>
+                  </p:par>
+                  <p:par>
+                    <p:cTn id="19" fill="hold">
+                      <p:stCondLst>
+                        <p:cond delay="indefinite"/>
+                      </p:stCondLst>
+                      <p:childTnLst>
+                        <p:par>
+                          <p:cTn id="20" fill="hold">
+                            <p:stCondLst>
+                              <p:cond delay="0"/>
+                            </p:stCondLst>
+                            <p:childTnLst>
+                              <p:par>
+                                <p:cTn id="21" presetID="1" presetClass="entr" presetSubtype="0" fill="hold" nodeType="clickEffect">
+                                  <p:stCondLst>
+                                    <p:cond delay="0"/>
+                                  </p:stCondLst>
+                                  <p:childTnLst>
+                                    <p:set>
+                                      <p:cBhvr>
+                                        <p:cTn id="22" dur="1" fill="hold">
+                                          <p:stCondLst>
+                                            <p:cond delay="0"/>
+                                          </p:stCondLst>
+                                        </p:cTn>
+                                        <p:tgtEl>
+                                          <p:spTgt spid="3">
+                                            <p:txEl>
+                                              <p:pRg st="4" end="4"/>
+                                            </p:txEl>
+                                          </p:spTgt>
+                                        </p:tgtEl>
+                                        <p:attrNameLst>
+                                          <p:attrName>style.visibility</p:attrName>
+                                        </p:attrNameLst>
+                                      </p:cBhvr>
+                                      <p:to>
+                                        <p:strVal val="visible"/>
+                                      </p:to>
+                                    </p:set>
+                                  </p:childTnLst>
+                                </p:cTn>
+                              </p:par>
+                            </p:childTnLst>
+                          </p:cTn>
+                        </p:par>
+                      </p:childTnLst>
+                    </p:cTn>
+                  </p:par>
+                  <p:par>
+                    <p:cTn id="23" fill="hold">
+                      <p:stCondLst>
+                        <p:cond delay="indefinite"/>
+                      </p:stCondLst>
+                      <p:childTnLst>
+                        <p:par>
+                          <p:cTn id="24" fill="hold">
+                            <p:stCondLst>
+                              <p:cond delay="0"/>
+                            </p:stCondLst>
+                            <p:childTnLst>
+                              <p:par>
+                                <p:cTn id="25" presetID="1" presetClass="entr" presetSubtype="0" fill="hold" nodeType="clickEffect">
+                                  <p:stCondLst>
+                                    <p:cond delay="0"/>
+                                  </p:stCondLst>
+                                  <p:childTnLst>
+                                    <p:set>
+                                      <p:cBhvr>
+                                        <p:cTn id="26" dur="1" fill="hold">
+                                          <p:stCondLst>
+                                            <p:cond delay="0"/>
+                                          </p:stCondLst>
+                                        </p:cTn>
+                                        <p:tgtEl>
+                                          <p:spTgt spid="3">
+                                            <p:txEl>
+                                              <p:pRg st="5" end="5"/>
+                                            </p:txEl>
+                                          </p:spTgt>
+                                        </p:tgtEl>
+                                        <p:attrNameLst>
+                                          <p:attrName>style.visibility</p:attrName>
+                                        </p:attrNameLst>
+                                      </p:cBhvr>
+                                      <p:to>
+                                        <p:strVal val="visible"/>
+                                      </p:to>
+                                    </p:set>
+                                  </p:childTnLst>
+                                </p:cTn>
+                              </p:par>
+                            </p:childTnLst>
+                          </p:cTn>
+                        </p:par>
+                      </p:childTnLst>
+                    </p:cTn>
+                  </p:par>
+                  <p:par>
+                    <p:cTn id="27" fill="hold">
+                      <p:stCondLst>
+                        <p:cond delay="indefinite"/>
+                      </p:stCondLst>
+                      <p:childTnLst>
+                        <p:par>
+                          <p:cTn id="28" fill="hold">
+                            <p:stCondLst>
+                              <p:cond delay="0"/>
+                            </p:stCondLst>
+                            <p:childTnLst>
+                              <p:par>
+                                <p:cTn id="29" presetID="1" presetClass="entr" presetSubtype="0" fill="hold" grpId="0" nodeType="clickEffect">
+                                  <p:stCondLst>
+                                    <p:cond delay="0"/>
+                                  </p:stCondLst>
+                                  <p:childTnLst>
+                                    <p:set>
+                                      <p:cBhvr>
+                                        <p:cTn id="30" dur="1" fill="hold">
                                           <p:stCondLst>
                                             <p:cond delay="0"/>
                                           </p:stCondLst>
